--- a/ppt/РЕЛЭКС-dev-02.pptx
+++ b/ppt/РЕЛЭКС-dev-02.pptx
@@ -1,37 +1,132 @@
 
 <file path=ppt/presentation.xml><?xml version="1.0" encoding="utf-8"?>
-<p:presentation xmlns:a="http://schemas.openxmlformats.org/drawingml/2006/main" xmlns:p="http://schemas.openxmlformats.org/presentationml/2006/main" xmlns:r="http://schemas.openxmlformats.org/officeDocument/2006/relationships" xmlns:p14="http://schemas.microsoft.com/office/powerpoint/2010/main" xmlns:p15="http://schemas.microsoft.com/office/powerpoint/2012/main" xmlns:mc="http://schemas.openxmlformats.org/markup-compatibility/2006">
+<p:presentation xmlns:a="http://schemas.openxmlformats.org/drawingml/2006/main" xmlns:r="http://schemas.openxmlformats.org/officeDocument/2006/relationships" xmlns:p="http://schemas.openxmlformats.org/presentationml/2006/main">
   <p:sldMasterIdLst>
-    <p:sldMasterId id="2147483648" r:id="rId2"/>
-    <p:sldMasterId id="2147483661" r:id="rId3"/>
+    <p:sldMasterId id="2147483648" r:id="rId1"/>
+    <p:sldMasterId id="2147483661" r:id="rId2"/>
   </p:sldMasterIdLst>
   <p:sldIdLst>
-    <p:sldId id="256" r:id="rId4"/>
-    <p:sldId id="257" r:id="rId5"/>
-    <p:sldId id="258" r:id="rId6"/>
-    <p:sldId id="259" r:id="rId7"/>
-    <p:sldId id="260" r:id="rId8"/>
-    <p:sldId id="261" r:id="rId9"/>
-    <p:sldId id="262" r:id="rId10"/>
-    <p:sldId id="263" r:id="rId11"/>
-    <p:sldId id="264" r:id="rId12"/>
-    <p:sldId id="265" r:id="rId13"/>
-    <p:sldId id="266" r:id="rId14"/>
-    <p:sldId id="267" r:id="rId15"/>
-    <p:sldId id="268" r:id="rId16"/>
-    <p:sldId id="269" r:id="rId17"/>
-    <p:sldId id="270" r:id="rId18"/>
-    <p:sldId id="271" r:id="rId19"/>
-    <p:sldId id="272" r:id="rId20"/>
-    <p:sldId id="273" r:id="rId21"/>
+    <p:sldId id="256" r:id="rId3"/>
+    <p:sldId id="257" r:id="rId4"/>
+    <p:sldId id="258" r:id="rId5"/>
+    <p:sldId id="259" r:id="rId6"/>
+    <p:sldId id="260" r:id="rId7"/>
+    <p:sldId id="261" r:id="rId8"/>
+    <p:sldId id="262" r:id="rId9"/>
+    <p:sldId id="263" r:id="rId10"/>
+    <p:sldId id="264" r:id="rId11"/>
+    <p:sldId id="265" r:id="rId12"/>
+    <p:sldId id="266" r:id="rId13"/>
+    <p:sldId id="267" r:id="rId14"/>
+    <p:sldId id="268" r:id="rId15"/>
+    <p:sldId id="269" r:id="rId16"/>
+    <p:sldId id="270" r:id="rId17"/>
+    <p:sldId id="271" r:id="rId18"/>
+    <p:sldId id="272" r:id="rId19"/>
+    <p:sldId id="273" r:id="rId20"/>
   </p:sldIdLst>
-  <p:sldSz cx="9144000" cy="6858000"/>
+  <p:sldSz cx="9144000" cy="6858000" type="screen4x3"/>
   <p:notesSz cx="7772400" cy="10058400"/>
+  <p:defaultTextStyle>
+    <a:defPPr>
+      <a:defRPr lang="en-US"/>
+    </a:defPPr>
+    <a:lvl1pPr marL="0" algn="l" defTabSz="914400" rtl="0" eaLnBrk="1" latinLnBrk="0" hangingPunct="1">
+      <a:defRPr sz="1800" kern="1200">
+        <a:solidFill>
+          <a:schemeClr val="tx1"/>
+        </a:solidFill>
+        <a:latin typeface="+mn-lt"/>
+        <a:ea typeface="+mn-ea"/>
+        <a:cs typeface="+mn-cs"/>
+      </a:defRPr>
+    </a:lvl1pPr>
+    <a:lvl2pPr marL="457200" algn="l" defTabSz="914400" rtl="0" eaLnBrk="1" latinLnBrk="0" hangingPunct="1">
+      <a:defRPr sz="1800" kern="1200">
+        <a:solidFill>
+          <a:schemeClr val="tx1"/>
+        </a:solidFill>
+        <a:latin typeface="+mn-lt"/>
+        <a:ea typeface="+mn-ea"/>
+        <a:cs typeface="+mn-cs"/>
+      </a:defRPr>
+    </a:lvl2pPr>
+    <a:lvl3pPr marL="914400" algn="l" defTabSz="914400" rtl="0" eaLnBrk="1" latinLnBrk="0" hangingPunct="1">
+      <a:defRPr sz="1800" kern="1200">
+        <a:solidFill>
+          <a:schemeClr val="tx1"/>
+        </a:solidFill>
+        <a:latin typeface="+mn-lt"/>
+        <a:ea typeface="+mn-ea"/>
+        <a:cs typeface="+mn-cs"/>
+      </a:defRPr>
+    </a:lvl3pPr>
+    <a:lvl4pPr marL="1371600" algn="l" defTabSz="914400" rtl="0" eaLnBrk="1" latinLnBrk="0" hangingPunct="1">
+      <a:defRPr sz="1800" kern="1200">
+        <a:solidFill>
+          <a:schemeClr val="tx1"/>
+        </a:solidFill>
+        <a:latin typeface="+mn-lt"/>
+        <a:ea typeface="+mn-ea"/>
+        <a:cs typeface="+mn-cs"/>
+      </a:defRPr>
+    </a:lvl4pPr>
+    <a:lvl5pPr marL="1828800" algn="l" defTabSz="914400" rtl="0" eaLnBrk="1" latinLnBrk="0" hangingPunct="1">
+      <a:defRPr sz="1800" kern="1200">
+        <a:solidFill>
+          <a:schemeClr val="tx1"/>
+        </a:solidFill>
+        <a:latin typeface="+mn-lt"/>
+        <a:ea typeface="+mn-ea"/>
+        <a:cs typeface="+mn-cs"/>
+      </a:defRPr>
+    </a:lvl5pPr>
+    <a:lvl6pPr marL="2286000" algn="l" defTabSz="914400" rtl="0" eaLnBrk="1" latinLnBrk="0" hangingPunct="1">
+      <a:defRPr sz="1800" kern="1200">
+        <a:solidFill>
+          <a:schemeClr val="tx1"/>
+        </a:solidFill>
+        <a:latin typeface="+mn-lt"/>
+        <a:ea typeface="+mn-ea"/>
+        <a:cs typeface="+mn-cs"/>
+      </a:defRPr>
+    </a:lvl6pPr>
+    <a:lvl7pPr marL="2743200" algn="l" defTabSz="914400" rtl="0" eaLnBrk="1" latinLnBrk="0" hangingPunct="1">
+      <a:defRPr sz="1800" kern="1200">
+        <a:solidFill>
+          <a:schemeClr val="tx1"/>
+        </a:solidFill>
+        <a:latin typeface="+mn-lt"/>
+        <a:ea typeface="+mn-ea"/>
+        <a:cs typeface="+mn-cs"/>
+      </a:defRPr>
+    </a:lvl7pPr>
+    <a:lvl8pPr marL="3200400" algn="l" defTabSz="914400" rtl="0" eaLnBrk="1" latinLnBrk="0" hangingPunct="1">
+      <a:defRPr sz="1800" kern="1200">
+        <a:solidFill>
+          <a:schemeClr val="tx1"/>
+        </a:solidFill>
+        <a:latin typeface="+mn-lt"/>
+        <a:ea typeface="+mn-ea"/>
+        <a:cs typeface="+mn-cs"/>
+      </a:defRPr>
+    </a:lvl8pPr>
+    <a:lvl9pPr marL="3657600" algn="l" defTabSz="914400" rtl="0" eaLnBrk="1" latinLnBrk="0" hangingPunct="1">
+      <a:defRPr sz="1800" kern="1200">
+        <a:solidFill>
+          <a:schemeClr val="tx1"/>
+        </a:solidFill>
+        <a:latin typeface="+mn-lt"/>
+        <a:ea typeface="+mn-ea"/>
+        <a:cs typeface="+mn-cs"/>
+      </a:defRPr>
+    </a:lvl9pPr>
+  </p:defaultTextStyle>
 </p:presentation>
 </file>
 
 <file path=ppt/slideLayouts/slideLayout1.xml><?xml version="1.0" encoding="utf-8"?>
-<p:sldLayout xmlns:a="http://schemas.openxmlformats.org/drawingml/2006/main" xmlns:p="http://schemas.openxmlformats.org/presentationml/2006/main" xmlns:r="http://schemas.openxmlformats.org/officeDocument/2006/relationships" xmlns:p14="http://schemas.microsoft.com/office/powerpoint/2010/main" xmlns:p15="http://schemas.microsoft.com/office/powerpoint/2012/main" xmlns:mc="http://schemas.openxmlformats.org/markup-compatibility/2006" type="blank" preserve="1">
+<p:sldLayout xmlns:a="http://schemas.openxmlformats.org/drawingml/2006/main" xmlns:r="http://schemas.openxmlformats.org/officeDocument/2006/relationships" xmlns:p="http://schemas.openxmlformats.org/presentationml/2006/main" type="blank" preserve="1">
   <p:cSld name="Blank Slide">
     <p:spTree>
       <p:nvGrpSpPr>
@@ -49,11 +144,14 @@
       </p:grpSpPr>
     </p:spTree>
   </p:cSld>
+  <p:clrMapOvr>
+    <a:masterClrMapping/>
+  </p:clrMapOvr>
 </p:sldLayout>
 </file>
 
 <file path=ppt/slideLayouts/slideLayout10.xml><?xml version="1.0" encoding="utf-8"?>
-<p:sldLayout xmlns:a="http://schemas.openxmlformats.org/drawingml/2006/main" xmlns:p="http://schemas.openxmlformats.org/presentationml/2006/main" xmlns:r="http://schemas.openxmlformats.org/officeDocument/2006/relationships" xmlns:p14="http://schemas.microsoft.com/office/powerpoint/2010/main" xmlns:p15="http://schemas.microsoft.com/office/powerpoint/2012/main" xmlns:mc="http://schemas.openxmlformats.org/markup-compatibility/2006" type="objOverTx" preserve="1">
+<p:sldLayout xmlns:a="http://schemas.openxmlformats.org/drawingml/2006/main" xmlns:r="http://schemas.openxmlformats.org/officeDocument/2006/relationships" xmlns:p="http://schemas.openxmlformats.org/presentationml/2006/main" type="objOverTx" preserve="1">
   <p:cSld name="Title, Content over Content">
     <p:spTree>
       <p:nvGrpSpPr>
@@ -89,15 +187,16 @@
           </a:prstGeom>
         </p:spPr>
         <p:txBody>
-          <a:bodyPr lIns="0" rIns="0" tIns="0" bIns="0" anchor="ctr"/>
-          <a:p>
-            <a:endParaRPr b="0" lang="en-US" sz="1800" spc="-1" strike="noStrike">
-              <a:solidFill>
-                <a:srgbClr val="000000"/>
-              </a:solidFill>
-              <a:uFill>
-                <a:solidFill>
-                  <a:srgbClr val="ffffff"/>
+          <a:bodyPr lIns="0" tIns="0" rIns="0" bIns="0" anchor="ctr"/>
+          <a:lstStyle/>
+          <a:p>
+            <a:endParaRPr lang="en-US" sz="1800" b="0" strike="noStrike" spc="-1">
+              <a:solidFill>
+                <a:srgbClr val="000000"/>
+              </a:solidFill>
+              <a:uFill>
+                <a:solidFill>
+                  <a:srgbClr val="FFFFFF"/>
                 </a:solidFill>
               </a:uFill>
               <a:latin typeface="Arial"/>
@@ -125,15 +224,16 @@
           </a:prstGeom>
         </p:spPr>
         <p:txBody>
-          <a:bodyPr lIns="0" rIns="0" tIns="0" bIns="0"/>
-          <a:p>
-            <a:endParaRPr b="0" lang="en-US" sz="2800" spc="-1" strike="noStrike">
-              <a:solidFill>
-                <a:srgbClr val="000000"/>
-              </a:solidFill>
-              <a:uFill>
-                <a:solidFill>
-                  <a:srgbClr val="ffffff"/>
+          <a:bodyPr lIns="0" tIns="0" rIns="0" bIns="0"/>
+          <a:lstStyle/>
+          <a:p>
+            <a:endParaRPr lang="en-US" sz="2800" b="0" strike="noStrike" spc="-1">
+              <a:solidFill>
+                <a:srgbClr val="000000"/>
+              </a:solidFill>
+              <a:uFill>
+                <a:solidFill>
+                  <a:srgbClr val="FFFFFF"/>
                 </a:solidFill>
               </a:uFill>
               <a:latin typeface="Arial"/>
@@ -161,15 +261,16 @@
           </a:prstGeom>
         </p:spPr>
         <p:txBody>
-          <a:bodyPr lIns="0" rIns="0" tIns="0" bIns="0"/>
-          <a:p>
-            <a:endParaRPr b="0" lang="en-US" sz="2800" spc="-1" strike="noStrike">
-              <a:solidFill>
-                <a:srgbClr val="000000"/>
-              </a:solidFill>
-              <a:uFill>
-                <a:solidFill>
-                  <a:srgbClr val="ffffff"/>
+          <a:bodyPr lIns="0" tIns="0" rIns="0" bIns="0"/>
+          <a:lstStyle/>
+          <a:p>
+            <a:endParaRPr lang="en-US" sz="2800" b="0" strike="noStrike" spc="-1">
+              <a:solidFill>
+                <a:srgbClr val="000000"/>
+              </a:solidFill>
+              <a:uFill>
+                <a:solidFill>
+                  <a:srgbClr val="FFFFFF"/>
                 </a:solidFill>
               </a:uFill>
               <a:latin typeface="Arial"/>
@@ -179,11 +280,14 @@
       </p:sp>
     </p:spTree>
   </p:cSld>
+  <p:clrMapOvr>
+    <a:masterClrMapping/>
+  </p:clrMapOvr>
 </p:sldLayout>
 </file>
 
 <file path=ppt/slideLayouts/slideLayout11.xml><?xml version="1.0" encoding="utf-8"?>
-<p:sldLayout xmlns:a="http://schemas.openxmlformats.org/drawingml/2006/main" xmlns:p="http://schemas.openxmlformats.org/presentationml/2006/main" xmlns:r="http://schemas.openxmlformats.org/officeDocument/2006/relationships" xmlns:p14="http://schemas.microsoft.com/office/powerpoint/2010/main" xmlns:p15="http://schemas.microsoft.com/office/powerpoint/2012/main" xmlns:mc="http://schemas.openxmlformats.org/markup-compatibility/2006" type="fourObj" preserve="1">
+<p:sldLayout xmlns:a="http://schemas.openxmlformats.org/drawingml/2006/main" xmlns:r="http://schemas.openxmlformats.org/officeDocument/2006/relationships" xmlns:p="http://schemas.openxmlformats.org/presentationml/2006/main" type="fourObj" preserve="1">
   <p:cSld name="Title, 4 Content">
     <p:spTree>
       <p:nvGrpSpPr>
@@ -219,15 +323,16 @@
           </a:prstGeom>
         </p:spPr>
         <p:txBody>
-          <a:bodyPr lIns="0" rIns="0" tIns="0" bIns="0" anchor="ctr"/>
-          <a:p>
-            <a:endParaRPr b="0" lang="en-US" sz="1800" spc="-1" strike="noStrike">
-              <a:solidFill>
-                <a:srgbClr val="000000"/>
-              </a:solidFill>
-              <a:uFill>
-                <a:solidFill>
-                  <a:srgbClr val="ffffff"/>
+          <a:bodyPr lIns="0" tIns="0" rIns="0" bIns="0" anchor="ctr"/>
+          <a:lstStyle/>
+          <a:p>
+            <a:endParaRPr lang="en-US" sz="1800" b="0" strike="noStrike" spc="-1">
+              <a:solidFill>
+                <a:srgbClr val="000000"/>
+              </a:solidFill>
+              <a:uFill>
+                <a:solidFill>
+                  <a:srgbClr val="FFFFFF"/>
                 </a:solidFill>
               </a:uFill>
               <a:latin typeface="Arial"/>
@@ -255,15 +360,16 @@
           </a:prstGeom>
         </p:spPr>
         <p:txBody>
-          <a:bodyPr lIns="0" rIns="0" tIns="0" bIns="0"/>
-          <a:p>
-            <a:endParaRPr b="0" lang="en-US" sz="2800" spc="-1" strike="noStrike">
-              <a:solidFill>
-                <a:srgbClr val="000000"/>
-              </a:solidFill>
-              <a:uFill>
-                <a:solidFill>
-                  <a:srgbClr val="ffffff"/>
+          <a:bodyPr lIns="0" tIns="0" rIns="0" bIns="0"/>
+          <a:lstStyle/>
+          <a:p>
+            <a:endParaRPr lang="en-US" sz="2800" b="0" strike="noStrike" spc="-1">
+              <a:solidFill>
+                <a:srgbClr val="000000"/>
+              </a:solidFill>
+              <a:uFill>
+                <a:solidFill>
+                  <a:srgbClr val="FFFFFF"/>
                 </a:solidFill>
               </a:uFill>
               <a:latin typeface="Arial"/>
@@ -291,15 +397,16 @@
           </a:prstGeom>
         </p:spPr>
         <p:txBody>
-          <a:bodyPr lIns="0" rIns="0" tIns="0" bIns="0"/>
-          <a:p>
-            <a:endParaRPr b="0" lang="en-US" sz="2800" spc="-1" strike="noStrike">
-              <a:solidFill>
-                <a:srgbClr val="000000"/>
-              </a:solidFill>
-              <a:uFill>
-                <a:solidFill>
-                  <a:srgbClr val="ffffff"/>
+          <a:bodyPr lIns="0" tIns="0" rIns="0" bIns="0"/>
+          <a:lstStyle/>
+          <a:p>
+            <a:endParaRPr lang="en-US" sz="2800" b="0" strike="noStrike" spc="-1">
+              <a:solidFill>
+                <a:srgbClr val="000000"/>
+              </a:solidFill>
+              <a:uFill>
+                <a:solidFill>
+                  <a:srgbClr val="FFFFFF"/>
                 </a:solidFill>
               </a:uFill>
               <a:latin typeface="Arial"/>
@@ -327,15 +434,16 @@
           </a:prstGeom>
         </p:spPr>
         <p:txBody>
-          <a:bodyPr lIns="0" rIns="0" tIns="0" bIns="0"/>
-          <a:p>
-            <a:endParaRPr b="0" lang="en-US" sz="2800" spc="-1" strike="noStrike">
-              <a:solidFill>
-                <a:srgbClr val="000000"/>
-              </a:solidFill>
-              <a:uFill>
-                <a:solidFill>
-                  <a:srgbClr val="ffffff"/>
+          <a:bodyPr lIns="0" tIns="0" rIns="0" bIns="0"/>
+          <a:lstStyle/>
+          <a:p>
+            <a:endParaRPr lang="en-US" sz="2800" b="0" strike="noStrike" spc="-1">
+              <a:solidFill>
+                <a:srgbClr val="000000"/>
+              </a:solidFill>
+              <a:uFill>
+                <a:solidFill>
+                  <a:srgbClr val="FFFFFF"/>
                 </a:solidFill>
               </a:uFill>
               <a:latin typeface="Arial"/>
@@ -363,15 +471,16 @@
           </a:prstGeom>
         </p:spPr>
         <p:txBody>
-          <a:bodyPr lIns="0" rIns="0" tIns="0" bIns="0"/>
-          <a:p>
-            <a:endParaRPr b="0" lang="en-US" sz="2800" spc="-1" strike="noStrike">
-              <a:solidFill>
-                <a:srgbClr val="000000"/>
-              </a:solidFill>
-              <a:uFill>
-                <a:solidFill>
-                  <a:srgbClr val="ffffff"/>
+          <a:bodyPr lIns="0" tIns="0" rIns="0" bIns="0"/>
+          <a:lstStyle/>
+          <a:p>
+            <a:endParaRPr lang="en-US" sz="2800" b="0" strike="noStrike" spc="-1">
+              <a:solidFill>
+                <a:srgbClr val="000000"/>
+              </a:solidFill>
+              <a:uFill>
+                <a:solidFill>
+                  <a:srgbClr val="FFFFFF"/>
                 </a:solidFill>
               </a:uFill>
               <a:latin typeface="Arial"/>
@@ -381,11 +490,14 @@
       </p:sp>
     </p:spTree>
   </p:cSld>
+  <p:clrMapOvr>
+    <a:masterClrMapping/>
+  </p:clrMapOvr>
 </p:sldLayout>
 </file>
 
 <file path=ppt/slideLayouts/slideLayout12.xml><?xml version="1.0" encoding="utf-8"?>
-<p:sldLayout xmlns:a="http://schemas.openxmlformats.org/drawingml/2006/main" xmlns:p="http://schemas.openxmlformats.org/presentationml/2006/main" xmlns:r="http://schemas.openxmlformats.org/officeDocument/2006/relationships" xmlns:p14="http://schemas.microsoft.com/office/powerpoint/2010/main" xmlns:p15="http://schemas.microsoft.com/office/powerpoint/2012/main" xmlns:mc="http://schemas.openxmlformats.org/markup-compatibility/2006" type="blank" preserve="1">
+<p:sldLayout xmlns:a="http://schemas.openxmlformats.org/drawingml/2006/main" xmlns:r="http://schemas.openxmlformats.org/officeDocument/2006/relationships" xmlns:p="http://schemas.openxmlformats.org/presentationml/2006/main" type="blank" preserve="1">
   <p:cSld name="Title, 6 Content">
     <p:spTree>
       <p:nvGrpSpPr>
@@ -421,15 +533,16 @@
           </a:prstGeom>
         </p:spPr>
         <p:txBody>
-          <a:bodyPr lIns="0" rIns="0" tIns="0" bIns="0" anchor="ctr"/>
-          <a:p>
-            <a:endParaRPr b="0" lang="en-US" sz="1800" spc="-1" strike="noStrike">
-              <a:solidFill>
-                <a:srgbClr val="000000"/>
-              </a:solidFill>
-              <a:uFill>
-                <a:solidFill>
-                  <a:srgbClr val="ffffff"/>
+          <a:bodyPr lIns="0" tIns="0" rIns="0" bIns="0" anchor="ctr"/>
+          <a:lstStyle/>
+          <a:p>
+            <a:endParaRPr lang="en-US" sz="1800" b="0" strike="noStrike" spc="-1">
+              <a:solidFill>
+                <a:srgbClr val="000000"/>
+              </a:solidFill>
+              <a:uFill>
+                <a:solidFill>
+                  <a:srgbClr val="FFFFFF"/>
                 </a:solidFill>
               </a:uFill>
               <a:latin typeface="Arial"/>
@@ -457,15 +570,16 @@
           </a:prstGeom>
         </p:spPr>
         <p:txBody>
-          <a:bodyPr lIns="0" rIns="0" tIns="0" bIns="0"/>
-          <a:p>
-            <a:endParaRPr b="0" lang="en-US" sz="2800" spc="-1" strike="noStrike">
-              <a:solidFill>
-                <a:srgbClr val="000000"/>
-              </a:solidFill>
-              <a:uFill>
-                <a:solidFill>
-                  <a:srgbClr val="ffffff"/>
+          <a:bodyPr lIns="0" tIns="0" rIns="0" bIns="0"/>
+          <a:lstStyle/>
+          <a:p>
+            <a:endParaRPr lang="en-US" sz="2800" b="0" strike="noStrike" spc="-1">
+              <a:solidFill>
+                <a:srgbClr val="000000"/>
+              </a:solidFill>
+              <a:uFill>
+                <a:solidFill>
+                  <a:srgbClr val="FFFFFF"/>
                 </a:solidFill>
               </a:uFill>
               <a:latin typeface="Arial"/>
@@ -493,15 +607,16 @@
           </a:prstGeom>
         </p:spPr>
         <p:txBody>
-          <a:bodyPr lIns="0" rIns="0" tIns="0" bIns="0"/>
-          <a:p>
-            <a:endParaRPr b="0" lang="en-US" sz="2800" spc="-1" strike="noStrike">
-              <a:solidFill>
-                <a:srgbClr val="000000"/>
-              </a:solidFill>
-              <a:uFill>
-                <a:solidFill>
-                  <a:srgbClr val="ffffff"/>
+          <a:bodyPr lIns="0" tIns="0" rIns="0" bIns="0"/>
+          <a:lstStyle/>
+          <a:p>
+            <a:endParaRPr lang="en-US" sz="2800" b="0" strike="noStrike" spc="-1">
+              <a:solidFill>
+                <a:srgbClr val="000000"/>
+              </a:solidFill>
+              <a:uFill>
+                <a:solidFill>
+                  <a:srgbClr val="FFFFFF"/>
                 </a:solidFill>
               </a:uFill>
               <a:latin typeface="Arial"/>
@@ -511,7 +626,7 @@
       </p:sp>
       <p:pic>
         <p:nvPicPr>
-          <p:cNvPr id="34" name="" descr=""/>
+          <p:cNvPr id="34" name="Picture 33"/>
           <p:cNvPicPr/>
           <p:nvPr/>
         </p:nvPicPr>
@@ -534,12 +649,12 @@
       </p:pic>
       <p:pic>
         <p:nvPicPr>
-          <p:cNvPr id="35" name="" descr=""/>
+          <p:cNvPr id="35" name="Picture 34"/>
           <p:cNvPicPr/>
           <p:nvPr/>
         </p:nvPicPr>
         <p:blipFill>
-          <a:blip r:embed="rId3"/>
+          <a:blip r:embed="rId2"/>
           <a:stretch/>
         </p:blipFill>
         <p:spPr>
@@ -557,11 +672,14 @@
       </p:pic>
     </p:spTree>
   </p:cSld>
+  <p:clrMapOvr>
+    <a:masterClrMapping/>
+  </p:clrMapOvr>
 </p:sldLayout>
 </file>
 
 <file path=ppt/slideLayouts/slideLayout13.xml><?xml version="1.0" encoding="utf-8"?>
-<p:sldLayout xmlns:a="http://schemas.openxmlformats.org/drawingml/2006/main" xmlns:p="http://schemas.openxmlformats.org/presentationml/2006/main" xmlns:r="http://schemas.openxmlformats.org/officeDocument/2006/relationships" xmlns:p14="http://schemas.microsoft.com/office/powerpoint/2010/main" xmlns:p15="http://schemas.microsoft.com/office/powerpoint/2012/main" xmlns:mc="http://schemas.openxmlformats.org/markup-compatibility/2006" type="blank" preserve="1">
+<p:sldLayout xmlns:a="http://schemas.openxmlformats.org/drawingml/2006/main" xmlns:r="http://schemas.openxmlformats.org/officeDocument/2006/relationships" xmlns:p="http://schemas.openxmlformats.org/presentationml/2006/main" type="blank" preserve="1">
   <p:cSld name="Blank Slide">
     <p:spTree>
       <p:nvGrpSpPr>
@@ -579,11 +697,14 @@
       </p:grpSpPr>
     </p:spTree>
   </p:cSld>
+  <p:clrMapOvr>
+    <a:masterClrMapping/>
+  </p:clrMapOvr>
 </p:sldLayout>
 </file>
 
 <file path=ppt/slideLayouts/slideLayout14.xml><?xml version="1.0" encoding="utf-8"?>
-<p:sldLayout xmlns:a="http://schemas.openxmlformats.org/drawingml/2006/main" xmlns:p="http://schemas.openxmlformats.org/presentationml/2006/main" xmlns:r="http://schemas.openxmlformats.org/officeDocument/2006/relationships" xmlns:p14="http://schemas.microsoft.com/office/powerpoint/2010/main" xmlns:p15="http://schemas.microsoft.com/office/powerpoint/2012/main" xmlns:mc="http://schemas.openxmlformats.org/markup-compatibility/2006" type="tx" preserve="1">
+<p:sldLayout xmlns:a="http://schemas.openxmlformats.org/drawingml/2006/main" xmlns:r="http://schemas.openxmlformats.org/officeDocument/2006/relationships" xmlns:p="http://schemas.openxmlformats.org/presentationml/2006/main" type="tx" preserve="1">
   <p:cSld name="Title Slide">
     <p:spTree>
       <p:nvGrpSpPr>
@@ -619,15 +740,16 @@
           </a:prstGeom>
         </p:spPr>
         <p:txBody>
-          <a:bodyPr lIns="0" rIns="0" tIns="0" bIns="0" anchor="ctr"/>
-          <a:p>
-            <a:endParaRPr b="0" lang="en-US" sz="1800" spc="-1" strike="noStrike">
-              <a:solidFill>
-                <a:srgbClr val="000000"/>
-              </a:solidFill>
-              <a:uFill>
-                <a:solidFill>
-                  <a:srgbClr val="ffffff"/>
+          <a:bodyPr lIns="0" tIns="0" rIns="0" bIns="0" anchor="ctr"/>
+          <a:lstStyle/>
+          <a:p>
+            <a:endParaRPr lang="en-US" sz="1800" b="0" strike="noStrike" spc="-1">
+              <a:solidFill>
+                <a:srgbClr val="000000"/>
+              </a:solidFill>
+              <a:uFill>
+                <a:solidFill>
+                  <a:srgbClr val="FFFFFF"/>
                 </a:solidFill>
               </a:uFill>
               <a:latin typeface="Arial"/>
@@ -655,16 +777,17 @@
           </a:prstGeom>
         </p:spPr>
         <p:txBody>
-          <a:bodyPr lIns="0" rIns="0" tIns="0" bIns="0" anchor="ctr"/>
+          <a:bodyPr lIns="0" tIns="0" rIns="0" bIns="0" anchor="ctr"/>
+          <a:lstStyle/>
           <a:p>
             <a:pPr algn="ctr"/>
-            <a:endParaRPr b="0" lang="en-US" sz="3200" spc="-1" strike="noStrike">
-              <a:solidFill>
-                <a:srgbClr val="000000"/>
-              </a:solidFill>
-              <a:uFill>
-                <a:solidFill>
-                  <a:srgbClr val="ffffff"/>
+            <a:endParaRPr lang="en-US" sz="3200" b="0" strike="noStrike" spc="-1">
+              <a:solidFill>
+                <a:srgbClr val="000000"/>
+              </a:solidFill>
+              <a:uFill>
+                <a:solidFill>
+                  <a:srgbClr val="FFFFFF"/>
                 </a:solidFill>
               </a:uFill>
               <a:latin typeface="Arial"/>
@@ -674,11 +797,14 @@
       </p:sp>
     </p:spTree>
   </p:cSld>
+  <p:clrMapOvr>
+    <a:masterClrMapping/>
+  </p:clrMapOvr>
 </p:sldLayout>
 </file>
 
 <file path=ppt/slideLayouts/slideLayout15.xml><?xml version="1.0" encoding="utf-8"?>
-<p:sldLayout xmlns:a="http://schemas.openxmlformats.org/drawingml/2006/main" xmlns:p="http://schemas.openxmlformats.org/presentationml/2006/main" xmlns:r="http://schemas.openxmlformats.org/officeDocument/2006/relationships" xmlns:p14="http://schemas.microsoft.com/office/powerpoint/2010/main" xmlns:p15="http://schemas.microsoft.com/office/powerpoint/2012/main" xmlns:mc="http://schemas.openxmlformats.org/markup-compatibility/2006" type="obj" preserve="1">
+<p:sldLayout xmlns:a="http://schemas.openxmlformats.org/drawingml/2006/main" xmlns:r="http://schemas.openxmlformats.org/officeDocument/2006/relationships" xmlns:p="http://schemas.openxmlformats.org/presentationml/2006/main" type="obj" preserve="1">
   <p:cSld name="Title, Content">
     <p:spTree>
       <p:nvGrpSpPr>
@@ -714,15 +840,16 @@
           </a:prstGeom>
         </p:spPr>
         <p:txBody>
-          <a:bodyPr lIns="0" rIns="0" tIns="0" bIns="0" anchor="ctr"/>
-          <a:p>
-            <a:endParaRPr b="0" lang="en-US" sz="1800" spc="-1" strike="noStrike">
-              <a:solidFill>
-                <a:srgbClr val="000000"/>
-              </a:solidFill>
-              <a:uFill>
-                <a:solidFill>
-                  <a:srgbClr val="ffffff"/>
+          <a:bodyPr lIns="0" tIns="0" rIns="0" bIns="0" anchor="ctr"/>
+          <a:lstStyle/>
+          <a:p>
+            <a:endParaRPr lang="en-US" sz="1800" b="0" strike="noStrike" spc="-1">
+              <a:solidFill>
+                <a:srgbClr val="000000"/>
+              </a:solidFill>
+              <a:uFill>
+                <a:solidFill>
+                  <a:srgbClr val="FFFFFF"/>
                 </a:solidFill>
               </a:uFill>
               <a:latin typeface="Arial"/>
@@ -750,15 +877,16 @@
           </a:prstGeom>
         </p:spPr>
         <p:txBody>
-          <a:bodyPr lIns="0" rIns="0" tIns="0" bIns="0"/>
-          <a:p>
-            <a:endParaRPr b="0" lang="en-US" sz="2800" spc="-1" strike="noStrike">
-              <a:solidFill>
-                <a:srgbClr val="000000"/>
-              </a:solidFill>
-              <a:uFill>
-                <a:solidFill>
-                  <a:srgbClr val="ffffff"/>
+          <a:bodyPr lIns="0" tIns="0" rIns="0" bIns="0"/>
+          <a:lstStyle/>
+          <a:p>
+            <a:endParaRPr lang="en-US" sz="2800" b="0" strike="noStrike" spc="-1">
+              <a:solidFill>
+                <a:srgbClr val="000000"/>
+              </a:solidFill>
+              <a:uFill>
+                <a:solidFill>
+                  <a:srgbClr val="FFFFFF"/>
                 </a:solidFill>
               </a:uFill>
               <a:latin typeface="Arial"/>
@@ -768,11 +896,14 @@
       </p:sp>
     </p:spTree>
   </p:cSld>
+  <p:clrMapOvr>
+    <a:masterClrMapping/>
+  </p:clrMapOvr>
 </p:sldLayout>
 </file>
 
 <file path=ppt/slideLayouts/slideLayout16.xml><?xml version="1.0" encoding="utf-8"?>
-<p:sldLayout xmlns:a="http://schemas.openxmlformats.org/drawingml/2006/main" xmlns:p="http://schemas.openxmlformats.org/presentationml/2006/main" xmlns:r="http://schemas.openxmlformats.org/officeDocument/2006/relationships" xmlns:p14="http://schemas.microsoft.com/office/powerpoint/2010/main" xmlns:p15="http://schemas.microsoft.com/office/powerpoint/2012/main" xmlns:mc="http://schemas.openxmlformats.org/markup-compatibility/2006" type="twoObj" preserve="1">
+<p:sldLayout xmlns:a="http://schemas.openxmlformats.org/drawingml/2006/main" xmlns:r="http://schemas.openxmlformats.org/officeDocument/2006/relationships" xmlns:p="http://schemas.openxmlformats.org/presentationml/2006/main" type="twoObj" preserve="1">
   <p:cSld name="Title, 2 Content">
     <p:spTree>
       <p:nvGrpSpPr>
@@ -808,15 +939,16 @@
           </a:prstGeom>
         </p:spPr>
         <p:txBody>
-          <a:bodyPr lIns="0" rIns="0" tIns="0" bIns="0" anchor="ctr"/>
-          <a:p>
-            <a:endParaRPr b="0" lang="en-US" sz="1800" spc="-1" strike="noStrike">
-              <a:solidFill>
-                <a:srgbClr val="000000"/>
-              </a:solidFill>
-              <a:uFill>
-                <a:solidFill>
-                  <a:srgbClr val="ffffff"/>
+          <a:bodyPr lIns="0" tIns="0" rIns="0" bIns="0" anchor="ctr"/>
+          <a:lstStyle/>
+          <a:p>
+            <a:endParaRPr lang="en-US" sz="1800" b="0" strike="noStrike" spc="-1">
+              <a:solidFill>
+                <a:srgbClr val="000000"/>
+              </a:solidFill>
+              <a:uFill>
+                <a:solidFill>
+                  <a:srgbClr val="FFFFFF"/>
                 </a:solidFill>
               </a:uFill>
               <a:latin typeface="Arial"/>
@@ -844,15 +976,16 @@
           </a:prstGeom>
         </p:spPr>
         <p:txBody>
-          <a:bodyPr lIns="0" rIns="0" tIns="0" bIns="0"/>
-          <a:p>
-            <a:endParaRPr b="0" lang="en-US" sz="2800" spc="-1" strike="noStrike">
-              <a:solidFill>
-                <a:srgbClr val="000000"/>
-              </a:solidFill>
-              <a:uFill>
-                <a:solidFill>
-                  <a:srgbClr val="ffffff"/>
+          <a:bodyPr lIns="0" tIns="0" rIns="0" bIns="0"/>
+          <a:lstStyle/>
+          <a:p>
+            <a:endParaRPr lang="en-US" sz="2800" b="0" strike="noStrike" spc="-1">
+              <a:solidFill>
+                <a:srgbClr val="000000"/>
+              </a:solidFill>
+              <a:uFill>
+                <a:solidFill>
+                  <a:srgbClr val="FFFFFF"/>
                 </a:solidFill>
               </a:uFill>
               <a:latin typeface="Arial"/>
@@ -880,15 +1013,16 @@
           </a:prstGeom>
         </p:spPr>
         <p:txBody>
-          <a:bodyPr lIns="0" rIns="0" tIns="0" bIns="0"/>
-          <a:p>
-            <a:endParaRPr b="0" lang="en-US" sz="2800" spc="-1" strike="noStrike">
-              <a:solidFill>
-                <a:srgbClr val="000000"/>
-              </a:solidFill>
-              <a:uFill>
-                <a:solidFill>
-                  <a:srgbClr val="ffffff"/>
+          <a:bodyPr lIns="0" tIns="0" rIns="0" bIns="0"/>
+          <a:lstStyle/>
+          <a:p>
+            <a:endParaRPr lang="en-US" sz="2800" b="0" strike="noStrike" spc="-1">
+              <a:solidFill>
+                <a:srgbClr val="000000"/>
+              </a:solidFill>
+              <a:uFill>
+                <a:solidFill>
+                  <a:srgbClr val="FFFFFF"/>
                 </a:solidFill>
               </a:uFill>
               <a:latin typeface="Arial"/>
@@ -898,11 +1032,14 @@
       </p:sp>
     </p:spTree>
   </p:cSld>
+  <p:clrMapOvr>
+    <a:masterClrMapping/>
+  </p:clrMapOvr>
 </p:sldLayout>
 </file>
 
 <file path=ppt/slideLayouts/slideLayout17.xml><?xml version="1.0" encoding="utf-8"?>
-<p:sldLayout xmlns:a="http://schemas.openxmlformats.org/drawingml/2006/main" xmlns:p="http://schemas.openxmlformats.org/presentationml/2006/main" xmlns:r="http://schemas.openxmlformats.org/officeDocument/2006/relationships" xmlns:p14="http://schemas.microsoft.com/office/powerpoint/2010/main" xmlns:p15="http://schemas.microsoft.com/office/powerpoint/2012/main" xmlns:mc="http://schemas.openxmlformats.org/markup-compatibility/2006" type="titleOnly" preserve="1">
+<p:sldLayout xmlns:a="http://schemas.openxmlformats.org/drawingml/2006/main" xmlns:r="http://schemas.openxmlformats.org/officeDocument/2006/relationships" xmlns:p="http://schemas.openxmlformats.org/presentationml/2006/main" type="titleOnly" preserve="1">
   <p:cSld name="Title Only">
     <p:spTree>
       <p:nvGrpSpPr>
@@ -938,15 +1075,16 @@
           </a:prstGeom>
         </p:spPr>
         <p:txBody>
-          <a:bodyPr lIns="0" rIns="0" tIns="0" bIns="0" anchor="ctr"/>
-          <a:p>
-            <a:endParaRPr b="0" lang="en-US" sz="1800" spc="-1" strike="noStrike">
-              <a:solidFill>
-                <a:srgbClr val="000000"/>
-              </a:solidFill>
-              <a:uFill>
-                <a:solidFill>
-                  <a:srgbClr val="ffffff"/>
+          <a:bodyPr lIns="0" tIns="0" rIns="0" bIns="0" anchor="ctr"/>
+          <a:lstStyle/>
+          <a:p>
+            <a:endParaRPr lang="en-US" sz="1800" b="0" strike="noStrike" spc="-1">
+              <a:solidFill>
+                <a:srgbClr val="000000"/>
+              </a:solidFill>
+              <a:uFill>
+                <a:solidFill>
+                  <a:srgbClr val="FFFFFF"/>
                 </a:solidFill>
               </a:uFill>
               <a:latin typeface="Arial"/>
@@ -956,11 +1094,14 @@
       </p:sp>
     </p:spTree>
   </p:cSld>
+  <p:clrMapOvr>
+    <a:masterClrMapping/>
+  </p:clrMapOvr>
 </p:sldLayout>
 </file>
 
 <file path=ppt/slideLayouts/slideLayout18.xml><?xml version="1.0" encoding="utf-8"?>
-<p:sldLayout xmlns:a="http://schemas.openxmlformats.org/drawingml/2006/main" xmlns:p="http://schemas.openxmlformats.org/presentationml/2006/main" xmlns:r="http://schemas.openxmlformats.org/officeDocument/2006/relationships" xmlns:p14="http://schemas.microsoft.com/office/powerpoint/2010/main" xmlns:p15="http://schemas.microsoft.com/office/powerpoint/2012/main" xmlns:mc="http://schemas.openxmlformats.org/markup-compatibility/2006" type="objOnly" preserve="1">
+<p:sldLayout xmlns:a="http://schemas.openxmlformats.org/drawingml/2006/main" xmlns:r="http://schemas.openxmlformats.org/officeDocument/2006/relationships" xmlns:p="http://schemas.openxmlformats.org/presentationml/2006/main" type="objOnly" preserve="1">
   <p:cSld name="Centered Text">
     <p:spTree>
       <p:nvGrpSpPr>
@@ -996,16 +1137,17 @@
           </a:prstGeom>
         </p:spPr>
         <p:txBody>
-          <a:bodyPr lIns="0" rIns="0" tIns="0" bIns="0" anchor="ctr"/>
+          <a:bodyPr lIns="0" tIns="0" rIns="0" bIns="0" anchor="ctr"/>
+          <a:lstStyle/>
           <a:p>
             <a:pPr algn="ctr"/>
-            <a:endParaRPr b="0" lang="en-US" sz="3200" spc="-1" strike="noStrike">
-              <a:solidFill>
-                <a:srgbClr val="000000"/>
-              </a:solidFill>
-              <a:uFill>
-                <a:solidFill>
-                  <a:srgbClr val="ffffff"/>
+            <a:endParaRPr lang="en-US" sz="3200" b="0" strike="noStrike" spc="-1">
+              <a:solidFill>
+                <a:srgbClr val="000000"/>
+              </a:solidFill>
+              <a:uFill>
+                <a:solidFill>
+                  <a:srgbClr val="FFFFFF"/>
                 </a:solidFill>
               </a:uFill>
               <a:latin typeface="Arial"/>
@@ -1015,11 +1157,14 @@
       </p:sp>
     </p:spTree>
   </p:cSld>
+  <p:clrMapOvr>
+    <a:masterClrMapping/>
+  </p:clrMapOvr>
 </p:sldLayout>
 </file>
 
 <file path=ppt/slideLayouts/slideLayout19.xml><?xml version="1.0" encoding="utf-8"?>
-<p:sldLayout xmlns:a="http://schemas.openxmlformats.org/drawingml/2006/main" xmlns:p="http://schemas.openxmlformats.org/presentationml/2006/main" xmlns:r="http://schemas.openxmlformats.org/officeDocument/2006/relationships" xmlns:p14="http://schemas.microsoft.com/office/powerpoint/2010/main" xmlns:p15="http://schemas.microsoft.com/office/powerpoint/2012/main" xmlns:mc="http://schemas.openxmlformats.org/markup-compatibility/2006" type="twoObjAndObj" preserve="1">
+<p:sldLayout xmlns:a="http://schemas.openxmlformats.org/drawingml/2006/main" xmlns:r="http://schemas.openxmlformats.org/officeDocument/2006/relationships" xmlns:p="http://schemas.openxmlformats.org/presentationml/2006/main" type="twoObjAndObj" preserve="1">
   <p:cSld name="Title, 2 Content and Content">
     <p:spTree>
       <p:nvGrpSpPr>
@@ -1055,15 +1200,16 @@
           </a:prstGeom>
         </p:spPr>
         <p:txBody>
-          <a:bodyPr lIns="0" rIns="0" tIns="0" bIns="0" anchor="ctr"/>
-          <a:p>
-            <a:endParaRPr b="0" lang="en-US" sz="1800" spc="-1" strike="noStrike">
-              <a:solidFill>
-                <a:srgbClr val="000000"/>
-              </a:solidFill>
-              <a:uFill>
-                <a:solidFill>
-                  <a:srgbClr val="ffffff"/>
+          <a:bodyPr lIns="0" tIns="0" rIns="0" bIns="0" anchor="ctr"/>
+          <a:lstStyle/>
+          <a:p>
+            <a:endParaRPr lang="en-US" sz="1800" b="0" strike="noStrike" spc="-1">
+              <a:solidFill>
+                <a:srgbClr val="000000"/>
+              </a:solidFill>
+              <a:uFill>
+                <a:solidFill>
+                  <a:srgbClr val="FFFFFF"/>
                 </a:solidFill>
               </a:uFill>
               <a:latin typeface="Arial"/>
@@ -1091,15 +1237,16 @@
           </a:prstGeom>
         </p:spPr>
         <p:txBody>
-          <a:bodyPr lIns="0" rIns="0" tIns="0" bIns="0"/>
-          <a:p>
-            <a:endParaRPr b="0" lang="en-US" sz="2800" spc="-1" strike="noStrike">
-              <a:solidFill>
-                <a:srgbClr val="000000"/>
-              </a:solidFill>
-              <a:uFill>
-                <a:solidFill>
-                  <a:srgbClr val="ffffff"/>
+          <a:bodyPr lIns="0" tIns="0" rIns="0" bIns="0"/>
+          <a:lstStyle/>
+          <a:p>
+            <a:endParaRPr lang="en-US" sz="2800" b="0" strike="noStrike" spc="-1">
+              <a:solidFill>
+                <a:srgbClr val="000000"/>
+              </a:solidFill>
+              <a:uFill>
+                <a:solidFill>
+                  <a:srgbClr val="FFFFFF"/>
                 </a:solidFill>
               </a:uFill>
               <a:latin typeface="Arial"/>
@@ -1127,15 +1274,16 @@
           </a:prstGeom>
         </p:spPr>
         <p:txBody>
-          <a:bodyPr lIns="0" rIns="0" tIns="0" bIns="0"/>
-          <a:p>
-            <a:endParaRPr b="0" lang="en-US" sz="2800" spc="-1" strike="noStrike">
-              <a:solidFill>
-                <a:srgbClr val="000000"/>
-              </a:solidFill>
-              <a:uFill>
-                <a:solidFill>
-                  <a:srgbClr val="ffffff"/>
+          <a:bodyPr lIns="0" tIns="0" rIns="0" bIns="0"/>
+          <a:lstStyle/>
+          <a:p>
+            <a:endParaRPr lang="en-US" sz="2800" b="0" strike="noStrike" spc="-1">
+              <a:solidFill>
+                <a:srgbClr val="000000"/>
+              </a:solidFill>
+              <a:uFill>
+                <a:solidFill>
+                  <a:srgbClr val="FFFFFF"/>
                 </a:solidFill>
               </a:uFill>
               <a:latin typeface="Arial"/>
@@ -1163,15 +1311,16 @@
           </a:prstGeom>
         </p:spPr>
         <p:txBody>
-          <a:bodyPr lIns="0" rIns="0" tIns="0" bIns="0"/>
-          <a:p>
-            <a:endParaRPr b="0" lang="en-US" sz="2800" spc="-1" strike="noStrike">
-              <a:solidFill>
-                <a:srgbClr val="000000"/>
-              </a:solidFill>
-              <a:uFill>
-                <a:solidFill>
-                  <a:srgbClr val="ffffff"/>
+          <a:bodyPr lIns="0" tIns="0" rIns="0" bIns="0"/>
+          <a:lstStyle/>
+          <a:p>
+            <a:endParaRPr lang="en-US" sz="2800" b="0" strike="noStrike" spc="-1">
+              <a:solidFill>
+                <a:srgbClr val="000000"/>
+              </a:solidFill>
+              <a:uFill>
+                <a:solidFill>
+                  <a:srgbClr val="FFFFFF"/>
                 </a:solidFill>
               </a:uFill>
               <a:latin typeface="Arial"/>
@@ -1181,11 +1330,14 @@
       </p:sp>
     </p:spTree>
   </p:cSld>
+  <p:clrMapOvr>
+    <a:masterClrMapping/>
+  </p:clrMapOvr>
 </p:sldLayout>
 </file>
 
 <file path=ppt/slideLayouts/slideLayout2.xml><?xml version="1.0" encoding="utf-8"?>
-<p:sldLayout xmlns:a="http://schemas.openxmlformats.org/drawingml/2006/main" xmlns:p="http://schemas.openxmlformats.org/presentationml/2006/main" xmlns:r="http://schemas.openxmlformats.org/officeDocument/2006/relationships" xmlns:p14="http://schemas.microsoft.com/office/powerpoint/2010/main" xmlns:p15="http://schemas.microsoft.com/office/powerpoint/2012/main" xmlns:mc="http://schemas.openxmlformats.org/markup-compatibility/2006" type="tx" preserve="1">
+<p:sldLayout xmlns:a="http://schemas.openxmlformats.org/drawingml/2006/main" xmlns:r="http://schemas.openxmlformats.org/officeDocument/2006/relationships" xmlns:p="http://schemas.openxmlformats.org/presentationml/2006/main" type="tx" preserve="1">
   <p:cSld name="Title Slide">
     <p:spTree>
       <p:nvGrpSpPr>
@@ -1221,15 +1373,16 @@
           </a:prstGeom>
         </p:spPr>
         <p:txBody>
-          <a:bodyPr lIns="0" rIns="0" tIns="0" bIns="0" anchor="ctr"/>
-          <a:p>
-            <a:endParaRPr b="0" lang="en-US" sz="1800" spc="-1" strike="noStrike">
-              <a:solidFill>
-                <a:srgbClr val="000000"/>
-              </a:solidFill>
-              <a:uFill>
-                <a:solidFill>
-                  <a:srgbClr val="ffffff"/>
+          <a:bodyPr lIns="0" tIns="0" rIns="0" bIns="0" anchor="ctr"/>
+          <a:lstStyle/>
+          <a:p>
+            <a:endParaRPr lang="en-US" sz="1800" b="0" strike="noStrike" spc="-1">
+              <a:solidFill>
+                <a:srgbClr val="000000"/>
+              </a:solidFill>
+              <a:uFill>
+                <a:solidFill>
+                  <a:srgbClr val="FFFFFF"/>
                 </a:solidFill>
               </a:uFill>
               <a:latin typeface="Arial"/>
@@ -1257,16 +1410,17 @@
           </a:prstGeom>
         </p:spPr>
         <p:txBody>
-          <a:bodyPr lIns="0" rIns="0" tIns="0" bIns="0" anchor="ctr"/>
+          <a:bodyPr lIns="0" tIns="0" rIns="0" bIns="0" anchor="ctr"/>
+          <a:lstStyle/>
           <a:p>
             <a:pPr algn="ctr"/>
-            <a:endParaRPr b="0" lang="en-US" sz="3200" spc="-1" strike="noStrike">
-              <a:solidFill>
-                <a:srgbClr val="000000"/>
-              </a:solidFill>
-              <a:uFill>
-                <a:solidFill>
-                  <a:srgbClr val="ffffff"/>
+            <a:endParaRPr lang="en-US" sz="3200" b="0" strike="noStrike" spc="-1">
+              <a:solidFill>
+                <a:srgbClr val="000000"/>
+              </a:solidFill>
+              <a:uFill>
+                <a:solidFill>
+                  <a:srgbClr val="FFFFFF"/>
                 </a:solidFill>
               </a:uFill>
               <a:latin typeface="Arial"/>
@@ -1276,11 +1430,14 @@
       </p:sp>
     </p:spTree>
   </p:cSld>
+  <p:clrMapOvr>
+    <a:masterClrMapping/>
+  </p:clrMapOvr>
 </p:sldLayout>
 </file>
 
 <file path=ppt/slideLayouts/slideLayout20.xml><?xml version="1.0" encoding="utf-8"?>
-<p:sldLayout xmlns:a="http://schemas.openxmlformats.org/drawingml/2006/main" xmlns:p="http://schemas.openxmlformats.org/presentationml/2006/main" xmlns:r="http://schemas.openxmlformats.org/officeDocument/2006/relationships" xmlns:p14="http://schemas.microsoft.com/office/powerpoint/2010/main" xmlns:p15="http://schemas.microsoft.com/office/powerpoint/2012/main" xmlns:mc="http://schemas.openxmlformats.org/markup-compatibility/2006" type="objAndTwoObj" preserve="1">
+<p:sldLayout xmlns:a="http://schemas.openxmlformats.org/drawingml/2006/main" xmlns:r="http://schemas.openxmlformats.org/officeDocument/2006/relationships" xmlns:p="http://schemas.openxmlformats.org/presentationml/2006/main" type="objAndTwoObj" preserve="1">
   <p:cSld name="Title Content and 2 Content">
     <p:spTree>
       <p:nvGrpSpPr>
@@ -1316,15 +1473,16 @@
           </a:prstGeom>
         </p:spPr>
         <p:txBody>
-          <a:bodyPr lIns="0" rIns="0" tIns="0" bIns="0" anchor="ctr"/>
-          <a:p>
-            <a:endParaRPr b="0" lang="en-US" sz="1800" spc="-1" strike="noStrike">
-              <a:solidFill>
-                <a:srgbClr val="000000"/>
-              </a:solidFill>
-              <a:uFill>
-                <a:solidFill>
-                  <a:srgbClr val="ffffff"/>
+          <a:bodyPr lIns="0" tIns="0" rIns="0" bIns="0" anchor="ctr"/>
+          <a:lstStyle/>
+          <a:p>
+            <a:endParaRPr lang="en-US" sz="1800" b="0" strike="noStrike" spc="-1">
+              <a:solidFill>
+                <a:srgbClr val="000000"/>
+              </a:solidFill>
+              <a:uFill>
+                <a:solidFill>
+                  <a:srgbClr val="FFFFFF"/>
                 </a:solidFill>
               </a:uFill>
               <a:latin typeface="Arial"/>
@@ -1352,15 +1510,16 @@
           </a:prstGeom>
         </p:spPr>
         <p:txBody>
-          <a:bodyPr lIns="0" rIns="0" tIns="0" bIns="0"/>
-          <a:p>
-            <a:endParaRPr b="0" lang="en-US" sz="2800" spc="-1" strike="noStrike">
-              <a:solidFill>
-                <a:srgbClr val="000000"/>
-              </a:solidFill>
-              <a:uFill>
-                <a:solidFill>
-                  <a:srgbClr val="ffffff"/>
+          <a:bodyPr lIns="0" tIns="0" rIns="0" bIns="0"/>
+          <a:lstStyle/>
+          <a:p>
+            <a:endParaRPr lang="en-US" sz="2800" b="0" strike="noStrike" spc="-1">
+              <a:solidFill>
+                <a:srgbClr val="000000"/>
+              </a:solidFill>
+              <a:uFill>
+                <a:solidFill>
+                  <a:srgbClr val="FFFFFF"/>
                 </a:solidFill>
               </a:uFill>
               <a:latin typeface="Arial"/>
@@ -1388,15 +1547,16 @@
           </a:prstGeom>
         </p:spPr>
         <p:txBody>
-          <a:bodyPr lIns="0" rIns="0" tIns="0" bIns="0"/>
-          <a:p>
-            <a:endParaRPr b="0" lang="en-US" sz="2800" spc="-1" strike="noStrike">
-              <a:solidFill>
-                <a:srgbClr val="000000"/>
-              </a:solidFill>
-              <a:uFill>
-                <a:solidFill>
-                  <a:srgbClr val="ffffff"/>
+          <a:bodyPr lIns="0" tIns="0" rIns="0" bIns="0"/>
+          <a:lstStyle/>
+          <a:p>
+            <a:endParaRPr lang="en-US" sz="2800" b="0" strike="noStrike" spc="-1">
+              <a:solidFill>
+                <a:srgbClr val="000000"/>
+              </a:solidFill>
+              <a:uFill>
+                <a:solidFill>
+                  <a:srgbClr val="FFFFFF"/>
                 </a:solidFill>
               </a:uFill>
               <a:latin typeface="Arial"/>
@@ -1424,15 +1584,16 @@
           </a:prstGeom>
         </p:spPr>
         <p:txBody>
-          <a:bodyPr lIns="0" rIns="0" tIns="0" bIns="0"/>
-          <a:p>
-            <a:endParaRPr b="0" lang="en-US" sz="2800" spc="-1" strike="noStrike">
-              <a:solidFill>
-                <a:srgbClr val="000000"/>
-              </a:solidFill>
-              <a:uFill>
-                <a:solidFill>
-                  <a:srgbClr val="ffffff"/>
+          <a:bodyPr lIns="0" tIns="0" rIns="0" bIns="0"/>
+          <a:lstStyle/>
+          <a:p>
+            <a:endParaRPr lang="en-US" sz="2800" b="0" strike="noStrike" spc="-1">
+              <a:solidFill>
+                <a:srgbClr val="000000"/>
+              </a:solidFill>
+              <a:uFill>
+                <a:solidFill>
+                  <a:srgbClr val="FFFFFF"/>
                 </a:solidFill>
               </a:uFill>
               <a:latin typeface="Arial"/>
@@ -1442,11 +1603,14 @@
       </p:sp>
     </p:spTree>
   </p:cSld>
+  <p:clrMapOvr>
+    <a:masterClrMapping/>
+  </p:clrMapOvr>
 </p:sldLayout>
 </file>
 
 <file path=ppt/slideLayouts/slideLayout21.xml><?xml version="1.0" encoding="utf-8"?>
-<p:sldLayout xmlns:a="http://schemas.openxmlformats.org/drawingml/2006/main" xmlns:p="http://schemas.openxmlformats.org/presentationml/2006/main" xmlns:r="http://schemas.openxmlformats.org/officeDocument/2006/relationships" xmlns:p14="http://schemas.microsoft.com/office/powerpoint/2010/main" xmlns:p15="http://schemas.microsoft.com/office/powerpoint/2012/main" xmlns:mc="http://schemas.openxmlformats.org/markup-compatibility/2006" type="twoObjOverTx" preserve="1">
+<p:sldLayout xmlns:a="http://schemas.openxmlformats.org/drawingml/2006/main" xmlns:r="http://schemas.openxmlformats.org/officeDocument/2006/relationships" xmlns:p="http://schemas.openxmlformats.org/presentationml/2006/main" type="twoObjOverTx" preserve="1">
   <p:cSld name="Title, 2 Content over Content">
     <p:spTree>
       <p:nvGrpSpPr>
@@ -1482,15 +1646,16 @@
           </a:prstGeom>
         </p:spPr>
         <p:txBody>
-          <a:bodyPr lIns="0" rIns="0" tIns="0" bIns="0" anchor="ctr"/>
-          <a:p>
-            <a:endParaRPr b="0" lang="en-US" sz="1800" spc="-1" strike="noStrike">
-              <a:solidFill>
-                <a:srgbClr val="000000"/>
-              </a:solidFill>
-              <a:uFill>
-                <a:solidFill>
-                  <a:srgbClr val="ffffff"/>
+          <a:bodyPr lIns="0" tIns="0" rIns="0" bIns="0" anchor="ctr"/>
+          <a:lstStyle/>
+          <a:p>
+            <a:endParaRPr lang="en-US" sz="1800" b="0" strike="noStrike" spc="-1">
+              <a:solidFill>
+                <a:srgbClr val="000000"/>
+              </a:solidFill>
+              <a:uFill>
+                <a:solidFill>
+                  <a:srgbClr val="FFFFFF"/>
                 </a:solidFill>
               </a:uFill>
               <a:latin typeface="Arial"/>
@@ -1518,15 +1683,16 @@
           </a:prstGeom>
         </p:spPr>
         <p:txBody>
-          <a:bodyPr lIns="0" rIns="0" tIns="0" bIns="0"/>
-          <a:p>
-            <a:endParaRPr b="0" lang="en-US" sz="2800" spc="-1" strike="noStrike">
-              <a:solidFill>
-                <a:srgbClr val="000000"/>
-              </a:solidFill>
-              <a:uFill>
-                <a:solidFill>
-                  <a:srgbClr val="ffffff"/>
+          <a:bodyPr lIns="0" tIns="0" rIns="0" bIns="0"/>
+          <a:lstStyle/>
+          <a:p>
+            <a:endParaRPr lang="en-US" sz="2800" b="0" strike="noStrike" spc="-1">
+              <a:solidFill>
+                <a:srgbClr val="000000"/>
+              </a:solidFill>
+              <a:uFill>
+                <a:solidFill>
+                  <a:srgbClr val="FFFFFF"/>
                 </a:solidFill>
               </a:uFill>
               <a:latin typeface="Arial"/>
@@ -1554,15 +1720,16 @@
           </a:prstGeom>
         </p:spPr>
         <p:txBody>
-          <a:bodyPr lIns="0" rIns="0" tIns="0" bIns="0"/>
-          <a:p>
-            <a:endParaRPr b="0" lang="en-US" sz="2800" spc="-1" strike="noStrike">
-              <a:solidFill>
-                <a:srgbClr val="000000"/>
-              </a:solidFill>
-              <a:uFill>
-                <a:solidFill>
-                  <a:srgbClr val="ffffff"/>
+          <a:bodyPr lIns="0" tIns="0" rIns="0" bIns="0"/>
+          <a:lstStyle/>
+          <a:p>
+            <a:endParaRPr lang="en-US" sz="2800" b="0" strike="noStrike" spc="-1">
+              <a:solidFill>
+                <a:srgbClr val="000000"/>
+              </a:solidFill>
+              <a:uFill>
+                <a:solidFill>
+                  <a:srgbClr val="FFFFFF"/>
                 </a:solidFill>
               </a:uFill>
               <a:latin typeface="Arial"/>
@@ -1590,15 +1757,16 @@
           </a:prstGeom>
         </p:spPr>
         <p:txBody>
-          <a:bodyPr lIns="0" rIns="0" tIns="0" bIns="0"/>
-          <a:p>
-            <a:endParaRPr b="0" lang="en-US" sz="2800" spc="-1" strike="noStrike">
-              <a:solidFill>
-                <a:srgbClr val="000000"/>
-              </a:solidFill>
-              <a:uFill>
-                <a:solidFill>
-                  <a:srgbClr val="ffffff"/>
+          <a:bodyPr lIns="0" tIns="0" rIns="0" bIns="0"/>
+          <a:lstStyle/>
+          <a:p>
+            <a:endParaRPr lang="en-US" sz="2800" b="0" strike="noStrike" spc="-1">
+              <a:solidFill>
+                <a:srgbClr val="000000"/>
+              </a:solidFill>
+              <a:uFill>
+                <a:solidFill>
+                  <a:srgbClr val="FFFFFF"/>
                 </a:solidFill>
               </a:uFill>
               <a:latin typeface="Arial"/>
@@ -1608,11 +1776,14 @@
       </p:sp>
     </p:spTree>
   </p:cSld>
+  <p:clrMapOvr>
+    <a:masterClrMapping/>
+  </p:clrMapOvr>
 </p:sldLayout>
 </file>
 
 <file path=ppt/slideLayouts/slideLayout22.xml><?xml version="1.0" encoding="utf-8"?>
-<p:sldLayout xmlns:a="http://schemas.openxmlformats.org/drawingml/2006/main" xmlns:p="http://schemas.openxmlformats.org/presentationml/2006/main" xmlns:r="http://schemas.openxmlformats.org/officeDocument/2006/relationships" xmlns:p14="http://schemas.microsoft.com/office/powerpoint/2010/main" xmlns:p15="http://schemas.microsoft.com/office/powerpoint/2012/main" xmlns:mc="http://schemas.openxmlformats.org/markup-compatibility/2006" type="objOverTx" preserve="1">
+<p:sldLayout xmlns:a="http://schemas.openxmlformats.org/drawingml/2006/main" xmlns:r="http://schemas.openxmlformats.org/officeDocument/2006/relationships" xmlns:p="http://schemas.openxmlformats.org/presentationml/2006/main" type="objOverTx" preserve="1">
   <p:cSld name="Title, Content over Content">
     <p:spTree>
       <p:nvGrpSpPr>
@@ -1648,15 +1819,16 @@
           </a:prstGeom>
         </p:spPr>
         <p:txBody>
-          <a:bodyPr lIns="0" rIns="0" tIns="0" bIns="0" anchor="ctr"/>
-          <a:p>
-            <a:endParaRPr b="0" lang="en-US" sz="1800" spc="-1" strike="noStrike">
-              <a:solidFill>
-                <a:srgbClr val="000000"/>
-              </a:solidFill>
-              <a:uFill>
-                <a:solidFill>
-                  <a:srgbClr val="ffffff"/>
+          <a:bodyPr lIns="0" tIns="0" rIns="0" bIns="0" anchor="ctr"/>
+          <a:lstStyle/>
+          <a:p>
+            <a:endParaRPr lang="en-US" sz="1800" b="0" strike="noStrike" spc="-1">
+              <a:solidFill>
+                <a:srgbClr val="000000"/>
+              </a:solidFill>
+              <a:uFill>
+                <a:solidFill>
+                  <a:srgbClr val="FFFFFF"/>
                 </a:solidFill>
               </a:uFill>
               <a:latin typeface="Arial"/>
@@ -1684,15 +1856,16 @@
           </a:prstGeom>
         </p:spPr>
         <p:txBody>
-          <a:bodyPr lIns="0" rIns="0" tIns="0" bIns="0"/>
-          <a:p>
-            <a:endParaRPr b="0" lang="en-US" sz="2800" spc="-1" strike="noStrike">
-              <a:solidFill>
-                <a:srgbClr val="000000"/>
-              </a:solidFill>
-              <a:uFill>
-                <a:solidFill>
-                  <a:srgbClr val="ffffff"/>
+          <a:bodyPr lIns="0" tIns="0" rIns="0" bIns="0"/>
+          <a:lstStyle/>
+          <a:p>
+            <a:endParaRPr lang="en-US" sz="2800" b="0" strike="noStrike" spc="-1">
+              <a:solidFill>
+                <a:srgbClr val="000000"/>
+              </a:solidFill>
+              <a:uFill>
+                <a:solidFill>
+                  <a:srgbClr val="FFFFFF"/>
                 </a:solidFill>
               </a:uFill>
               <a:latin typeface="Arial"/>
@@ -1720,15 +1893,16 @@
           </a:prstGeom>
         </p:spPr>
         <p:txBody>
-          <a:bodyPr lIns="0" rIns="0" tIns="0" bIns="0"/>
-          <a:p>
-            <a:endParaRPr b="0" lang="en-US" sz="2800" spc="-1" strike="noStrike">
-              <a:solidFill>
-                <a:srgbClr val="000000"/>
-              </a:solidFill>
-              <a:uFill>
-                <a:solidFill>
-                  <a:srgbClr val="ffffff"/>
+          <a:bodyPr lIns="0" tIns="0" rIns="0" bIns="0"/>
+          <a:lstStyle/>
+          <a:p>
+            <a:endParaRPr lang="en-US" sz="2800" b="0" strike="noStrike" spc="-1">
+              <a:solidFill>
+                <a:srgbClr val="000000"/>
+              </a:solidFill>
+              <a:uFill>
+                <a:solidFill>
+                  <a:srgbClr val="FFFFFF"/>
                 </a:solidFill>
               </a:uFill>
               <a:latin typeface="Arial"/>
@@ -1738,11 +1912,14 @@
       </p:sp>
     </p:spTree>
   </p:cSld>
+  <p:clrMapOvr>
+    <a:masterClrMapping/>
+  </p:clrMapOvr>
 </p:sldLayout>
 </file>
 
 <file path=ppt/slideLayouts/slideLayout23.xml><?xml version="1.0" encoding="utf-8"?>
-<p:sldLayout xmlns:a="http://schemas.openxmlformats.org/drawingml/2006/main" xmlns:p="http://schemas.openxmlformats.org/presentationml/2006/main" xmlns:r="http://schemas.openxmlformats.org/officeDocument/2006/relationships" xmlns:p14="http://schemas.microsoft.com/office/powerpoint/2010/main" xmlns:p15="http://schemas.microsoft.com/office/powerpoint/2012/main" xmlns:mc="http://schemas.openxmlformats.org/markup-compatibility/2006" type="fourObj" preserve="1">
+<p:sldLayout xmlns:a="http://schemas.openxmlformats.org/drawingml/2006/main" xmlns:r="http://schemas.openxmlformats.org/officeDocument/2006/relationships" xmlns:p="http://schemas.openxmlformats.org/presentationml/2006/main" type="fourObj" preserve="1">
   <p:cSld name="Title, 4 Content">
     <p:spTree>
       <p:nvGrpSpPr>
@@ -1778,15 +1955,16 @@
           </a:prstGeom>
         </p:spPr>
         <p:txBody>
-          <a:bodyPr lIns="0" rIns="0" tIns="0" bIns="0" anchor="ctr"/>
-          <a:p>
-            <a:endParaRPr b="0" lang="en-US" sz="1800" spc="-1" strike="noStrike">
-              <a:solidFill>
-                <a:srgbClr val="000000"/>
-              </a:solidFill>
-              <a:uFill>
-                <a:solidFill>
-                  <a:srgbClr val="ffffff"/>
+          <a:bodyPr lIns="0" tIns="0" rIns="0" bIns="0" anchor="ctr"/>
+          <a:lstStyle/>
+          <a:p>
+            <a:endParaRPr lang="en-US" sz="1800" b="0" strike="noStrike" spc="-1">
+              <a:solidFill>
+                <a:srgbClr val="000000"/>
+              </a:solidFill>
+              <a:uFill>
+                <a:solidFill>
+                  <a:srgbClr val="FFFFFF"/>
                 </a:solidFill>
               </a:uFill>
               <a:latin typeface="Arial"/>
@@ -1814,15 +1992,16 @@
           </a:prstGeom>
         </p:spPr>
         <p:txBody>
-          <a:bodyPr lIns="0" rIns="0" tIns="0" bIns="0"/>
-          <a:p>
-            <a:endParaRPr b="0" lang="en-US" sz="2800" spc="-1" strike="noStrike">
-              <a:solidFill>
-                <a:srgbClr val="000000"/>
-              </a:solidFill>
-              <a:uFill>
-                <a:solidFill>
-                  <a:srgbClr val="ffffff"/>
+          <a:bodyPr lIns="0" tIns="0" rIns="0" bIns="0"/>
+          <a:lstStyle/>
+          <a:p>
+            <a:endParaRPr lang="en-US" sz="2800" b="0" strike="noStrike" spc="-1">
+              <a:solidFill>
+                <a:srgbClr val="000000"/>
+              </a:solidFill>
+              <a:uFill>
+                <a:solidFill>
+                  <a:srgbClr val="FFFFFF"/>
                 </a:solidFill>
               </a:uFill>
               <a:latin typeface="Arial"/>
@@ -1850,15 +2029,16 @@
           </a:prstGeom>
         </p:spPr>
         <p:txBody>
-          <a:bodyPr lIns="0" rIns="0" tIns="0" bIns="0"/>
-          <a:p>
-            <a:endParaRPr b="0" lang="en-US" sz="2800" spc="-1" strike="noStrike">
-              <a:solidFill>
-                <a:srgbClr val="000000"/>
-              </a:solidFill>
-              <a:uFill>
-                <a:solidFill>
-                  <a:srgbClr val="ffffff"/>
+          <a:bodyPr lIns="0" tIns="0" rIns="0" bIns="0"/>
+          <a:lstStyle/>
+          <a:p>
+            <a:endParaRPr lang="en-US" sz="2800" b="0" strike="noStrike" spc="-1">
+              <a:solidFill>
+                <a:srgbClr val="000000"/>
+              </a:solidFill>
+              <a:uFill>
+                <a:solidFill>
+                  <a:srgbClr val="FFFFFF"/>
                 </a:solidFill>
               </a:uFill>
               <a:latin typeface="Arial"/>
@@ -1886,15 +2066,16 @@
           </a:prstGeom>
         </p:spPr>
         <p:txBody>
-          <a:bodyPr lIns="0" rIns="0" tIns="0" bIns="0"/>
-          <a:p>
-            <a:endParaRPr b="0" lang="en-US" sz="2800" spc="-1" strike="noStrike">
-              <a:solidFill>
-                <a:srgbClr val="000000"/>
-              </a:solidFill>
-              <a:uFill>
-                <a:solidFill>
-                  <a:srgbClr val="ffffff"/>
+          <a:bodyPr lIns="0" tIns="0" rIns="0" bIns="0"/>
+          <a:lstStyle/>
+          <a:p>
+            <a:endParaRPr lang="en-US" sz="2800" b="0" strike="noStrike" spc="-1">
+              <a:solidFill>
+                <a:srgbClr val="000000"/>
+              </a:solidFill>
+              <a:uFill>
+                <a:solidFill>
+                  <a:srgbClr val="FFFFFF"/>
                 </a:solidFill>
               </a:uFill>
               <a:latin typeface="Arial"/>
@@ -1922,15 +2103,16 @@
           </a:prstGeom>
         </p:spPr>
         <p:txBody>
-          <a:bodyPr lIns="0" rIns="0" tIns="0" bIns="0"/>
-          <a:p>
-            <a:endParaRPr b="0" lang="en-US" sz="2800" spc="-1" strike="noStrike">
-              <a:solidFill>
-                <a:srgbClr val="000000"/>
-              </a:solidFill>
-              <a:uFill>
-                <a:solidFill>
-                  <a:srgbClr val="ffffff"/>
+          <a:bodyPr lIns="0" tIns="0" rIns="0" bIns="0"/>
+          <a:lstStyle/>
+          <a:p>
+            <a:endParaRPr lang="en-US" sz="2800" b="0" strike="noStrike" spc="-1">
+              <a:solidFill>
+                <a:srgbClr val="000000"/>
+              </a:solidFill>
+              <a:uFill>
+                <a:solidFill>
+                  <a:srgbClr val="FFFFFF"/>
                 </a:solidFill>
               </a:uFill>
               <a:latin typeface="Arial"/>
@@ -1940,11 +2122,14 @@
       </p:sp>
     </p:spTree>
   </p:cSld>
+  <p:clrMapOvr>
+    <a:masterClrMapping/>
+  </p:clrMapOvr>
 </p:sldLayout>
 </file>
 
 <file path=ppt/slideLayouts/slideLayout24.xml><?xml version="1.0" encoding="utf-8"?>
-<p:sldLayout xmlns:a="http://schemas.openxmlformats.org/drawingml/2006/main" xmlns:p="http://schemas.openxmlformats.org/presentationml/2006/main" xmlns:r="http://schemas.openxmlformats.org/officeDocument/2006/relationships" xmlns:p14="http://schemas.microsoft.com/office/powerpoint/2010/main" xmlns:p15="http://schemas.microsoft.com/office/powerpoint/2012/main" xmlns:mc="http://schemas.openxmlformats.org/markup-compatibility/2006" type="blank" preserve="1">
+<p:sldLayout xmlns:a="http://schemas.openxmlformats.org/drawingml/2006/main" xmlns:r="http://schemas.openxmlformats.org/officeDocument/2006/relationships" xmlns:p="http://schemas.openxmlformats.org/presentationml/2006/main" type="blank" preserve="1">
   <p:cSld name="Title, 6 Content">
     <p:spTree>
       <p:nvGrpSpPr>
@@ -1980,15 +2165,16 @@
           </a:prstGeom>
         </p:spPr>
         <p:txBody>
-          <a:bodyPr lIns="0" rIns="0" tIns="0" bIns="0" anchor="ctr"/>
-          <a:p>
-            <a:endParaRPr b="0" lang="en-US" sz="1800" spc="-1" strike="noStrike">
-              <a:solidFill>
-                <a:srgbClr val="000000"/>
-              </a:solidFill>
-              <a:uFill>
-                <a:solidFill>
-                  <a:srgbClr val="ffffff"/>
+          <a:bodyPr lIns="0" tIns="0" rIns="0" bIns="0" anchor="ctr"/>
+          <a:lstStyle/>
+          <a:p>
+            <a:endParaRPr lang="en-US" sz="1800" b="0" strike="noStrike" spc="-1">
+              <a:solidFill>
+                <a:srgbClr val="000000"/>
+              </a:solidFill>
+              <a:uFill>
+                <a:solidFill>
+                  <a:srgbClr val="FFFFFF"/>
                 </a:solidFill>
               </a:uFill>
               <a:latin typeface="Arial"/>
@@ -2016,15 +2202,16 @@
           </a:prstGeom>
         </p:spPr>
         <p:txBody>
-          <a:bodyPr lIns="0" rIns="0" tIns="0" bIns="0"/>
-          <a:p>
-            <a:endParaRPr b="0" lang="en-US" sz="2800" spc="-1" strike="noStrike">
-              <a:solidFill>
-                <a:srgbClr val="000000"/>
-              </a:solidFill>
-              <a:uFill>
-                <a:solidFill>
-                  <a:srgbClr val="ffffff"/>
+          <a:bodyPr lIns="0" tIns="0" rIns="0" bIns="0"/>
+          <a:lstStyle/>
+          <a:p>
+            <a:endParaRPr lang="en-US" sz="2800" b="0" strike="noStrike" spc="-1">
+              <a:solidFill>
+                <a:srgbClr val="000000"/>
+              </a:solidFill>
+              <a:uFill>
+                <a:solidFill>
+                  <a:srgbClr val="FFFFFF"/>
                 </a:solidFill>
               </a:uFill>
               <a:latin typeface="Arial"/>
@@ -2052,15 +2239,16 @@
           </a:prstGeom>
         </p:spPr>
         <p:txBody>
-          <a:bodyPr lIns="0" rIns="0" tIns="0" bIns="0"/>
-          <a:p>
-            <a:endParaRPr b="0" lang="en-US" sz="2800" spc="-1" strike="noStrike">
-              <a:solidFill>
-                <a:srgbClr val="000000"/>
-              </a:solidFill>
-              <a:uFill>
-                <a:solidFill>
-                  <a:srgbClr val="ffffff"/>
+          <a:bodyPr lIns="0" tIns="0" rIns="0" bIns="0"/>
+          <a:lstStyle/>
+          <a:p>
+            <a:endParaRPr lang="en-US" sz="2800" b="0" strike="noStrike" spc="-1">
+              <a:solidFill>
+                <a:srgbClr val="000000"/>
+              </a:solidFill>
+              <a:uFill>
+                <a:solidFill>
+                  <a:srgbClr val="FFFFFF"/>
                 </a:solidFill>
               </a:uFill>
               <a:latin typeface="Arial"/>
@@ -2070,7 +2258,7 @@
       </p:sp>
       <p:pic>
         <p:nvPicPr>
-          <p:cNvPr id="70" name="" descr=""/>
+          <p:cNvPr id="70" name="Picture 69"/>
           <p:cNvPicPr/>
           <p:nvPr/>
         </p:nvPicPr>
@@ -2093,12 +2281,12 @@
       </p:pic>
       <p:pic>
         <p:nvPicPr>
-          <p:cNvPr id="71" name="" descr=""/>
+          <p:cNvPr id="71" name="Picture 70"/>
           <p:cNvPicPr/>
           <p:nvPr/>
         </p:nvPicPr>
         <p:blipFill>
-          <a:blip r:embed="rId3"/>
+          <a:blip r:embed="rId2"/>
           <a:stretch/>
         </p:blipFill>
         <p:spPr>
@@ -2116,11 +2304,14 @@
       </p:pic>
     </p:spTree>
   </p:cSld>
+  <p:clrMapOvr>
+    <a:masterClrMapping/>
+  </p:clrMapOvr>
 </p:sldLayout>
 </file>
 
 <file path=ppt/slideLayouts/slideLayout3.xml><?xml version="1.0" encoding="utf-8"?>
-<p:sldLayout xmlns:a="http://schemas.openxmlformats.org/drawingml/2006/main" xmlns:p="http://schemas.openxmlformats.org/presentationml/2006/main" xmlns:r="http://schemas.openxmlformats.org/officeDocument/2006/relationships" xmlns:p14="http://schemas.microsoft.com/office/powerpoint/2010/main" xmlns:p15="http://schemas.microsoft.com/office/powerpoint/2012/main" xmlns:mc="http://schemas.openxmlformats.org/markup-compatibility/2006" type="obj" preserve="1">
+<p:sldLayout xmlns:a="http://schemas.openxmlformats.org/drawingml/2006/main" xmlns:r="http://schemas.openxmlformats.org/officeDocument/2006/relationships" xmlns:p="http://schemas.openxmlformats.org/presentationml/2006/main" type="obj" preserve="1">
   <p:cSld name="Title, Content">
     <p:spTree>
       <p:nvGrpSpPr>
@@ -2156,15 +2347,16 @@
           </a:prstGeom>
         </p:spPr>
         <p:txBody>
-          <a:bodyPr lIns="0" rIns="0" tIns="0" bIns="0" anchor="ctr"/>
-          <a:p>
-            <a:endParaRPr b="0" lang="en-US" sz="1800" spc="-1" strike="noStrike">
-              <a:solidFill>
-                <a:srgbClr val="000000"/>
-              </a:solidFill>
-              <a:uFill>
-                <a:solidFill>
-                  <a:srgbClr val="ffffff"/>
+          <a:bodyPr lIns="0" tIns="0" rIns="0" bIns="0" anchor="ctr"/>
+          <a:lstStyle/>
+          <a:p>
+            <a:endParaRPr lang="en-US" sz="1800" b="0" strike="noStrike" spc="-1">
+              <a:solidFill>
+                <a:srgbClr val="000000"/>
+              </a:solidFill>
+              <a:uFill>
+                <a:solidFill>
+                  <a:srgbClr val="FFFFFF"/>
                 </a:solidFill>
               </a:uFill>
               <a:latin typeface="Arial"/>
@@ -2192,15 +2384,16 @@
           </a:prstGeom>
         </p:spPr>
         <p:txBody>
-          <a:bodyPr lIns="0" rIns="0" tIns="0" bIns="0"/>
-          <a:p>
-            <a:endParaRPr b="0" lang="en-US" sz="2800" spc="-1" strike="noStrike">
-              <a:solidFill>
-                <a:srgbClr val="000000"/>
-              </a:solidFill>
-              <a:uFill>
-                <a:solidFill>
-                  <a:srgbClr val="ffffff"/>
+          <a:bodyPr lIns="0" tIns="0" rIns="0" bIns="0"/>
+          <a:lstStyle/>
+          <a:p>
+            <a:endParaRPr lang="en-US" sz="2800" b="0" strike="noStrike" spc="-1">
+              <a:solidFill>
+                <a:srgbClr val="000000"/>
+              </a:solidFill>
+              <a:uFill>
+                <a:solidFill>
+                  <a:srgbClr val="FFFFFF"/>
                 </a:solidFill>
               </a:uFill>
               <a:latin typeface="Arial"/>
@@ -2210,11 +2403,14 @@
       </p:sp>
     </p:spTree>
   </p:cSld>
+  <p:clrMapOvr>
+    <a:masterClrMapping/>
+  </p:clrMapOvr>
 </p:sldLayout>
 </file>
 
 <file path=ppt/slideLayouts/slideLayout4.xml><?xml version="1.0" encoding="utf-8"?>
-<p:sldLayout xmlns:a="http://schemas.openxmlformats.org/drawingml/2006/main" xmlns:p="http://schemas.openxmlformats.org/presentationml/2006/main" xmlns:r="http://schemas.openxmlformats.org/officeDocument/2006/relationships" xmlns:p14="http://schemas.microsoft.com/office/powerpoint/2010/main" xmlns:p15="http://schemas.microsoft.com/office/powerpoint/2012/main" xmlns:mc="http://schemas.openxmlformats.org/markup-compatibility/2006" type="twoObj" preserve="1">
+<p:sldLayout xmlns:a="http://schemas.openxmlformats.org/drawingml/2006/main" xmlns:r="http://schemas.openxmlformats.org/officeDocument/2006/relationships" xmlns:p="http://schemas.openxmlformats.org/presentationml/2006/main" type="twoObj" preserve="1">
   <p:cSld name="Title, 2 Content">
     <p:spTree>
       <p:nvGrpSpPr>
@@ -2250,15 +2446,16 @@
           </a:prstGeom>
         </p:spPr>
         <p:txBody>
-          <a:bodyPr lIns="0" rIns="0" tIns="0" bIns="0" anchor="ctr"/>
-          <a:p>
-            <a:endParaRPr b="0" lang="en-US" sz="1800" spc="-1" strike="noStrike">
-              <a:solidFill>
-                <a:srgbClr val="000000"/>
-              </a:solidFill>
-              <a:uFill>
-                <a:solidFill>
-                  <a:srgbClr val="ffffff"/>
+          <a:bodyPr lIns="0" tIns="0" rIns="0" bIns="0" anchor="ctr"/>
+          <a:lstStyle/>
+          <a:p>
+            <a:endParaRPr lang="en-US" sz="1800" b="0" strike="noStrike" spc="-1">
+              <a:solidFill>
+                <a:srgbClr val="000000"/>
+              </a:solidFill>
+              <a:uFill>
+                <a:solidFill>
+                  <a:srgbClr val="FFFFFF"/>
                 </a:solidFill>
               </a:uFill>
               <a:latin typeface="Arial"/>
@@ -2286,15 +2483,16 @@
           </a:prstGeom>
         </p:spPr>
         <p:txBody>
-          <a:bodyPr lIns="0" rIns="0" tIns="0" bIns="0"/>
-          <a:p>
-            <a:endParaRPr b="0" lang="en-US" sz="2800" spc="-1" strike="noStrike">
-              <a:solidFill>
-                <a:srgbClr val="000000"/>
-              </a:solidFill>
-              <a:uFill>
-                <a:solidFill>
-                  <a:srgbClr val="ffffff"/>
+          <a:bodyPr lIns="0" tIns="0" rIns="0" bIns="0"/>
+          <a:lstStyle/>
+          <a:p>
+            <a:endParaRPr lang="en-US" sz="2800" b="0" strike="noStrike" spc="-1">
+              <a:solidFill>
+                <a:srgbClr val="000000"/>
+              </a:solidFill>
+              <a:uFill>
+                <a:solidFill>
+                  <a:srgbClr val="FFFFFF"/>
                 </a:solidFill>
               </a:uFill>
               <a:latin typeface="Arial"/>
@@ -2322,15 +2520,16 @@
           </a:prstGeom>
         </p:spPr>
         <p:txBody>
-          <a:bodyPr lIns="0" rIns="0" tIns="0" bIns="0"/>
-          <a:p>
-            <a:endParaRPr b="0" lang="en-US" sz="2800" spc="-1" strike="noStrike">
-              <a:solidFill>
-                <a:srgbClr val="000000"/>
-              </a:solidFill>
-              <a:uFill>
-                <a:solidFill>
-                  <a:srgbClr val="ffffff"/>
+          <a:bodyPr lIns="0" tIns="0" rIns="0" bIns="0"/>
+          <a:lstStyle/>
+          <a:p>
+            <a:endParaRPr lang="en-US" sz="2800" b="0" strike="noStrike" spc="-1">
+              <a:solidFill>
+                <a:srgbClr val="000000"/>
+              </a:solidFill>
+              <a:uFill>
+                <a:solidFill>
+                  <a:srgbClr val="FFFFFF"/>
                 </a:solidFill>
               </a:uFill>
               <a:latin typeface="Arial"/>
@@ -2340,11 +2539,14 @@
       </p:sp>
     </p:spTree>
   </p:cSld>
+  <p:clrMapOvr>
+    <a:masterClrMapping/>
+  </p:clrMapOvr>
 </p:sldLayout>
 </file>
 
 <file path=ppt/slideLayouts/slideLayout5.xml><?xml version="1.0" encoding="utf-8"?>
-<p:sldLayout xmlns:a="http://schemas.openxmlformats.org/drawingml/2006/main" xmlns:p="http://schemas.openxmlformats.org/presentationml/2006/main" xmlns:r="http://schemas.openxmlformats.org/officeDocument/2006/relationships" xmlns:p14="http://schemas.microsoft.com/office/powerpoint/2010/main" xmlns:p15="http://schemas.microsoft.com/office/powerpoint/2012/main" xmlns:mc="http://schemas.openxmlformats.org/markup-compatibility/2006" type="titleOnly" preserve="1">
+<p:sldLayout xmlns:a="http://schemas.openxmlformats.org/drawingml/2006/main" xmlns:r="http://schemas.openxmlformats.org/officeDocument/2006/relationships" xmlns:p="http://schemas.openxmlformats.org/presentationml/2006/main" type="titleOnly" preserve="1">
   <p:cSld name="Title Only">
     <p:spTree>
       <p:nvGrpSpPr>
@@ -2380,15 +2582,16 @@
           </a:prstGeom>
         </p:spPr>
         <p:txBody>
-          <a:bodyPr lIns="0" rIns="0" tIns="0" bIns="0" anchor="ctr"/>
-          <a:p>
-            <a:endParaRPr b="0" lang="en-US" sz="1800" spc="-1" strike="noStrike">
-              <a:solidFill>
-                <a:srgbClr val="000000"/>
-              </a:solidFill>
-              <a:uFill>
-                <a:solidFill>
-                  <a:srgbClr val="ffffff"/>
+          <a:bodyPr lIns="0" tIns="0" rIns="0" bIns="0" anchor="ctr"/>
+          <a:lstStyle/>
+          <a:p>
+            <a:endParaRPr lang="en-US" sz="1800" b="0" strike="noStrike" spc="-1">
+              <a:solidFill>
+                <a:srgbClr val="000000"/>
+              </a:solidFill>
+              <a:uFill>
+                <a:solidFill>
+                  <a:srgbClr val="FFFFFF"/>
                 </a:solidFill>
               </a:uFill>
               <a:latin typeface="Arial"/>
@@ -2398,11 +2601,14 @@
       </p:sp>
     </p:spTree>
   </p:cSld>
+  <p:clrMapOvr>
+    <a:masterClrMapping/>
+  </p:clrMapOvr>
 </p:sldLayout>
 </file>
 
 <file path=ppt/slideLayouts/slideLayout6.xml><?xml version="1.0" encoding="utf-8"?>
-<p:sldLayout xmlns:a="http://schemas.openxmlformats.org/drawingml/2006/main" xmlns:p="http://schemas.openxmlformats.org/presentationml/2006/main" xmlns:r="http://schemas.openxmlformats.org/officeDocument/2006/relationships" xmlns:p14="http://schemas.microsoft.com/office/powerpoint/2010/main" xmlns:p15="http://schemas.microsoft.com/office/powerpoint/2012/main" xmlns:mc="http://schemas.openxmlformats.org/markup-compatibility/2006" type="objOnly" preserve="1">
+<p:sldLayout xmlns:a="http://schemas.openxmlformats.org/drawingml/2006/main" xmlns:r="http://schemas.openxmlformats.org/officeDocument/2006/relationships" xmlns:p="http://schemas.openxmlformats.org/presentationml/2006/main" type="objOnly" preserve="1">
   <p:cSld name="Centered Text">
     <p:spTree>
       <p:nvGrpSpPr>
@@ -2438,16 +2644,17 @@
           </a:prstGeom>
         </p:spPr>
         <p:txBody>
-          <a:bodyPr lIns="0" rIns="0" tIns="0" bIns="0" anchor="ctr"/>
+          <a:bodyPr lIns="0" tIns="0" rIns="0" bIns="0" anchor="ctr"/>
+          <a:lstStyle/>
           <a:p>
             <a:pPr algn="ctr"/>
-            <a:endParaRPr b="0" lang="en-US" sz="3200" spc="-1" strike="noStrike">
-              <a:solidFill>
-                <a:srgbClr val="000000"/>
-              </a:solidFill>
-              <a:uFill>
-                <a:solidFill>
-                  <a:srgbClr val="ffffff"/>
+            <a:endParaRPr lang="en-US" sz="3200" b="0" strike="noStrike" spc="-1">
+              <a:solidFill>
+                <a:srgbClr val="000000"/>
+              </a:solidFill>
+              <a:uFill>
+                <a:solidFill>
+                  <a:srgbClr val="FFFFFF"/>
                 </a:solidFill>
               </a:uFill>
               <a:latin typeface="Arial"/>
@@ -2457,11 +2664,14 @@
       </p:sp>
     </p:spTree>
   </p:cSld>
+  <p:clrMapOvr>
+    <a:masterClrMapping/>
+  </p:clrMapOvr>
 </p:sldLayout>
 </file>
 
 <file path=ppt/slideLayouts/slideLayout7.xml><?xml version="1.0" encoding="utf-8"?>
-<p:sldLayout xmlns:a="http://schemas.openxmlformats.org/drawingml/2006/main" xmlns:p="http://schemas.openxmlformats.org/presentationml/2006/main" xmlns:r="http://schemas.openxmlformats.org/officeDocument/2006/relationships" xmlns:p14="http://schemas.microsoft.com/office/powerpoint/2010/main" xmlns:p15="http://schemas.microsoft.com/office/powerpoint/2012/main" xmlns:mc="http://schemas.openxmlformats.org/markup-compatibility/2006" type="twoObjAndObj" preserve="1">
+<p:sldLayout xmlns:a="http://schemas.openxmlformats.org/drawingml/2006/main" xmlns:r="http://schemas.openxmlformats.org/officeDocument/2006/relationships" xmlns:p="http://schemas.openxmlformats.org/presentationml/2006/main" type="twoObjAndObj" preserve="1">
   <p:cSld name="Title, 2 Content and Content">
     <p:spTree>
       <p:nvGrpSpPr>
@@ -2497,15 +2707,16 @@
           </a:prstGeom>
         </p:spPr>
         <p:txBody>
-          <a:bodyPr lIns="0" rIns="0" tIns="0" bIns="0" anchor="ctr"/>
-          <a:p>
-            <a:endParaRPr b="0" lang="en-US" sz="1800" spc="-1" strike="noStrike">
-              <a:solidFill>
-                <a:srgbClr val="000000"/>
-              </a:solidFill>
-              <a:uFill>
-                <a:solidFill>
-                  <a:srgbClr val="ffffff"/>
+          <a:bodyPr lIns="0" tIns="0" rIns="0" bIns="0" anchor="ctr"/>
+          <a:lstStyle/>
+          <a:p>
+            <a:endParaRPr lang="en-US" sz="1800" b="0" strike="noStrike" spc="-1">
+              <a:solidFill>
+                <a:srgbClr val="000000"/>
+              </a:solidFill>
+              <a:uFill>
+                <a:solidFill>
+                  <a:srgbClr val="FFFFFF"/>
                 </a:solidFill>
               </a:uFill>
               <a:latin typeface="Arial"/>
@@ -2533,15 +2744,16 @@
           </a:prstGeom>
         </p:spPr>
         <p:txBody>
-          <a:bodyPr lIns="0" rIns="0" tIns="0" bIns="0"/>
-          <a:p>
-            <a:endParaRPr b="0" lang="en-US" sz="2800" spc="-1" strike="noStrike">
-              <a:solidFill>
-                <a:srgbClr val="000000"/>
-              </a:solidFill>
-              <a:uFill>
-                <a:solidFill>
-                  <a:srgbClr val="ffffff"/>
+          <a:bodyPr lIns="0" tIns="0" rIns="0" bIns="0"/>
+          <a:lstStyle/>
+          <a:p>
+            <a:endParaRPr lang="en-US" sz="2800" b="0" strike="noStrike" spc="-1">
+              <a:solidFill>
+                <a:srgbClr val="000000"/>
+              </a:solidFill>
+              <a:uFill>
+                <a:solidFill>
+                  <a:srgbClr val="FFFFFF"/>
                 </a:solidFill>
               </a:uFill>
               <a:latin typeface="Arial"/>
@@ -2569,15 +2781,16 @@
           </a:prstGeom>
         </p:spPr>
         <p:txBody>
-          <a:bodyPr lIns="0" rIns="0" tIns="0" bIns="0"/>
-          <a:p>
-            <a:endParaRPr b="0" lang="en-US" sz="2800" spc="-1" strike="noStrike">
-              <a:solidFill>
-                <a:srgbClr val="000000"/>
-              </a:solidFill>
-              <a:uFill>
-                <a:solidFill>
-                  <a:srgbClr val="ffffff"/>
+          <a:bodyPr lIns="0" tIns="0" rIns="0" bIns="0"/>
+          <a:lstStyle/>
+          <a:p>
+            <a:endParaRPr lang="en-US" sz="2800" b="0" strike="noStrike" spc="-1">
+              <a:solidFill>
+                <a:srgbClr val="000000"/>
+              </a:solidFill>
+              <a:uFill>
+                <a:solidFill>
+                  <a:srgbClr val="FFFFFF"/>
                 </a:solidFill>
               </a:uFill>
               <a:latin typeface="Arial"/>
@@ -2605,15 +2818,16 @@
           </a:prstGeom>
         </p:spPr>
         <p:txBody>
-          <a:bodyPr lIns="0" rIns="0" tIns="0" bIns="0"/>
-          <a:p>
-            <a:endParaRPr b="0" lang="en-US" sz="2800" spc="-1" strike="noStrike">
-              <a:solidFill>
-                <a:srgbClr val="000000"/>
-              </a:solidFill>
-              <a:uFill>
-                <a:solidFill>
-                  <a:srgbClr val="ffffff"/>
+          <a:bodyPr lIns="0" tIns="0" rIns="0" bIns="0"/>
+          <a:lstStyle/>
+          <a:p>
+            <a:endParaRPr lang="en-US" sz="2800" b="0" strike="noStrike" spc="-1">
+              <a:solidFill>
+                <a:srgbClr val="000000"/>
+              </a:solidFill>
+              <a:uFill>
+                <a:solidFill>
+                  <a:srgbClr val="FFFFFF"/>
                 </a:solidFill>
               </a:uFill>
               <a:latin typeface="Arial"/>
@@ -2623,11 +2837,14 @@
       </p:sp>
     </p:spTree>
   </p:cSld>
+  <p:clrMapOvr>
+    <a:masterClrMapping/>
+  </p:clrMapOvr>
 </p:sldLayout>
 </file>
 
 <file path=ppt/slideLayouts/slideLayout8.xml><?xml version="1.0" encoding="utf-8"?>
-<p:sldLayout xmlns:a="http://schemas.openxmlformats.org/drawingml/2006/main" xmlns:p="http://schemas.openxmlformats.org/presentationml/2006/main" xmlns:r="http://schemas.openxmlformats.org/officeDocument/2006/relationships" xmlns:p14="http://schemas.microsoft.com/office/powerpoint/2010/main" xmlns:p15="http://schemas.microsoft.com/office/powerpoint/2012/main" xmlns:mc="http://schemas.openxmlformats.org/markup-compatibility/2006" type="objAndTwoObj" preserve="1">
+<p:sldLayout xmlns:a="http://schemas.openxmlformats.org/drawingml/2006/main" xmlns:r="http://schemas.openxmlformats.org/officeDocument/2006/relationships" xmlns:p="http://schemas.openxmlformats.org/presentationml/2006/main" type="objAndTwoObj" preserve="1">
   <p:cSld name="Title Content and 2 Content">
     <p:spTree>
       <p:nvGrpSpPr>
@@ -2663,15 +2880,16 @@
           </a:prstGeom>
         </p:spPr>
         <p:txBody>
-          <a:bodyPr lIns="0" rIns="0" tIns="0" bIns="0" anchor="ctr"/>
-          <a:p>
-            <a:endParaRPr b="0" lang="en-US" sz="1800" spc="-1" strike="noStrike">
-              <a:solidFill>
-                <a:srgbClr val="000000"/>
-              </a:solidFill>
-              <a:uFill>
-                <a:solidFill>
-                  <a:srgbClr val="ffffff"/>
+          <a:bodyPr lIns="0" tIns="0" rIns="0" bIns="0" anchor="ctr"/>
+          <a:lstStyle/>
+          <a:p>
+            <a:endParaRPr lang="en-US" sz="1800" b="0" strike="noStrike" spc="-1">
+              <a:solidFill>
+                <a:srgbClr val="000000"/>
+              </a:solidFill>
+              <a:uFill>
+                <a:solidFill>
+                  <a:srgbClr val="FFFFFF"/>
                 </a:solidFill>
               </a:uFill>
               <a:latin typeface="Arial"/>
@@ -2699,15 +2917,16 @@
           </a:prstGeom>
         </p:spPr>
         <p:txBody>
-          <a:bodyPr lIns="0" rIns="0" tIns="0" bIns="0"/>
-          <a:p>
-            <a:endParaRPr b="0" lang="en-US" sz="2800" spc="-1" strike="noStrike">
-              <a:solidFill>
-                <a:srgbClr val="000000"/>
-              </a:solidFill>
-              <a:uFill>
-                <a:solidFill>
-                  <a:srgbClr val="ffffff"/>
+          <a:bodyPr lIns="0" tIns="0" rIns="0" bIns="0"/>
+          <a:lstStyle/>
+          <a:p>
+            <a:endParaRPr lang="en-US" sz="2800" b="0" strike="noStrike" spc="-1">
+              <a:solidFill>
+                <a:srgbClr val="000000"/>
+              </a:solidFill>
+              <a:uFill>
+                <a:solidFill>
+                  <a:srgbClr val="FFFFFF"/>
                 </a:solidFill>
               </a:uFill>
               <a:latin typeface="Arial"/>
@@ -2735,15 +2954,16 @@
           </a:prstGeom>
         </p:spPr>
         <p:txBody>
-          <a:bodyPr lIns="0" rIns="0" tIns="0" bIns="0"/>
-          <a:p>
-            <a:endParaRPr b="0" lang="en-US" sz="2800" spc="-1" strike="noStrike">
-              <a:solidFill>
-                <a:srgbClr val="000000"/>
-              </a:solidFill>
-              <a:uFill>
-                <a:solidFill>
-                  <a:srgbClr val="ffffff"/>
+          <a:bodyPr lIns="0" tIns="0" rIns="0" bIns="0"/>
+          <a:lstStyle/>
+          <a:p>
+            <a:endParaRPr lang="en-US" sz="2800" b="0" strike="noStrike" spc="-1">
+              <a:solidFill>
+                <a:srgbClr val="000000"/>
+              </a:solidFill>
+              <a:uFill>
+                <a:solidFill>
+                  <a:srgbClr val="FFFFFF"/>
                 </a:solidFill>
               </a:uFill>
               <a:latin typeface="Arial"/>
@@ -2771,15 +2991,16 @@
           </a:prstGeom>
         </p:spPr>
         <p:txBody>
-          <a:bodyPr lIns="0" rIns="0" tIns="0" bIns="0"/>
-          <a:p>
-            <a:endParaRPr b="0" lang="en-US" sz="2800" spc="-1" strike="noStrike">
-              <a:solidFill>
-                <a:srgbClr val="000000"/>
-              </a:solidFill>
-              <a:uFill>
-                <a:solidFill>
-                  <a:srgbClr val="ffffff"/>
+          <a:bodyPr lIns="0" tIns="0" rIns="0" bIns="0"/>
+          <a:lstStyle/>
+          <a:p>
+            <a:endParaRPr lang="en-US" sz="2800" b="0" strike="noStrike" spc="-1">
+              <a:solidFill>
+                <a:srgbClr val="000000"/>
+              </a:solidFill>
+              <a:uFill>
+                <a:solidFill>
+                  <a:srgbClr val="FFFFFF"/>
                 </a:solidFill>
               </a:uFill>
               <a:latin typeface="Arial"/>
@@ -2789,11 +3010,14 @@
       </p:sp>
     </p:spTree>
   </p:cSld>
+  <p:clrMapOvr>
+    <a:masterClrMapping/>
+  </p:clrMapOvr>
 </p:sldLayout>
 </file>
 
 <file path=ppt/slideLayouts/slideLayout9.xml><?xml version="1.0" encoding="utf-8"?>
-<p:sldLayout xmlns:a="http://schemas.openxmlformats.org/drawingml/2006/main" xmlns:p="http://schemas.openxmlformats.org/presentationml/2006/main" xmlns:r="http://schemas.openxmlformats.org/officeDocument/2006/relationships" xmlns:p14="http://schemas.microsoft.com/office/powerpoint/2010/main" xmlns:p15="http://schemas.microsoft.com/office/powerpoint/2012/main" xmlns:mc="http://schemas.openxmlformats.org/markup-compatibility/2006" type="twoObjOverTx" preserve="1">
+<p:sldLayout xmlns:a="http://schemas.openxmlformats.org/drawingml/2006/main" xmlns:r="http://schemas.openxmlformats.org/officeDocument/2006/relationships" xmlns:p="http://schemas.openxmlformats.org/presentationml/2006/main" type="twoObjOverTx" preserve="1">
   <p:cSld name="Title, 2 Content over Content">
     <p:spTree>
       <p:nvGrpSpPr>
@@ -2829,15 +3053,16 @@
           </a:prstGeom>
         </p:spPr>
         <p:txBody>
-          <a:bodyPr lIns="0" rIns="0" tIns="0" bIns="0" anchor="ctr"/>
-          <a:p>
-            <a:endParaRPr b="0" lang="en-US" sz="1800" spc="-1" strike="noStrike">
-              <a:solidFill>
-                <a:srgbClr val="000000"/>
-              </a:solidFill>
-              <a:uFill>
-                <a:solidFill>
-                  <a:srgbClr val="ffffff"/>
+          <a:bodyPr lIns="0" tIns="0" rIns="0" bIns="0" anchor="ctr"/>
+          <a:lstStyle/>
+          <a:p>
+            <a:endParaRPr lang="en-US" sz="1800" b="0" strike="noStrike" spc="-1">
+              <a:solidFill>
+                <a:srgbClr val="000000"/>
+              </a:solidFill>
+              <a:uFill>
+                <a:solidFill>
+                  <a:srgbClr val="FFFFFF"/>
                 </a:solidFill>
               </a:uFill>
               <a:latin typeface="Arial"/>
@@ -2865,15 +3090,16 @@
           </a:prstGeom>
         </p:spPr>
         <p:txBody>
-          <a:bodyPr lIns="0" rIns="0" tIns="0" bIns="0"/>
-          <a:p>
-            <a:endParaRPr b="0" lang="en-US" sz="2800" spc="-1" strike="noStrike">
-              <a:solidFill>
-                <a:srgbClr val="000000"/>
-              </a:solidFill>
-              <a:uFill>
-                <a:solidFill>
-                  <a:srgbClr val="ffffff"/>
+          <a:bodyPr lIns="0" tIns="0" rIns="0" bIns="0"/>
+          <a:lstStyle/>
+          <a:p>
+            <a:endParaRPr lang="en-US" sz="2800" b="0" strike="noStrike" spc="-1">
+              <a:solidFill>
+                <a:srgbClr val="000000"/>
+              </a:solidFill>
+              <a:uFill>
+                <a:solidFill>
+                  <a:srgbClr val="FFFFFF"/>
                 </a:solidFill>
               </a:uFill>
               <a:latin typeface="Arial"/>
@@ -2901,15 +3127,16 @@
           </a:prstGeom>
         </p:spPr>
         <p:txBody>
-          <a:bodyPr lIns="0" rIns="0" tIns="0" bIns="0"/>
-          <a:p>
-            <a:endParaRPr b="0" lang="en-US" sz="2800" spc="-1" strike="noStrike">
-              <a:solidFill>
-                <a:srgbClr val="000000"/>
-              </a:solidFill>
-              <a:uFill>
-                <a:solidFill>
-                  <a:srgbClr val="ffffff"/>
+          <a:bodyPr lIns="0" tIns="0" rIns="0" bIns="0"/>
+          <a:lstStyle/>
+          <a:p>
+            <a:endParaRPr lang="en-US" sz="2800" b="0" strike="noStrike" spc="-1">
+              <a:solidFill>
+                <a:srgbClr val="000000"/>
+              </a:solidFill>
+              <a:uFill>
+                <a:solidFill>
+                  <a:srgbClr val="FFFFFF"/>
                 </a:solidFill>
               </a:uFill>
               <a:latin typeface="Arial"/>
@@ -2937,15 +3164,16 @@
           </a:prstGeom>
         </p:spPr>
         <p:txBody>
-          <a:bodyPr lIns="0" rIns="0" tIns="0" bIns="0"/>
-          <a:p>
-            <a:endParaRPr b="0" lang="en-US" sz="2800" spc="-1" strike="noStrike">
-              <a:solidFill>
-                <a:srgbClr val="000000"/>
-              </a:solidFill>
-              <a:uFill>
-                <a:solidFill>
-                  <a:srgbClr val="ffffff"/>
+          <a:bodyPr lIns="0" tIns="0" rIns="0" bIns="0"/>
+          <a:lstStyle/>
+          <a:p>
+            <a:endParaRPr lang="en-US" sz="2800" b="0" strike="noStrike" spc="-1">
+              <a:solidFill>
+                <a:srgbClr val="000000"/>
+              </a:solidFill>
+              <a:uFill>
+                <a:solidFill>
+                  <a:srgbClr val="FFFFFF"/>
                 </a:solidFill>
               </a:uFill>
               <a:latin typeface="Arial"/>
@@ -2955,20 +3183,24 @@
       </p:sp>
     </p:spTree>
   </p:cSld>
+  <p:clrMapOvr>
+    <a:masterClrMapping/>
+  </p:clrMapOvr>
 </p:sldLayout>
 </file>
 
 <file path=ppt/slideMasters/slideMaster1.xml><?xml version="1.0" encoding="utf-8"?>
-<p:sldMaster xmlns:a="http://schemas.openxmlformats.org/drawingml/2006/main" xmlns:p="http://schemas.openxmlformats.org/presentationml/2006/main" xmlns:r="http://schemas.openxmlformats.org/officeDocument/2006/relationships" xmlns:p14="http://schemas.microsoft.com/office/powerpoint/2010/main" xmlns:p15="http://schemas.microsoft.com/office/powerpoint/2012/main" xmlns:mc="http://schemas.openxmlformats.org/markup-compatibility/2006">
+<p:sldMaster xmlns:a="http://schemas.openxmlformats.org/drawingml/2006/main" xmlns:r="http://schemas.openxmlformats.org/officeDocument/2006/relationships" xmlns:p="http://schemas.openxmlformats.org/presentationml/2006/main">
   <p:cSld>
     <p:bg>
       <p:bgPr>
         <a:blipFill>
-          <a:blip r:embed="rId2"/>
+          <a:blip r:embed="rId14"/>
           <a:stretch>
             <a:fillRect/>
           </a:stretch>
         </a:blipFill>
+        <a:effectLst/>
       </p:bgPr>
     </p:bg>
     <p:spTree>
@@ -2987,7 +3219,7 @@
       </p:grpSpPr>
       <p:sp>
         <p:nvSpPr>
-          <p:cNvPr id="0" name="PlaceHolder 1"/>
+          <p:cNvPr id="2" name="PlaceHolder 1"/>
           <p:cNvSpPr>
             <a:spLocks noGrp="1"/>
           </p:cNvSpPr>
@@ -3005,25 +3237,26 @@
           </a:prstGeom>
         </p:spPr>
         <p:txBody>
-          <a:bodyPr lIns="0" rIns="0" tIns="0" bIns="0" anchor="ctr"/>
-          <a:p>
-            <a:endParaRPr b="0" lang="en-US" sz="1800" spc="-1" strike="noStrike">
-              <a:solidFill>
-                <a:srgbClr val="000000"/>
-              </a:solidFill>
-              <a:uFill>
-                <a:solidFill>
-                  <a:srgbClr val="ffffff"/>
-                </a:solidFill>
-              </a:uFill>
-              <a:latin typeface="Arial"/>
-            </a:endParaRPr>
-          </a:p>
-        </p:txBody>
-      </p:sp>
-      <p:sp>
-        <p:nvSpPr>
-          <p:cNvPr id="1" name="PlaceHolder 2"/>
+          <a:bodyPr lIns="0" tIns="0" rIns="0" bIns="0" anchor="ctr"/>
+          <a:lstStyle/>
+          <a:p>
+            <a:endParaRPr lang="en-US" sz="1800" b="0" strike="noStrike" spc="-1">
+              <a:solidFill>
+                <a:srgbClr val="000000"/>
+              </a:solidFill>
+              <a:uFill>
+                <a:solidFill>
+                  <a:srgbClr val="FFFFFF"/>
+                </a:solidFill>
+              </a:uFill>
+              <a:latin typeface="Arial"/>
+            </a:endParaRPr>
+          </a:p>
+        </p:txBody>
+      </p:sp>
+      <p:sp>
+        <p:nvSpPr>
+          <p:cNvPr id="3" name="PlaceHolder 2"/>
           <p:cNvSpPr>
             <a:spLocks noGrp="1"/>
           </p:cNvSpPr>
@@ -3041,7 +3274,8 @@
           </a:prstGeom>
         </p:spPr>
         <p:txBody>
-          <a:bodyPr lIns="0" rIns="0" tIns="0" bIns="0"/>
+          <a:bodyPr lIns="0" tIns="0" rIns="0" bIns="0"/>
+          <a:lstStyle/>
           <a:p>
             <a:pPr marL="432000" indent="-324000">
               <a:buClr>
@@ -3052,33 +3286,22 @@
               <a:buChar char=""/>
             </a:pPr>
             <a:r>
-              <a:rPr b="0" lang="en-US" sz="2800" spc="-1" strike="noStrike">
+              <a:rPr lang="en-US" sz="2800" b="0" strike="noStrike" spc="-1">
                 <a:solidFill>
                   <a:srgbClr val="000000"/>
                 </a:solidFill>
                 <a:uFill>
                   <a:solidFill>
-                    <a:srgbClr val="ffffff"/>
+                    <a:srgbClr val="FFFFFF"/>
                   </a:solidFill>
                 </a:uFill>
                 <a:latin typeface="Arial"/>
               </a:rPr>
               <a:t>Click to edit the outline text format</a:t>
             </a:r>
-            <a:endParaRPr b="0" lang="en-US" sz="2800" spc="-1" strike="noStrike">
-              <a:solidFill>
-                <a:srgbClr val="000000"/>
-              </a:solidFill>
-              <a:uFill>
-                <a:solidFill>
-                  <a:srgbClr val="ffffff"/>
-                </a:solidFill>
-              </a:uFill>
-              <a:latin typeface="Arial"/>
-            </a:endParaRPr>
-          </a:p>
-          <a:p>
-            <a:pPr lvl="1" marL="864000" indent="-324000">
+          </a:p>
+          <a:p>
+            <a:pPr marL="864000" lvl="1" indent="-324000">
               <a:buClr>
                 <a:srgbClr val="000000"/>
               </a:buClr>
@@ -3087,33 +3310,22 @@
               <a:buChar char=""/>
             </a:pPr>
             <a:r>
-              <a:rPr b="0" lang="en-US" sz="2800" spc="-1" strike="noStrike">
+              <a:rPr lang="en-US" sz="2800" b="0" strike="noStrike" spc="-1">
                 <a:solidFill>
                   <a:srgbClr val="000000"/>
                 </a:solidFill>
                 <a:uFill>
                   <a:solidFill>
-                    <a:srgbClr val="ffffff"/>
+                    <a:srgbClr val="FFFFFF"/>
                   </a:solidFill>
                 </a:uFill>
                 <a:latin typeface="Arial"/>
               </a:rPr>
               <a:t>Second Outline Level</a:t>
             </a:r>
-            <a:endParaRPr b="0" lang="en-US" sz="2800" spc="-1" strike="noStrike">
-              <a:solidFill>
-                <a:srgbClr val="000000"/>
-              </a:solidFill>
-              <a:uFill>
-                <a:solidFill>
-                  <a:srgbClr val="ffffff"/>
-                </a:solidFill>
-              </a:uFill>
-              <a:latin typeface="Arial"/>
-            </a:endParaRPr>
-          </a:p>
-          <a:p>
-            <a:pPr lvl="2" marL="1296000" indent="-288000">
+          </a:p>
+          <a:p>
+            <a:pPr marL="1296000" lvl="2" indent="-288000">
               <a:buClr>
                 <a:srgbClr val="000000"/>
               </a:buClr>
@@ -3122,33 +3334,22 @@
               <a:buChar char=""/>
             </a:pPr>
             <a:r>
-              <a:rPr b="0" lang="en-US" sz="2800" spc="-1" strike="noStrike">
+              <a:rPr lang="en-US" sz="2800" b="0" strike="noStrike" spc="-1">
                 <a:solidFill>
                   <a:srgbClr val="000000"/>
                 </a:solidFill>
                 <a:uFill>
                   <a:solidFill>
-                    <a:srgbClr val="ffffff"/>
+                    <a:srgbClr val="FFFFFF"/>
                   </a:solidFill>
                 </a:uFill>
                 <a:latin typeface="Arial"/>
               </a:rPr>
               <a:t>Third Outline Level</a:t>
             </a:r>
-            <a:endParaRPr b="0" lang="en-US" sz="2800" spc="-1" strike="noStrike">
-              <a:solidFill>
-                <a:srgbClr val="000000"/>
-              </a:solidFill>
-              <a:uFill>
-                <a:solidFill>
-                  <a:srgbClr val="ffffff"/>
-                </a:solidFill>
-              </a:uFill>
-              <a:latin typeface="Arial"/>
-            </a:endParaRPr>
-          </a:p>
-          <a:p>
-            <a:pPr lvl="3" marL="1728000" indent="-216000">
+          </a:p>
+          <a:p>
+            <a:pPr marL="1728000" lvl="3" indent="-216000">
               <a:buClr>
                 <a:srgbClr val="000000"/>
               </a:buClr>
@@ -3157,33 +3358,22 @@
               <a:buChar char=""/>
             </a:pPr>
             <a:r>
-              <a:rPr b="0" lang="en-US" sz="2800" spc="-1" strike="noStrike">
+              <a:rPr lang="en-US" sz="2800" b="0" strike="noStrike" spc="-1">
                 <a:solidFill>
                   <a:srgbClr val="000000"/>
                 </a:solidFill>
                 <a:uFill>
                   <a:solidFill>
-                    <a:srgbClr val="ffffff"/>
+                    <a:srgbClr val="FFFFFF"/>
                   </a:solidFill>
                 </a:uFill>
                 <a:latin typeface="Arial"/>
               </a:rPr>
               <a:t>Fourth Outline Level</a:t>
             </a:r>
-            <a:endParaRPr b="0" lang="en-US" sz="2800" spc="-1" strike="noStrike">
-              <a:solidFill>
-                <a:srgbClr val="000000"/>
-              </a:solidFill>
-              <a:uFill>
-                <a:solidFill>
-                  <a:srgbClr val="ffffff"/>
-                </a:solidFill>
-              </a:uFill>
-              <a:latin typeface="Arial"/>
-            </a:endParaRPr>
-          </a:p>
-          <a:p>
-            <a:pPr lvl="4" marL="2160000" indent="-216000">
+          </a:p>
+          <a:p>
+            <a:pPr marL="2160000" lvl="4" indent="-216000">
               <a:buClr>
                 <a:srgbClr val="000000"/>
               </a:buClr>
@@ -3192,33 +3382,22 @@
               <a:buChar char=""/>
             </a:pPr>
             <a:r>
-              <a:rPr b="0" lang="en-US" sz="2800" spc="-1" strike="noStrike">
+              <a:rPr lang="en-US" sz="2800" b="0" strike="noStrike" spc="-1">
                 <a:solidFill>
                   <a:srgbClr val="000000"/>
                 </a:solidFill>
                 <a:uFill>
                   <a:solidFill>
-                    <a:srgbClr val="ffffff"/>
+                    <a:srgbClr val="FFFFFF"/>
                   </a:solidFill>
                 </a:uFill>
                 <a:latin typeface="Arial"/>
               </a:rPr>
               <a:t>Fifth Outline Level</a:t>
             </a:r>
-            <a:endParaRPr b="0" lang="en-US" sz="2800" spc="-1" strike="noStrike">
-              <a:solidFill>
-                <a:srgbClr val="000000"/>
-              </a:solidFill>
-              <a:uFill>
-                <a:solidFill>
-                  <a:srgbClr val="ffffff"/>
-                </a:solidFill>
-              </a:uFill>
-              <a:latin typeface="Arial"/>
-            </a:endParaRPr>
-          </a:p>
-          <a:p>
-            <a:pPr lvl="5" marL="2592000" indent="-216000">
+          </a:p>
+          <a:p>
+            <a:pPr marL="2592000" lvl="5" indent="-216000">
               <a:buClr>
                 <a:srgbClr val="000000"/>
               </a:buClr>
@@ -3227,33 +3406,22 @@
               <a:buChar char=""/>
             </a:pPr>
             <a:r>
-              <a:rPr b="0" lang="en-US" sz="2800" spc="-1" strike="noStrike">
+              <a:rPr lang="en-US" sz="2800" b="0" strike="noStrike" spc="-1">
                 <a:solidFill>
                   <a:srgbClr val="000000"/>
                 </a:solidFill>
                 <a:uFill>
                   <a:solidFill>
-                    <a:srgbClr val="ffffff"/>
+                    <a:srgbClr val="FFFFFF"/>
                   </a:solidFill>
                 </a:uFill>
                 <a:latin typeface="Arial"/>
               </a:rPr>
               <a:t>Sixth Outline Level</a:t>
             </a:r>
-            <a:endParaRPr b="0" lang="en-US" sz="2800" spc="-1" strike="noStrike">
-              <a:solidFill>
-                <a:srgbClr val="000000"/>
-              </a:solidFill>
-              <a:uFill>
-                <a:solidFill>
-                  <a:srgbClr val="ffffff"/>
-                </a:solidFill>
-              </a:uFill>
-              <a:latin typeface="Arial"/>
-            </a:endParaRPr>
-          </a:p>
-          <a:p>
-            <a:pPr lvl="6" marL="3024000" indent="-216000">
+          </a:p>
+          <a:p>
+            <a:pPr marL="3024000" lvl="6" indent="-216000">
               <a:buClr>
                 <a:srgbClr val="000000"/>
               </a:buClr>
@@ -3262,64 +3430,334 @@
               <a:buChar char=""/>
             </a:pPr>
             <a:r>
-              <a:rPr b="0" lang="en-US" sz="2800" spc="-1" strike="noStrike">
+              <a:rPr lang="en-US" sz="2800" b="0" strike="noStrike" spc="-1">
                 <a:solidFill>
                   <a:srgbClr val="000000"/>
                 </a:solidFill>
                 <a:uFill>
                   <a:solidFill>
-                    <a:srgbClr val="ffffff"/>
+                    <a:srgbClr val="FFFFFF"/>
                   </a:solidFill>
                 </a:uFill>
                 <a:latin typeface="Arial"/>
               </a:rPr>
               <a:t>Seventh Outline Level</a:t>
             </a:r>
-            <a:endParaRPr b="0" lang="en-US" sz="2800" spc="-1" strike="noStrike">
-              <a:solidFill>
-                <a:srgbClr val="000000"/>
-              </a:solidFill>
-              <a:uFill>
-                <a:solidFill>
-                  <a:srgbClr val="ffffff"/>
-                </a:solidFill>
-              </a:uFill>
-              <a:latin typeface="Arial"/>
-            </a:endParaRPr>
           </a:p>
         </p:txBody>
       </p:sp>
     </p:spTree>
   </p:cSld>
-  <p:clrMap bg1="lt1" bg2="lt2" tx1="dk1" tx2="dk2" accent1="accent1" accent2="accent2" accent3="accent3" accent4="accent4" accent5="accent5" accent6="accent6" hlink="hlink" folHlink="folHlink"/>
+  <p:clrMap bg1="lt1" tx1="dk1" bg2="lt2" tx2="dk2" accent1="accent1" accent2="accent2" accent3="accent3" accent4="accent4" accent5="accent5" accent6="accent6" hlink="hlink" folHlink="folHlink"/>
   <p:sldLayoutIdLst>
-    <p:sldLayoutId id="2147483649" r:id="rId3"/>
-    <p:sldLayoutId id="2147483650" r:id="rId4"/>
-    <p:sldLayoutId id="2147483651" r:id="rId5"/>
-    <p:sldLayoutId id="2147483652" r:id="rId6"/>
-    <p:sldLayoutId id="2147483653" r:id="rId7"/>
-    <p:sldLayoutId id="2147483654" r:id="rId8"/>
-    <p:sldLayoutId id="2147483655" r:id="rId9"/>
-    <p:sldLayoutId id="2147483656" r:id="rId10"/>
-    <p:sldLayoutId id="2147483657" r:id="rId11"/>
-    <p:sldLayoutId id="2147483658" r:id="rId12"/>
-    <p:sldLayoutId id="2147483659" r:id="rId13"/>
-    <p:sldLayoutId id="2147483660" r:id="rId14"/>
+    <p:sldLayoutId id="2147483649" r:id="rId1"/>
+    <p:sldLayoutId id="2147483650" r:id="rId2"/>
+    <p:sldLayoutId id="2147483651" r:id="rId3"/>
+    <p:sldLayoutId id="2147483652" r:id="rId4"/>
+    <p:sldLayoutId id="2147483653" r:id="rId5"/>
+    <p:sldLayoutId id="2147483654" r:id="rId6"/>
+    <p:sldLayoutId id="2147483655" r:id="rId7"/>
+    <p:sldLayoutId id="2147483656" r:id="rId8"/>
+    <p:sldLayoutId id="2147483657" r:id="rId9"/>
+    <p:sldLayoutId id="2147483658" r:id="rId10"/>
+    <p:sldLayoutId id="2147483659" r:id="rId11"/>
+    <p:sldLayoutId id="2147483660" r:id="rId12"/>
   </p:sldLayoutIdLst>
+  <p:txStyles>
+    <p:titleStyle>
+      <a:lvl1pPr algn="l" defTabSz="914400" rtl="0" eaLnBrk="1" latinLnBrk="0" hangingPunct="1">
+        <a:lnSpc>
+          <a:spcPct val="90000"/>
+        </a:lnSpc>
+        <a:spcBef>
+          <a:spcPct val="0"/>
+        </a:spcBef>
+        <a:buNone/>
+        <a:defRPr sz="4400" kern="1200">
+          <a:solidFill>
+            <a:schemeClr val="tx1"/>
+          </a:solidFill>
+          <a:latin typeface="+mj-lt"/>
+          <a:ea typeface="+mj-ea"/>
+          <a:cs typeface="+mj-cs"/>
+        </a:defRPr>
+      </a:lvl1pPr>
+    </p:titleStyle>
+    <p:bodyStyle>
+      <a:lvl1pPr marL="228600" indent="-228600" algn="l" defTabSz="914400" rtl="0" eaLnBrk="1" latinLnBrk="0" hangingPunct="1">
+        <a:lnSpc>
+          <a:spcPct val="90000"/>
+        </a:lnSpc>
+        <a:spcBef>
+          <a:spcPts val="1000"/>
+        </a:spcBef>
+        <a:buFont typeface="Arial" panose="020B0604020202020204" pitchFamily="34" charset="0"/>
+        <a:buChar char="•"/>
+        <a:defRPr sz="2800" kern="1200">
+          <a:solidFill>
+            <a:schemeClr val="tx1"/>
+          </a:solidFill>
+          <a:latin typeface="+mn-lt"/>
+          <a:ea typeface="+mn-ea"/>
+          <a:cs typeface="+mn-cs"/>
+        </a:defRPr>
+      </a:lvl1pPr>
+      <a:lvl2pPr marL="685800" indent="-228600" algn="l" defTabSz="914400" rtl="0" eaLnBrk="1" latinLnBrk="0" hangingPunct="1">
+        <a:lnSpc>
+          <a:spcPct val="90000"/>
+        </a:lnSpc>
+        <a:spcBef>
+          <a:spcPts val="500"/>
+        </a:spcBef>
+        <a:buFont typeface="Arial" panose="020B0604020202020204" pitchFamily="34" charset="0"/>
+        <a:buChar char="•"/>
+        <a:defRPr sz="2400" kern="1200">
+          <a:solidFill>
+            <a:schemeClr val="tx1"/>
+          </a:solidFill>
+          <a:latin typeface="+mn-lt"/>
+          <a:ea typeface="+mn-ea"/>
+          <a:cs typeface="+mn-cs"/>
+        </a:defRPr>
+      </a:lvl2pPr>
+      <a:lvl3pPr marL="1143000" indent="-228600" algn="l" defTabSz="914400" rtl="0" eaLnBrk="1" latinLnBrk="0" hangingPunct="1">
+        <a:lnSpc>
+          <a:spcPct val="90000"/>
+        </a:lnSpc>
+        <a:spcBef>
+          <a:spcPts val="500"/>
+        </a:spcBef>
+        <a:buFont typeface="Arial" panose="020B0604020202020204" pitchFamily="34" charset="0"/>
+        <a:buChar char="•"/>
+        <a:defRPr sz="2000" kern="1200">
+          <a:solidFill>
+            <a:schemeClr val="tx1"/>
+          </a:solidFill>
+          <a:latin typeface="+mn-lt"/>
+          <a:ea typeface="+mn-ea"/>
+          <a:cs typeface="+mn-cs"/>
+        </a:defRPr>
+      </a:lvl3pPr>
+      <a:lvl4pPr marL="1600200" indent="-228600" algn="l" defTabSz="914400" rtl="0" eaLnBrk="1" latinLnBrk="0" hangingPunct="1">
+        <a:lnSpc>
+          <a:spcPct val="90000"/>
+        </a:lnSpc>
+        <a:spcBef>
+          <a:spcPts val="500"/>
+        </a:spcBef>
+        <a:buFont typeface="Arial" panose="020B0604020202020204" pitchFamily="34" charset="0"/>
+        <a:buChar char="•"/>
+        <a:defRPr sz="1800" kern="1200">
+          <a:solidFill>
+            <a:schemeClr val="tx1"/>
+          </a:solidFill>
+          <a:latin typeface="+mn-lt"/>
+          <a:ea typeface="+mn-ea"/>
+          <a:cs typeface="+mn-cs"/>
+        </a:defRPr>
+      </a:lvl4pPr>
+      <a:lvl5pPr marL="2057400" indent="-228600" algn="l" defTabSz="914400" rtl="0" eaLnBrk="1" latinLnBrk="0" hangingPunct="1">
+        <a:lnSpc>
+          <a:spcPct val="90000"/>
+        </a:lnSpc>
+        <a:spcBef>
+          <a:spcPts val="500"/>
+        </a:spcBef>
+        <a:buFont typeface="Arial" panose="020B0604020202020204" pitchFamily="34" charset="0"/>
+        <a:buChar char="•"/>
+        <a:defRPr sz="1800" kern="1200">
+          <a:solidFill>
+            <a:schemeClr val="tx1"/>
+          </a:solidFill>
+          <a:latin typeface="+mn-lt"/>
+          <a:ea typeface="+mn-ea"/>
+          <a:cs typeface="+mn-cs"/>
+        </a:defRPr>
+      </a:lvl5pPr>
+      <a:lvl6pPr marL="2514600" indent="-228600" algn="l" defTabSz="914400" rtl="0" eaLnBrk="1" latinLnBrk="0" hangingPunct="1">
+        <a:lnSpc>
+          <a:spcPct val="90000"/>
+        </a:lnSpc>
+        <a:spcBef>
+          <a:spcPts val="500"/>
+        </a:spcBef>
+        <a:buFont typeface="Arial" panose="020B0604020202020204" pitchFamily="34" charset="0"/>
+        <a:buChar char="•"/>
+        <a:defRPr sz="1800" kern="1200">
+          <a:solidFill>
+            <a:schemeClr val="tx1"/>
+          </a:solidFill>
+          <a:latin typeface="+mn-lt"/>
+          <a:ea typeface="+mn-ea"/>
+          <a:cs typeface="+mn-cs"/>
+        </a:defRPr>
+      </a:lvl6pPr>
+      <a:lvl7pPr marL="2971800" indent="-228600" algn="l" defTabSz="914400" rtl="0" eaLnBrk="1" latinLnBrk="0" hangingPunct="1">
+        <a:lnSpc>
+          <a:spcPct val="90000"/>
+        </a:lnSpc>
+        <a:spcBef>
+          <a:spcPts val="500"/>
+        </a:spcBef>
+        <a:buFont typeface="Arial" panose="020B0604020202020204" pitchFamily="34" charset="0"/>
+        <a:buChar char="•"/>
+        <a:defRPr sz="1800" kern="1200">
+          <a:solidFill>
+            <a:schemeClr val="tx1"/>
+          </a:solidFill>
+          <a:latin typeface="+mn-lt"/>
+          <a:ea typeface="+mn-ea"/>
+          <a:cs typeface="+mn-cs"/>
+        </a:defRPr>
+      </a:lvl7pPr>
+      <a:lvl8pPr marL="3429000" indent="-228600" algn="l" defTabSz="914400" rtl="0" eaLnBrk="1" latinLnBrk="0" hangingPunct="1">
+        <a:lnSpc>
+          <a:spcPct val="90000"/>
+        </a:lnSpc>
+        <a:spcBef>
+          <a:spcPts val="500"/>
+        </a:spcBef>
+        <a:buFont typeface="Arial" panose="020B0604020202020204" pitchFamily="34" charset="0"/>
+        <a:buChar char="•"/>
+        <a:defRPr sz="1800" kern="1200">
+          <a:solidFill>
+            <a:schemeClr val="tx1"/>
+          </a:solidFill>
+          <a:latin typeface="+mn-lt"/>
+          <a:ea typeface="+mn-ea"/>
+          <a:cs typeface="+mn-cs"/>
+        </a:defRPr>
+      </a:lvl8pPr>
+      <a:lvl9pPr marL="3886200" indent="-228600" algn="l" defTabSz="914400" rtl="0" eaLnBrk="1" latinLnBrk="0" hangingPunct="1">
+        <a:lnSpc>
+          <a:spcPct val="90000"/>
+        </a:lnSpc>
+        <a:spcBef>
+          <a:spcPts val="500"/>
+        </a:spcBef>
+        <a:buFont typeface="Arial" panose="020B0604020202020204" pitchFamily="34" charset="0"/>
+        <a:buChar char="•"/>
+        <a:defRPr sz="1800" kern="1200">
+          <a:solidFill>
+            <a:schemeClr val="tx1"/>
+          </a:solidFill>
+          <a:latin typeface="+mn-lt"/>
+          <a:ea typeface="+mn-ea"/>
+          <a:cs typeface="+mn-cs"/>
+        </a:defRPr>
+      </a:lvl9pPr>
+    </p:bodyStyle>
+    <p:otherStyle>
+      <a:defPPr>
+        <a:defRPr lang="en-US"/>
+      </a:defPPr>
+      <a:lvl1pPr marL="0" algn="l" defTabSz="914400" rtl="0" eaLnBrk="1" latinLnBrk="0" hangingPunct="1">
+        <a:defRPr sz="1800" kern="1200">
+          <a:solidFill>
+            <a:schemeClr val="tx1"/>
+          </a:solidFill>
+          <a:latin typeface="+mn-lt"/>
+          <a:ea typeface="+mn-ea"/>
+          <a:cs typeface="+mn-cs"/>
+        </a:defRPr>
+      </a:lvl1pPr>
+      <a:lvl2pPr marL="457200" algn="l" defTabSz="914400" rtl="0" eaLnBrk="1" latinLnBrk="0" hangingPunct="1">
+        <a:defRPr sz="1800" kern="1200">
+          <a:solidFill>
+            <a:schemeClr val="tx1"/>
+          </a:solidFill>
+          <a:latin typeface="+mn-lt"/>
+          <a:ea typeface="+mn-ea"/>
+          <a:cs typeface="+mn-cs"/>
+        </a:defRPr>
+      </a:lvl2pPr>
+      <a:lvl3pPr marL="914400" algn="l" defTabSz="914400" rtl="0" eaLnBrk="1" latinLnBrk="0" hangingPunct="1">
+        <a:defRPr sz="1800" kern="1200">
+          <a:solidFill>
+            <a:schemeClr val="tx1"/>
+          </a:solidFill>
+          <a:latin typeface="+mn-lt"/>
+          <a:ea typeface="+mn-ea"/>
+          <a:cs typeface="+mn-cs"/>
+        </a:defRPr>
+      </a:lvl3pPr>
+      <a:lvl4pPr marL="1371600" algn="l" defTabSz="914400" rtl="0" eaLnBrk="1" latinLnBrk="0" hangingPunct="1">
+        <a:defRPr sz="1800" kern="1200">
+          <a:solidFill>
+            <a:schemeClr val="tx1"/>
+          </a:solidFill>
+          <a:latin typeface="+mn-lt"/>
+          <a:ea typeface="+mn-ea"/>
+          <a:cs typeface="+mn-cs"/>
+        </a:defRPr>
+      </a:lvl4pPr>
+      <a:lvl5pPr marL="1828800" algn="l" defTabSz="914400" rtl="0" eaLnBrk="1" latinLnBrk="0" hangingPunct="1">
+        <a:defRPr sz="1800" kern="1200">
+          <a:solidFill>
+            <a:schemeClr val="tx1"/>
+          </a:solidFill>
+          <a:latin typeface="+mn-lt"/>
+          <a:ea typeface="+mn-ea"/>
+          <a:cs typeface="+mn-cs"/>
+        </a:defRPr>
+      </a:lvl5pPr>
+      <a:lvl6pPr marL="2286000" algn="l" defTabSz="914400" rtl="0" eaLnBrk="1" latinLnBrk="0" hangingPunct="1">
+        <a:defRPr sz="1800" kern="1200">
+          <a:solidFill>
+            <a:schemeClr val="tx1"/>
+          </a:solidFill>
+          <a:latin typeface="+mn-lt"/>
+          <a:ea typeface="+mn-ea"/>
+          <a:cs typeface="+mn-cs"/>
+        </a:defRPr>
+      </a:lvl6pPr>
+      <a:lvl7pPr marL="2743200" algn="l" defTabSz="914400" rtl="0" eaLnBrk="1" latinLnBrk="0" hangingPunct="1">
+        <a:defRPr sz="1800" kern="1200">
+          <a:solidFill>
+            <a:schemeClr val="tx1"/>
+          </a:solidFill>
+          <a:latin typeface="+mn-lt"/>
+          <a:ea typeface="+mn-ea"/>
+          <a:cs typeface="+mn-cs"/>
+        </a:defRPr>
+      </a:lvl7pPr>
+      <a:lvl8pPr marL="3200400" algn="l" defTabSz="914400" rtl="0" eaLnBrk="1" latinLnBrk="0" hangingPunct="1">
+        <a:defRPr sz="1800" kern="1200">
+          <a:solidFill>
+            <a:schemeClr val="tx1"/>
+          </a:solidFill>
+          <a:latin typeface="+mn-lt"/>
+          <a:ea typeface="+mn-ea"/>
+          <a:cs typeface="+mn-cs"/>
+        </a:defRPr>
+      </a:lvl8pPr>
+      <a:lvl9pPr marL="3657600" algn="l" defTabSz="914400" rtl="0" eaLnBrk="1" latinLnBrk="0" hangingPunct="1">
+        <a:defRPr sz="1800" kern="1200">
+          <a:solidFill>
+            <a:schemeClr val="tx1"/>
+          </a:solidFill>
+          <a:latin typeface="+mn-lt"/>
+          <a:ea typeface="+mn-ea"/>
+          <a:cs typeface="+mn-cs"/>
+        </a:defRPr>
+      </a:lvl9pPr>
+    </p:otherStyle>
+  </p:txStyles>
 </p:sldMaster>
 </file>
 
 <file path=ppt/slideMasters/slideMaster2.xml><?xml version="1.0" encoding="utf-8"?>
-<p:sldMaster xmlns:a="http://schemas.openxmlformats.org/drawingml/2006/main" xmlns:p="http://schemas.openxmlformats.org/presentationml/2006/main" xmlns:r="http://schemas.openxmlformats.org/officeDocument/2006/relationships" xmlns:p14="http://schemas.microsoft.com/office/powerpoint/2010/main" xmlns:p15="http://schemas.microsoft.com/office/powerpoint/2012/main" xmlns:mc="http://schemas.openxmlformats.org/markup-compatibility/2006">
+<p:sldMaster xmlns:a="http://schemas.openxmlformats.org/drawingml/2006/main" xmlns:r="http://schemas.openxmlformats.org/officeDocument/2006/relationships" xmlns:p="http://schemas.openxmlformats.org/presentationml/2006/main">
   <p:cSld>
     <p:bg>
       <p:bgPr>
         <a:blipFill>
-          <a:blip r:embed="rId2"/>
+          <a:blip r:embed="rId14"/>
           <a:stretch>
             <a:fillRect/>
           </a:stretch>
         </a:blipFill>
+        <a:effectLst/>
       </p:bgPr>
     </p:bg>
     <p:spTree>
@@ -3356,33 +3794,23 @@
           </a:prstGeom>
         </p:spPr>
         <p:txBody>
-          <a:bodyPr lIns="0" rIns="0" tIns="0" bIns="0" anchor="ctr"/>
+          <a:bodyPr lIns="0" tIns="0" rIns="0" bIns="0" anchor="ctr"/>
+          <a:lstStyle/>
           <a:p>
             <a:r>
-              <a:rPr b="0" lang="en-US" sz="1800" spc="-1" strike="noStrike">
+              <a:rPr lang="en-US" sz="1800" b="0" strike="noStrike" spc="-1">
                 <a:solidFill>
                   <a:srgbClr val="000000"/>
                 </a:solidFill>
                 <a:uFill>
                   <a:solidFill>
-                    <a:srgbClr val="ffffff"/>
+                    <a:srgbClr val="FFFFFF"/>
                   </a:solidFill>
                 </a:uFill>
                 <a:latin typeface="Arial"/>
               </a:rPr>
               <a:t>Click to edit the title text format</a:t>
             </a:r>
-            <a:endParaRPr b="0" lang="en-US" sz="1800" spc="-1" strike="noStrike">
-              <a:solidFill>
-                <a:srgbClr val="000000"/>
-              </a:solidFill>
-              <a:uFill>
-                <a:solidFill>
-                  <a:srgbClr val="ffffff"/>
-                </a:solidFill>
-              </a:uFill>
-              <a:latin typeface="Arial"/>
-            </a:endParaRPr>
           </a:p>
         </p:txBody>
       </p:sp>
@@ -3406,7 +3834,8 @@
           </a:prstGeom>
         </p:spPr>
         <p:txBody>
-          <a:bodyPr lIns="0" rIns="0" tIns="0" bIns="0"/>
+          <a:bodyPr lIns="0" tIns="0" rIns="0" bIns="0"/>
+          <a:lstStyle/>
           <a:p>
             <a:pPr marL="432000" indent="-324000">
               <a:buClr>
@@ -3417,33 +3846,22 @@
               <a:buChar char=""/>
             </a:pPr>
             <a:r>
-              <a:rPr b="0" lang="en-US" sz="2800" spc="-1" strike="noStrike">
+              <a:rPr lang="en-US" sz="2800" b="0" strike="noStrike" spc="-1">
                 <a:solidFill>
                   <a:srgbClr val="000000"/>
                 </a:solidFill>
                 <a:uFill>
                   <a:solidFill>
-                    <a:srgbClr val="ffffff"/>
+                    <a:srgbClr val="FFFFFF"/>
                   </a:solidFill>
                 </a:uFill>
                 <a:latin typeface="Arial"/>
               </a:rPr>
               <a:t>Click to edit the outline text format</a:t>
             </a:r>
-            <a:endParaRPr b="0" lang="en-US" sz="2800" spc="-1" strike="noStrike">
-              <a:solidFill>
-                <a:srgbClr val="000000"/>
-              </a:solidFill>
-              <a:uFill>
-                <a:solidFill>
-                  <a:srgbClr val="ffffff"/>
-                </a:solidFill>
-              </a:uFill>
-              <a:latin typeface="Arial"/>
-            </a:endParaRPr>
-          </a:p>
-          <a:p>
-            <a:pPr lvl="1" marL="864000" indent="-324000">
+          </a:p>
+          <a:p>
+            <a:pPr marL="864000" lvl="1" indent="-324000">
               <a:buClr>
                 <a:srgbClr val="000000"/>
               </a:buClr>
@@ -3452,33 +3870,22 @@
               <a:buChar char=""/>
             </a:pPr>
             <a:r>
-              <a:rPr b="0" lang="en-US" sz="2000" spc="-1" strike="noStrike">
+              <a:rPr lang="en-US" sz="2000" b="0" strike="noStrike" spc="-1">
                 <a:solidFill>
                   <a:srgbClr val="000000"/>
                 </a:solidFill>
                 <a:uFill>
                   <a:solidFill>
-                    <a:srgbClr val="ffffff"/>
+                    <a:srgbClr val="FFFFFF"/>
                   </a:solidFill>
                 </a:uFill>
                 <a:latin typeface="Arial"/>
               </a:rPr>
               <a:t>Second Outline Level</a:t>
             </a:r>
-            <a:endParaRPr b="0" lang="en-US" sz="2000" spc="-1" strike="noStrike">
-              <a:solidFill>
-                <a:srgbClr val="000000"/>
-              </a:solidFill>
-              <a:uFill>
-                <a:solidFill>
-                  <a:srgbClr val="ffffff"/>
-                </a:solidFill>
-              </a:uFill>
-              <a:latin typeface="Arial"/>
-            </a:endParaRPr>
-          </a:p>
-          <a:p>
-            <a:pPr lvl="2" marL="1296000" indent="-288000">
+          </a:p>
+          <a:p>
+            <a:pPr marL="1296000" lvl="2" indent="-288000">
               <a:buClr>
                 <a:srgbClr val="000000"/>
               </a:buClr>
@@ -3487,33 +3894,22 @@
               <a:buChar char=""/>
             </a:pPr>
             <a:r>
-              <a:rPr b="0" lang="en-US" sz="1800" spc="-1" strike="noStrike">
+              <a:rPr lang="en-US" sz="1800" b="0" strike="noStrike" spc="-1">
                 <a:solidFill>
                   <a:srgbClr val="000000"/>
                 </a:solidFill>
                 <a:uFill>
                   <a:solidFill>
-                    <a:srgbClr val="ffffff"/>
+                    <a:srgbClr val="FFFFFF"/>
                   </a:solidFill>
                 </a:uFill>
                 <a:latin typeface="Arial"/>
               </a:rPr>
               <a:t>Third Outline Level</a:t>
             </a:r>
-            <a:endParaRPr b="0" lang="en-US" sz="1800" spc="-1" strike="noStrike">
-              <a:solidFill>
-                <a:srgbClr val="000000"/>
-              </a:solidFill>
-              <a:uFill>
-                <a:solidFill>
-                  <a:srgbClr val="ffffff"/>
-                </a:solidFill>
-              </a:uFill>
-              <a:latin typeface="Arial"/>
-            </a:endParaRPr>
-          </a:p>
-          <a:p>
-            <a:pPr lvl="3" marL="1728000" indent="-216000">
+          </a:p>
+          <a:p>
+            <a:pPr marL="1728000" lvl="3" indent="-216000">
               <a:buClr>
                 <a:srgbClr val="000000"/>
               </a:buClr>
@@ -3522,33 +3918,22 @@
               <a:buChar char=""/>
             </a:pPr>
             <a:r>
-              <a:rPr b="0" lang="en-US" sz="1800" spc="-1" strike="noStrike">
+              <a:rPr lang="en-US" sz="1800" b="0" strike="noStrike" spc="-1">
                 <a:solidFill>
                   <a:srgbClr val="000000"/>
                 </a:solidFill>
                 <a:uFill>
                   <a:solidFill>
-                    <a:srgbClr val="ffffff"/>
+                    <a:srgbClr val="FFFFFF"/>
                   </a:solidFill>
                 </a:uFill>
                 <a:latin typeface="Arial"/>
               </a:rPr>
               <a:t>Fourth Outline Level</a:t>
             </a:r>
-            <a:endParaRPr b="0" lang="en-US" sz="1800" spc="-1" strike="noStrike">
-              <a:solidFill>
-                <a:srgbClr val="000000"/>
-              </a:solidFill>
-              <a:uFill>
-                <a:solidFill>
-                  <a:srgbClr val="ffffff"/>
-                </a:solidFill>
-              </a:uFill>
-              <a:latin typeface="Arial"/>
-            </a:endParaRPr>
-          </a:p>
-          <a:p>
-            <a:pPr lvl="4" marL="2160000" indent="-216000">
+          </a:p>
+          <a:p>
+            <a:pPr marL="2160000" lvl="4" indent="-216000">
               <a:buClr>
                 <a:srgbClr val="000000"/>
               </a:buClr>
@@ -3557,33 +3942,22 @@
               <a:buChar char=""/>
             </a:pPr>
             <a:r>
-              <a:rPr b="0" lang="en-US" sz="2000" spc="-1" strike="noStrike">
+              <a:rPr lang="en-US" sz="2000" b="0" strike="noStrike" spc="-1">
                 <a:solidFill>
                   <a:srgbClr val="000000"/>
                 </a:solidFill>
                 <a:uFill>
                   <a:solidFill>
-                    <a:srgbClr val="ffffff"/>
+                    <a:srgbClr val="FFFFFF"/>
                   </a:solidFill>
                 </a:uFill>
                 <a:latin typeface="Arial"/>
               </a:rPr>
               <a:t>Fifth Outline Level</a:t>
             </a:r>
-            <a:endParaRPr b="0" lang="en-US" sz="2000" spc="-1" strike="noStrike">
-              <a:solidFill>
-                <a:srgbClr val="000000"/>
-              </a:solidFill>
-              <a:uFill>
-                <a:solidFill>
-                  <a:srgbClr val="ffffff"/>
-                </a:solidFill>
-              </a:uFill>
-              <a:latin typeface="Arial"/>
-            </a:endParaRPr>
-          </a:p>
-          <a:p>
-            <a:pPr lvl="5" marL="2592000" indent="-216000">
+          </a:p>
+          <a:p>
+            <a:pPr marL="2592000" lvl="5" indent="-216000">
               <a:buClr>
                 <a:srgbClr val="000000"/>
               </a:buClr>
@@ -3592,33 +3966,22 @@
               <a:buChar char=""/>
             </a:pPr>
             <a:r>
-              <a:rPr b="0" lang="en-US" sz="2000" spc="-1" strike="noStrike">
+              <a:rPr lang="en-US" sz="2000" b="0" strike="noStrike" spc="-1">
                 <a:solidFill>
                   <a:srgbClr val="000000"/>
                 </a:solidFill>
                 <a:uFill>
                   <a:solidFill>
-                    <a:srgbClr val="ffffff"/>
+                    <a:srgbClr val="FFFFFF"/>
                   </a:solidFill>
                 </a:uFill>
                 <a:latin typeface="Arial"/>
               </a:rPr>
               <a:t>Sixth Outline Level</a:t>
             </a:r>
-            <a:endParaRPr b="0" lang="en-US" sz="2000" spc="-1" strike="noStrike">
-              <a:solidFill>
-                <a:srgbClr val="000000"/>
-              </a:solidFill>
-              <a:uFill>
-                <a:solidFill>
-                  <a:srgbClr val="ffffff"/>
-                </a:solidFill>
-              </a:uFill>
-              <a:latin typeface="Arial"/>
-            </a:endParaRPr>
-          </a:p>
-          <a:p>
-            <a:pPr lvl="6" marL="3024000" indent="-216000">
+          </a:p>
+          <a:p>
+            <a:pPr marL="3024000" lvl="6" indent="-216000">
               <a:buClr>
                 <a:srgbClr val="000000"/>
               </a:buClr>
@@ -3627,55 +3990,324 @@
               <a:buChar char=""/>
             </a:pPr>
             <a:r>
-              <a:rPr b="0" lang="en-US" sz="2000" spc="-1" strike="noStrike">
+              <a:rPr lang="en-US" sz="2000" b="0" strike="noStrike" spc="-1">
                 <a:solidFill>
                   <a:srgbClr val="000000"/>
                 </a:solidFill>
                 <a:uFill>
                   <a:solidFill>
-                    <a:srgbClr val="ffffff"/>
+                    <a:srgbClr val="FFFFFF"/>
                   </a:solidFill>
                 </a:uFill>
                 <a:latin typeface="Arial"/>
               </a:rPr>
               <a:t>Seventh Outline Level</a:t>
             </a:r>
-            <a:endParaRPr b="0" lang="en-US" sz="2000" spc="-1" strike="noStrike">
-              <a:solidFill>
-                <a:srgbClr val="000000"/>
-              </a:solidFill>
-              <a:uFill>
-                <a:solidFill>
-                  <a:srgbClr val="ffffff"/>
-                </a:solidFill>
-              </a:uFill>
-              <a:latin typeface="Arial"/>
-            </a:endParaRPr>
           </a:p>
         </p:txBody>
       </p:sp>
     </p:spTree>
   </p:cSld>
-  <p:clrMap bg1="lt1" bg2="lt2" tx1="dk1" tx2="dk2" accent1="accent1" accent2="accent2" accent3="accent3" accent4="accent4" accent5="accent5" accent6="accent6" hlink="hlink" folHlink="folHlink"/>
+  <p:clrMap bg1="lt1" tx1="dk1" bg2="lt2" tx2="dk2" accent1="accent1" accent2="accent2" accent3="accent3" accent4="accent4" accent5="accent5" accent6="accent6" hlink="hlink" folHlink="folHlink"/>
   <p:sldLayoutIdLst>
-    <p:sldLayoutId id="2147483662" r:id="rId3"/>
-    <p:sldLayoutId id="2147483663" r:id="rId4"/>
-    <p:sldLayoutId id="2147483664" r:id="rId5"/>
-    <p:sldLayoutId id="2147483665" r:id="rId6"/>
-    <p:sldLayoutId id="2147483666" r:id="rId7"/>
-    <p:sldLayoutId id="2147483667" r:id="rId8"/>
-    <p:sldLayoutId id="2147483668" r:id="rId9"/>
-    <p:sldLayoutId id="2147483669" r:id="rId10"/>
-    <p:sldLayoutId id="2147483670" r:id="rId11"/>
-    <p:sldLayoutId id="2147483671" r:id="rId12"/>
-    <p:sldLayoutId id="2147483672" r:id="rId13"/>
-    <p:sldLayoutId id="2147483673" r:id="rId14"/>
+    <p:sldLayoutId id="2147483662" r:id="rId1"/>
+    <p:sldLayoutId id="2147483663" r:id="rId2"/>
+    <p:sldLayoutId id="2147483664" r:id="rId3"/>
+    <p:sldLayoutId id="2147483665" r:id="rId4"/>
+    <p:sldLayoutId id="2147483666" r:id="rId5"/>
+    <p:sldLayoutId id="2147483667" r:id="rId6"/>
+    <p:sldLayoutId id="2147483668" r:id="rId7"/>
+    <p:sldLayoutId id="2147483669" r:id="rId8"/>
+    <p:sldLayoutId id="2147483670" r:id="rId9"/>
+    <p:sldLayoutId id="2147483671" r:id="rId10"/>
+    <p:sldLayoutId id="2147483672" r:id="rId11"/>
+    <p:sldLayoutId id="2147483673" r:id="rId12"/>
   </p:sldLayoutIdLst>
+  <p:txStyles>
+    <p:titleStyle>
+      <a:lvl1pPr algn="l" defTabSz="914400" rtl="0" eaLnBrk="1" latinLnBrk="0" hangingPunct="1">
+        <a:lnSpc>
+          <a:spcPct val="90000"/>
+        </a:lnSpc>
+        <a:spcBef>
+          <a:spcPct val="0"/>
+        </a:spcBef>
+        <a:buNone/>
+        <a:defRPr sz="4400" kern="1200">
+          <a:solidFill>
+            <a:schemeClr val="tx1"/>
+          </a:solidFill>
+          <a:latin typeface="+mj-lt"/>
+          <a:ea typeface="+mj-ea"/>
+          <a:cs typeface="+mj-cs"/>
+        </a:defRPr>
+      </a:lvl1pPr>
+    </p:titleStyle>
+    <p:bodyStyle>
+      <a:lvl1pPr marL="228600" indent="-228600" algn="l" defTabSz="914400" rtl="0" eaLnBrk="1" latinLnBrk="0" hangingPunct="1">
+        <a:lnSpc>
+          <a:spcPct val="90000"/>
+        </a:lnSpc>
+        <a:spcBef>
+          <a:spcPts val="1000"/>
+        </a:spcBef>
+        <a:buFont typeface="Arial" panose="020B0604020202020204" pitchFamily="34" charset="0"/>
+        <a:buChar char="•"/>
+        <a:defRPr sz="2800" kern="1200">
+          <a:solidFill>
+            <a:schemeClr val="tx1"/>
+          </a:solidFill>
+          <a:latin typeface="+mn-lt"/>
+          <a:ea typeface="+mn-ea"/>
+          <a:cs typeface="+mn-cs"/>
+        </a:defRPr>
+      </a:lvl1pPr>
+      <a:lvl2pPr marL="685800" indent="-228600" algn="l" defTabSz="914400" rtl="0" eaLnBrk="1" latinLnBrk="0" hangingPunct="1">
+        <a:lnSpc>
+          <a:spcPct val="90000"/>
+        </a:lnSpc>
+        <a:spcBef>
+          <a:spcPts val="500"/>
+        </a:spcBef>
+        <a:buFont typeface="Arial" panose="020B0604020202020204" pitchFamily="34" charset="0"/>
+        <a:buChar char="•"/>
+        <a:defRPr sz="2400" kern="1200">
+          <a:solidFill>
+            <a:schemeClr val="tx1"/>
+          </a:solidFill>
+          <a:latin typeface="+mn-lt"/>
+          <a:ea typeface="+mn-ea"/>
+          <a:cs typeface="+mn-cs"/>
+        </a:defRPr>
+      </a:lvl2pPr>
+      <a:lvl3pPr marL="1143000" indent="-228600" algn="l" defTabSz="914400" rtl="0" eaLnBrk="1" latinLnBrk="0" hangingPunct="1">
+        <a:lnSpc>
+          <a:spcPct val="90000"/>
+        </a:lnSpc>
+        <a:spcBef>
+          <a:spcPts val="500"/>
+        </a:spcBef>
+        <a:buFont typeface="Arial" panose="020B0604020202020204" pitchFamily="34" charset="0"/>
+        <a:buChar char="•"/>
+        <a:defRPr sz="2000" kern="1200">
+          <a:solidFill>
+            <a:schemeClr val="tx1"/>
+          </a:solidFill>
+          <a:latin typeface="+mn-lt"/>
+          <a:ea typeface="+mn-ea"/>
+          <a:cs typeface="+mn-cs"/>
+        </a:defRPr>
+      </a:lvl3pPr>
+      <a:lvl4pPr marL="1600200" indent="-228600" algn="l" defTabSz="914400" rtl="0" eaLnBrk="1" latinLnBrk="0" hangingPunct="1">
+        <a:lnSpc>
+          <a:spcPct val="90000"/>
+        </a:lnSpc>
+        <a:spcBef>
+          <a:spcPts val="500"/>
+        </a:spcBef>
+        <a:buFont typeface="Arial" panose="020B0604020202020204" pitchFamily="34" charset="0"/>
+        <a:buChar char="•"/>
+        <a:defRPr sz="1800" kern="1200">
+          <a:solidFill>
+            <a:schemeClr val="tx1"/>
+          </a:solidFill>
+          <a:latin typeface="+mn-lt"/>
+          <a:ea typeface="+mn-ea"/>
+          <a:cs typeface="+mn-cs"/>
+        </a:defRPr>
+      </a:lvl4pPr>
+      <a:lvl5pPr marL="2057400" indent="-228600" algn="l" defTabSz="914400" rtl="0" eaLnBrk="1" latinLnBrk="0" hangingPunct="1">
+        <a:lnSpc>
+          <a:spcPct val="90000"/>
+        </a:lnSpc>
+        <a:spcBef>
+          <a:spcPts val="500"/>
+        </a:spcBef>
+        <a:buFont typeface="Arial" panose="020B0604020202020204" pitchFamily="34" charset="0"/>
+        <a:buChar char="•"/>
+        <a:defRPr sz="1800" kern="1200">
+          <a:solidFill>
+            <a:schemeClr val="tx1"/>
+          </a:solidFill>
+          <a:latin typeface="+mn-lt"/>
+          <a:ea typeface="+mn-ea"/>
+          <a:cs typeface="+mn-cs"/>
+        </a:defRPr>
+      </a:lvl5pPr>
+      <a:lvl6pPr marL="2514600" indent="-228600" algn="l" defTabSz="914400" rtl="0" eaLnBrk="1" latinLnBrk="0" hangingPunct="1">
+        <a:lnSpc>
+          <a:spcPct val="90000"/>
+        </a:lnSpc>
+        <a:spcBef>
+          <a:spcPts val="500"/>
+        </a:spcBef>
+        <a:buFont typeface="Arial" panose="020B0604020202020204" pitchFamily="34" charset="0"/>
+        <a:buChar char="•"/>
+        <a:defRPr sz="1800" kern="1200">
+          <a:solidFill>
+            <a:schemeClr val="tx1"/>
+          </a:solidFill>
+          <a:latin typeface="+mn-lt"/>
+          <a:ea typeface="+mn-ea"/>
+          <a:cs typeface="+mn-cs"/>
+        </a:defRPr>
+      </a:lvl6pPr>
+      <a:lvl7pPr marL="2971800" indent="-228600" algn="l" defTabSz="914400" rtl="0" eaLnBrk="1" latinLnBrk="0" hangingPunct="1">
+        <a:lnSpc>
+          <a:spcPct val="90000"/>
+        </a:lnSpc>
+        <a:spcBef>
+          <a:spcPts val="500"/>
+        </a:spcBef>
+        <a:buFont typeface="Arial" panose="020B0604020202020204" pitchFamily="34" charset="0"/>
+        <a:buChar char="•"/>
+        <a:defRPr sz="1800" kern="1200">
+          <a:solidFill>
+            <a:schemeClr val="tx1"/>
+          </a:solidFill>
+          <a:latin typeface="+mn-lt"/>
+          <a:ea typeface="+mn-ea"/>
+          <a:cs typeface="+mn-cs"/>
+        </a:defRPr>
+      </a:lvl7pPr>
+      <a:lvl8pPr marL="3429000" indent="-228600" algn="l" defTabSz="914400" rtl="0" eaLnBrk="1" latinLnBrk="0" hangingPunct="1">
+        <a:lnSpc>
+          <a:spcPct val="90000"/>
+        </a:lnSpc>
+        <a:spcBef>
+          <a:spcPts val="500"/>
+        </a:spcBef>
+        <a:buFont typeface="Arial" panose="020B0604020202020204" pitchFamily="34" charset="0"/>
+        <a:buChar char="•"/>
+        <a:defRPr sz="1800" kern="1200">
+          <a:solidFill>
+            <a:schemeClr val="tx1"/>
+          </a:solidFill>
+          <a:latin typeface="+mn-lt"/>
+          <a:ea typeface="+mn-ea"/>
+          <a:cs typeface="+mn-cs"/>
+        </a:defRPr>
+      </a:lvl8pPr>
+      <a:lvl9pPr marL="3886200" indent="-228600" algn="l" defTabSz="914400" rtl="0" eaLnBrk="1" latinLnBrk="0" hangingPunct="1">
+        <a:lnSpc>
+          <a:spcPct val="90000"/>
+        </a:lnSpc>
+        <a:spcBef>
+          <a:spcPts val="500"/>
+        </a:spcBef>
+        <a:buFont typeface="Arial" panose="020B0604020202020204" pitchFamily="34" charset="0"/>
+        <a:buChar char="•"/>
+        <a:defRPr sz="1800" kern="1200">
+          <a:solidFill>
+            <a:schemeClr val="tx1"/>
+          </a:solidFill>
+          <a:latin typeface="+mn-lt"/>
+          <a:ea typeface="+mn-ea"/>
+          <a:cs typeface="+mn-cs"/>
+        </a:defRPr>
+      </a:lvl9pPr>
+    </p:bodyStyle>
+    <p:otherStyle>
+      <a:defPPr>
+        <a:defRPr lang="en-US"/>
+      </a:defPPr>
+      <a:lvl1pPr marL="0" algn="l" defTabSz="914400" rtl="0" eaLnBrk="1" latinLnBrk="0" hangingPunct="1">
+        <a:defRPr sz="1800" kern="1200">
+          <a:solidFill>
+            <a:schemeClr val="tx1"/>
+          </a:solidFill>
+          <a:latin typeface="+mn-lt"/>
+          <a:ea typeface="+mn-ea"/>
+          <a:cs typeface="+mn-cs"/>
+        </a:defRPr>
+      </a:lvl1pPr>
+      <a:lvl2pPr marL="457200" algn="l" defTabSz="914400" rtl="0" eaLnBrk="1" latinLnBrk="0" hangingPunct="1">
+        <a:defRPr sz="1800" kern="1200">
+          <a:solidFill>
+            <a:schemeClr val="tx1"/>
+          </a:solidFill>
+          <a:latin typeface="+mn-lt"/>
+          <a:ea typeface="+mn-ea"/>
+          <a:cs typeface="+mn-cs"/>
+        </a:defRPr>
+      </a:lvl2pPr>
+      <a:lvl3pPr marL="914400" algn="l" defTabSz="914400" rtl="0" eaLnBrk="1" latinLnBrk="0" hangingPunct="1">
+        <a:defRPr sz="1800" kern="1200">
+          <a:solidFill>
+            <a:schemeClr val="tx1"/>
+          </a:solidFill>
+          <a:latin typeface="+mn-lt"/>
+          <a:ea typeface="+mn-ea"/>
+          <a:cs typeface="+mn-cs"/>
+        </a:defRPr>
+      </a:lvl3pPr>
+      <a:lvl4pPr marL="1371600" algn="l" defTabSz="914400" rtl="0" eaLnBrk="1" latinLnBrk="0" hangingPunct="1">
+        <a:defRPr sz="1800" kern="1200">
+          <a:solidFill>
+            <a:schemeClr val="tx1"/>
+          </a:solidFill>
+          <a:latin typeface="+mn-lt"/>
+          <a:ea typeface="+mn-ea"/>
+          <a:cs typeface="+mn-cs"/>
+        </a:defRPr>
+      </a:lvl4pPr>
+      <a:lvl5pPr marL="1828800" algn="l" defTabSz="914400" rtl="0" eaLnBrk="1" latinLnBrk="0" hangingPunct="1">
+        <a:defRPr sz="1800" kern="1200">
+          <a:solidFill>
+            <a:schemeClr val="tx1"/>
+          </a:solidFill>
+          <a:latin typeface="+mn-lt"/>
+          <a:ea typeface="+mn-ea"/>
+          <a:cs typeface="+mn-cs"/>
+        </a:defRPr>
+      </a:lvl5pPr>
+      <a:lvl6pPr marL="2286000" algn="l" defTabSz="914400" rtl="0" eaLnBrk="1" latinLnBrk="0" hangingPunct="1">
+        <a:defRPr sz="1800" kern="1200">
+          <a:solidFill>
+            <a:schemeClr val="tx1"/>
+          </a:solidFill>
+          <a:latin typeface="+mn-lt"/>
+          <a:ea typeface="+mn-ea"/>
+          <a:cs typeface="+mn-cs"/>
+        </a:defRPr>
+      </a:lvl6pPr>
+      <a:lvl7pPr marL="2743200" algn="l" defTabSz="914400" rtl="0" eaLnBrk="1" latinLnBrk="0" hangingPunct="1">
+        <a:defRPr sz="1800" kern="1200">
+          <a:solidFill>
+            <a:schemeClr val="tx1"/>
+          </a:solidFill>
+          <a:latin typeface="+mn-lt"/>
+          <a:ea typeface="+mn-ea"/>
+          <a:cs typeface="+mn-cs"/>
+        </a:defRPr>
+      </a:lvl7pPr>
+      <a:lvl8pPr marL="3200400" algn="l" defTabSz="914400" rtl="0" eaLnBrk="1" latinLnBrk="0" hangingPunct="1">
+        <a:defRPr sz="1800" kern="1200">
+          <a:solidFill>
+            <a:schemeClr val="tx1"/>
+          </a:solidFill>
+          <a:latin typeface="+mn-lt"/>
+          <a:ea typeface="+mn-ea"/>
+          <a:cs typeface="+mn-cs"/>
+        </a:defRPr>
+      </a:lvl8pPr>
+      <a:lvl9pPr marL="3657600" algn="l" defTabSz="914400" rtl="0" eaLnBrk="1" latinLnBrk="0" hangingPunct="1">
+        <a:defRPr sz="1800" kern="1200">
+          <a:solidFill>
+            <a:schemeClr val="tx1"/>
+          </a:solidFill>
+          <a:latin typeface="+mn-lt"/>
+          <a:ea typeface="+mn-ea"/>
+          <a:cs typeface="+mn-cs"/>
+        </a:defRPr>
+      </a:lvl9pPr>
+    </p:otherStyle>
+  </p:txStyles>
 </p:sldMaster>
 </file>
 
 <file path=ppt/slides/slide1.xml><?xml version="1.0" encoding="utf-8"?>
-<p:sld xmlns:a="http://schemas.openxmlformats.org/drawingml/2006/main" xmlns:p="http://schemas.openxmlformats.org/presentationml/2006/main" xmlns:r="http://schemas.openxmlformats.org/officeDocument/2006/relationships" xmlns:p14="http://schemas.microsoft.com/office/powerpoint/2010/main" xmlns:p15="http://schemas.microsoft.com/office/powerpoint/2012/main" xmlns:mc="http://schemas.openxmlformats.org/markup-compatibility/2006">
+<p:sld xmlns:a="http://schemas.openxmlformats.org/drawingml/2006/main" xmlns:r="http://schemas.openxmlformats.org/officeDocument/2006/relationships" xmlns:p="http://schemas.openxmlformats.org/presentationml/2006/main">
   <p:cSld>
     <p:spTree>
       <p:nvGrpSpPr>
@@ -3711,9 +4343,15 @@
           </a:ln>
         </p:spPr>
         <p:style>
-          <a:lnRef idx="0"/>
-          <a:fillRef idx="0"/>
-          <a:effectRef idx="0"/>
+          <a:lnRef idx="0">
+            <a:scrgbClr r="0" g="0" b="0"/>
+          </a:lnRef>
+          <a:fillRef idx="0">
+            <a:scrgbClr r="0" g="0" b="0"/>
+          </a:fillRef>
+          <a:effectRef idx="0">
+            <a:scrgbClr r="0" g="0" b="0"/>
+          </a:effectRef>
           <a:fontRef idx="minor"/>
         </p:style>
       </p:sp>
@@ -3737,13 +4375,20 @@
           </a:ln>
         </p:spPr>
         <p:style>
-          <a:lnRef idx="0"/>
-          <a:fillRef idx="0"/>
-          <a:effectRef idx="0"/>
+          <a:lnRef idx="0">
+            <a:scrgbClr r="0" g="0" b="0"/>
+          </a:lnRef>
+          <a:fillRef idx="0">
+            <a:scrgbClr r="0" g="0" b="0"/>
+          </a:fillRef>
+          <a:effectRef idx="0">
+            <a:scrgbClr r="0" g="0" b="0"/>
+          </a:effectRef>
           <a:fontRef idx="minor"/>
         </p:style>
         <p:txBody>
-          <a:bodyPr lIns="90000" rIns="90000" tIns="91440" bIns="91440" anchor="b"/>
+          <a:bodyPr lIns="90000" tIns="91440" rIns="90000" bIns="91440" anchor="b"/>
+          <a:lstStyle/>
           <a:p>
             <a:pPr algn="ctr">
               <a:lnSpc>
@@ -3751,27 +4396,42 @@
               </a:lnSpc>
             </a:pPr>
             <a:r>
-              <a:rPr b="1" lang="en-US" sz="3000" spc="-1" strike="noStrike">
-                <a:solidFill>
-                  <a:srgbClr val="0070c0"/>
+              <a:rPr lang="en-US" sz="3000" b="1" strike="noStrike" spc="-1" dirty="0" err="1">
+                <a:solidFill>
+                  <a:srgbClr val="0070C0"/>
                 </a:solidFill>
                 <a:uFill>
                   <a:solidFill>
-                    <a:srgbClr val="ffffff"/>
+                    <a:srgbClr val="FFFFFF"/>
                   </a:solidFill>
                 </a:uFill>
                 <a:latin typeface="Calibri"/>
                 <a:ea typeface="DejaVu Sans"/>
               </a:rPr>
-              <a:t>Git для пользователей SVN</a:t>
+              <a:t>Git</a:t>
             </a:r>
-            <a:endParaRPr b="0" lang="en-US" sz="1800" spc="-1" strike="noStrike">
-              <a:solidFill>
-                <a:srgbClr val="000000"/>
-              </a:solidFill>
-              <a:uFill>
-                <a:solidFill>
-                  <a:srgbClr val="ffffff"/>
+            <a:r>
+              <a:rPr lang="en-US" sz="3000" b="1" strike="noStrike" spc="-1">
+                <a:solidFill>
+                  <a:srgbClr val="0070C0"/>
+                </a:solidFill>
+                <a:uFill>
+                  <a:solidFill>
+                    <a:srgbClr val="FFFFFF"/>
+                  </a:solidFill>
+                </a:uFill>
+                <a:latin typeface="Calibri"/>
+                <a:ea typeface="DejaVu Sans"/>
+              </a:rPr>
+              <a:t> для пользователей SVN</a:t>
+            </a:r>
+            <a:endParaRPr lang="en-US" sz="1800" b="0" strike="noStrike" spc="-1">
+              <a:solidFill>
+                <a:srgbClr val="000000"/>
+              </a:solidFill>
+              <a:uFill>
+                <a:solidFill>
+                  <a:srgbClr val="FFFFFF"/>
                 </a:solidFill>
               </a:uFill>
               <a:latin typeface="Arial"/>
@@ -3799,13 +4459,20 @@
           </a:ln>
         </p:spPr>
         <p:style>
-          <a:lnRef idx="0"/>
-          <a:fillRef idx="0"/>
-          <a:effectRef idx="0"/>
+          <a:lnRef idx="0">
+            <a:scrgbClr r="0" g="0" b="0"/>
+          </a:lnRef>
+          <a:fillRef idx="0">
+            <a:scrgbClr r="0" g="0" b="0"/>
+          </a:fillRef>
+          <a:effectRef idx="0">
+            <a:scrgbClr r="0" g="0" b="0"/>
+          </a:effectRef>
           <a:fontRef idx="minor"/>
         </p:style>
         <p:txBody>
-          <a:bodyPr lIns="90000" rIns="90000" tIns="91440" bIns="91440"/>
+          <a:bodyPr lIns="90000" tIns="91440" rIns="90000" bIns="91440"/>
+          <a:lstStyle/>
           <a:p>
             <a:pPr algn="ctr">
               <a:lnSpc>
@@ -3813,13 +4480,13 @@
               </a:lnSpc>
             </a:pPr>
             <a:r>
-              <a:rPr b="1" lang="en-US" sz="2000" spc="-1" strike="noStrike">
+              <a:rPr lang="en-US" sz="2000" b="1" strike="noStrike" spc="-1">
                 <a:solidFill>
                   <a:srgbClr val="000000"/>
                 </a:solidFill>
                 <a:uFill>
                   <a:solidFill>
-                    <a:srgbClr val="ffffff"/>
+                    <a:srgbClr val="FFFFFF"/>
                   </a:solidFill>
                 </a:uFill>
                 <a:latin typeface="Calibri"/>
@@ -3827,13 +4494,13 @@
               </a:rPr>
               <a:t>Панков А. В.</a:t>
             </a:r>
-            <a:endParaRPr b="0" lang="en-US" sz="1800" spc="-1" strike="noStrike">
-              <a:solidFill>
-                <a:srgbClr val="000000"/>
-              </a:solidFill>
-              <a:uFill>
-                <a:solidFill>
-                  <a:srgbClr val="ffffff"/>
+            <a:endParaRPr lang="en-US" sz="1800" b="0" strike="noStrike" spc="-1">
+              <a:solidFill>
+                <a:srgbClr val="000000"/>
+              </a:solidFill>
+              <a:uFill>
+                <a:solidFill>
+                  <a:srgbClr val="FFFFFF"/>
                 </a:solidFill>
               </a:uFill>
               <a:latin typeface="Arial"/>
@@ -3843,6 +4510,9 @@
       </p:sp>
     </p:spTree>
   </p:cSld>
+  <p:clrMapOvr>
+    <a:masterClrMapping/>
+  </p:clrMapOvr>
   <p:timing>
     <p:tnLst>
       <p:par>
@@ -3851,14 +4521,14 @@
             <p:seq>
               <p:cTn id="2" nodeType="mainSeq"/>
               <p:prevCondLst>
-                <p:cond delay="0" evt="onPrev">
+                <p:cond evt="onPrev" delay="0">
                   <p:tgtEl>
                     <p:sldTgt/>
                   </p:tgtEl>
                 </p:cond>
               </p:prevCondLst>
               <p:nextCondLst>
-                <p:cond delay="0" evt="onNext">
+                <p:cond evt="onNext" delay="0">
                   <p:tgtEl>
                     <p:sldTgt/>
                   </p:tgtEl>
@@ -3874,7 +4544,7 @@
 </file>
 
 <file path=ppt/slides/slide10.xml><?xml version="1.0" encoding="utf-8"?>
-<p:sld xmlns:a="http://schemas.openxmlformats.org/drawingml/2006/main" xmlns:p="http://schemas.openxmlformats.org/presentationml/2006/main" xmlns:r="http://schemas.openxmlformats.org/officeDocument/2006/relationships" xmlns:p14="http://schemas.microsoft.com/office/powerpoint/2010/main" xmlns:p15="http://schemas.microsoft.com/office/powerpoint/2012/main" xmlns:mc="http://schemas.openxmlformats.org/markup-compatibility/2006">
+<p:sld xmlns:a="http://schemas.openxmlformats.org/drawingml/2006/main" xmlns:r="http://schemas.openxmlformats.org/officeDocument/2006/relationships" xmlns:p="http://schemas.openxmlformats.org/presentationml/2006/main">
   <p:cSld>
     <p:spTree>
       <p:nvGrpSpPr>
@@ -3910,9 +4580,15 @@
           </a:ln>
         </p:spPr>
         <p:style>
-          <a:lnRef idx="0"/>
-          <a:fillRef idx="0"/>
-          <a:effectRef idx="0"/>
+          <a:lnRef idx="0">
+            <a:scrgbClr r="0" g="0" b="0"/>
+          </a:lnRef>
+          <a:fillRef idx="0">
+            <a:scrgbClr r="0" g="0" b="0"/>
+          </a:fillRef>
+          <a:effectRef idx="0">
+            <a:scrgbClr r="0" g="0" b="0"/>
+          </a:effectRef>
           <a:fontRef idx="minor"/>
         </p:style>
       </p:sp>
@@ -3936,13 +4612,20 @@
           </a:ln>
         </p:spPr>
         <p:style>
-          <a:lnRef idx="0"/>
-          <a:fillRef idx="0"/>
-          <a:effectRef idx="0"/>
+          <a:lnRef idx="0">
+            <a:scrgbClr r="0" g="0" b="0"/>
+          </a:lnRef>
+          <a:fillRef idx="0">
+            <a:scrgbClr r="0" g="0" b="0"/>
+          </a:fillRef>
+          <a:effectRef idx="0">
+            <a:scrgbClr r="0" g="0" b="0"/>
+          </a:effectRef>
           <a:fontRef idx="minor"/>
         </p:style>
         <p:txBody>
-          <a:bodyPr lIns="90000" rIns="90000" tIns="45000" bIns="45000" anchor="ctr"/>
+          <a:bodyPr lIns="90000" tIns="45000" rIns="90000" bIns="45000" anchor="ctr"/>
+          <a:lstStyle/>
           <a:p>
             <a:pPr algn="r">
               <a:lnSpc>
@@ -3950,27 +4633,27 @@
               </a:lnSpc>
             </a:pPr>
             <a:fld id="{FB71A4B2-A7FE-445F-BFFC-2E06B13DF59F}" type="slidenum">
-              <a:rPr b="0" lang="en-US" sz="1100" spc="-1" strike="noStrike">
-                <a:solidFill>
-                  <a:srgbClr val="ffffff"/>
+              <a:rPr lang="en-US" sz="1100" b="0" strike="noStrike" spc="-1">
+                <a:solidFill>
+                  <a:srgbClr val="FFFFFF"/>
                 </a:solidFill>
                 <a:uFill>
                   <a:solidFill>
-                    <a:srgbClr val="ffffff"/>
+                    <a:srgbClr val="FFFFFF"/>
                   </a:solidFill>
                 </a:uFill>
                 <a:latin typeface="Calibri"/>
                 <a:ea typeface="DejaVu Sans"/>
               </a:rPr>
-              <a:t>&lt;number&gt;</a:t>
+              <a:t>10</a:t>
             </a:fld>
-            <a:endParaRPr b="0" lang="en-US" sz="1800" spc="-1" strike="noStrike">
-              <a:solidFill>
-                <a:srgbClr val="000000"/>
-              </a:solidFill>
-              <a:uFill>
-                <a:solidFill>
-                  <a:srgbClr val="ffffff"/>
+            <a:endParaRPr lang="en-US" sz="1800" b="0" strike="noStrike" spc="-1">
+              <a:solidFill>
+                <a:srgbClr val="000000"/>
+              </a:solidFill>
+              <a:uFill>
+                <a:solidFill>
+                  <a:srgbClr val="FFFFFF"/>
                 </a:solidFill>
               </a:uFill>
               <a:latin typeface="Arial"/>
@@ -3998,13 +4681,20 @@
           </a:ln>
         </p:spPr>
         <p:style>
-          <a:lnRef idx="0"/>
-          <a:fillRef idx="0"/>
-          <a:effectRef idx="0"/>
+          <a:lnRef idx="0">
+            <a:scrgbClr r="0" g="0" b="0"/>
+          </a:lnRef>
+          <a:fillRef idx="0">
+            <a:scrgbClr r="0" g="0" b="0"/>
+          </a:fillRef>
+          <a:effectRef idx="0">
+            <a:scrgbClr r="0" g="0" b="0"/>
+          </a:effectRef>
           <a:fontRef idx="minor"/>
         </p:style>
         <p:txBody>
-          <a:bodyPr lIns="90000" rIns="90000" tIns="91440" bIns="91440"/>
+          <a:bodyPr lIns="90000" tIns="91440" rIns="90000" bIns="91440"/>
+          <a:lstStyle/>
           <a:p>
             <a:pPr algn="r">
               <a:lnSpc>
@@ -4012,13 +4702,13 @@
               </a:lnSpc>
             </a:pPr>
             <a:r>
-              <a:rPr b="1" lang="en-US" sz="2000" spc="-1" strike="noStrike">
-                <a:solidFill>
-                  <a:srgbClr val="0070c0"/>
+              <a:rPr lang="en-US" sz="2000" b="1" strike="noStrike" spc="-1">
+                <a:solidFill>
+                  <a:srgbClr val="0070C0"/>
                 </a:solidFill>
                 <a:uFill>
                   <a:solidFill>
-                    <a:srgbClr val="ffffff"/>
+                    <a:srgbClr val="FFFFFF"/>
                   </a:solidFill>
                 </a:uFill>
                 <a:latin typeface="Calibri"/>
@@ -4026,13 +4716,13 @@
               </a:rPr>
               <a:t>Detached HEAD</a:t>
             </a:r>
-            <a:endParaRPr b="0" lang="en-US" sz="1800" spc="-1" strike="noStrike">
-              <a:solidFill>
-                <a:srgbClr val="000000"/>
-              </a:solidFill>
-              <a:uFill>
-                <a:solidFill>
-                  <a:srgbClr val="ffffff"/>
+            <a:endParaRPr lang="en-US" sz="1800" b="0" strike="noStrike" spc="-1">
+              <a:solidFill>
+                <a:srgbClr val="000000"/>
+              </a:solidFill>
+              <a:uFill>
+                <a:solidFill>
+                  <a:srgbClr val="FFFFFF"/>
                 </a:solidFill>
               </a:uFill>
               <a:latin typeface="Arial"/>
@@ -4042,30 +4732,7 @@
       </p:sp>
       <p:pic>
         <p:nvPicPr>
-          <p:cNvPr id="116" name="" descr=""/>
-          <p:cNvPicPr/>
-          <p:nvPr/>
-        </p:nvPicPr>
-        <p:blipFill>
-          <a:blip r:embed="rId1"/>
-          <a:stretch/>
-        </p:blipFill>
-        <p:spPr>
-          <a:xfrm>
-            <a:off x="144000" y="1656000"/>
-            <a:ext cx="4257720" cy="2219040"/>
-          </a:xfrm>
-          <a:prstGeom prst="rect">
-            <a:avLst/>
-          </a:prstGeom>
-          <a:ln>
-            <a:noFill/>
-          </a:ln>
-        </p:spPr>
-      </p:pic>
-      <p:pic>
-        <p:nvPicPr>
-          <p:cNvPr id="117" name="" descr=""/>
+          <p:cNvPr id="116" name="Picture 115"/>
           <p:cNvPicPr/>
           <p:nvPr/>
         </p:nvPicPr>
@@ -4075,8 +4742,8 @@
         </p:blipFill>
         <p:spPr>
           <a:xfrm>
-            <a:off x="400320" y="4104000"/>
-            <a:ext cx="5143680" cy="2180880"/>
+            <a:off x="144000" y="1656000"/>
+            <a:ext cx="4257720" cy="2219040"/>
           </a:xfrm>
           <a:prstGeom prst="rect">
             <a:avLst/>
@@ -4086,59 +4753,9 @@
           </a:ln>
         </p:spPr>
       </p:pic>
-      <p:sp>
-        <p:nvSpPr>
-          <p:cNvPr id="118" name="TextShape 4"/>
-          <p:cNvSpPr txBox="1"/>
-          <p:nvPr/>
-        </p:nvSpPr>
-        <p:spPr>
-          <a:xfrm>
-            <a:off x="288000" y="1263960"/>
-            <a:ext cx="8385840" cy="346320"/>
-          </a:xfrm>
-          <a:prstGeom prst="rect">
-            <a:avLst/>
-          </a:prstGeom>
-          <a:noFill/>
-          <a:ln>
-            <a:noFill/>
-          </a:ln>
-        </p:spPr>
-        <p:txBody>
-          <a:bodyPr lIns="90000" rIns="90000" tIns="45000" bIns="45000"/>
-          <a:p>
-            <a:r>
-              <a:rPr b="0" lang="en-US" sz="1800" spc="-1" strike="noStrike">
-                <a:solidFill>
-                  <a:srgbClr val="000000"/>
-                </a:solidFill>
-                <a:uFill>
-                  <a:solidFill>
-                    <a:srgbClr val="ffffff"/>
-                  </a:solidFill>
-                </a:uFill>
-                <a:latin typeface="Arial"/>
-              </a:rPr>
-              <a:t>Коммитить из состояния Detached HEAD опастно. Коммит может затеряться.</a:t>
-            </a:r>
-            <a:endParaRPr b="0" lang="en-US" sz="1800" spc="-1" strike="noStrike">
-              <a:solidFill>
-                <a:srgbClr val="000000"/>
-              </a:solidFill>
-              <a:uFill>
-                <a:solidFill>
-                  <a:srgbClr val="ffffff"/>
-                </a:solidFill>
-              </a:uFill>
-              <a:latin typeface="Arial"/>
-            </a:endParaRPr>
-          </a:p>
-        </p:txBody>
-      </p:sp>
       <p:pic>
         <p:nvPicPr>
-          <p:cNvPr id="119" name="" descr=""/>
+          <p:cNvPr id="117" name="Picture 116"/>
           <p:cNvPicPr/>
           <p:nvPr/>
         </p:nvPicPr>
@@ -4148,8 +4765,8 @@
         </p:blipFill>
         <p:spPr>
           <a:xfrm>
-            <a:off x="5787720" y="4896000"/>
-            <a:ext cx="4076280" cy="1104480"/>
+            <a:off x="400320" y="4104000"/>
+            <a:ext cx="5143680" cy="2180880"/>
           </a:xfrm>
           <a:prstGeom prst="rect">
             <a:avLst/>
@@ -4159,9 +4776,49 @@
           </a:ln>
         </p:spPr>
       </p:pic>
+      <p:sp>
+        <p:nvSpPr>
+          <p:cNvPr id="118" name="TextShape 4"/>
+          <p:cNvSpPr txBox="1"/>
+          <p:nvPr/>
+        </p:nvSpPr>
+        <p:spPr>
+          <a:xfrm>
+            <a:off x="288000" y="1263960"/>
+            <a:ext cx="8385840" cy="346320"/>
+          </a:xfrm>
+          <a:prstGeom prst="rect">
+            <a:avLst/>
+          </a:prstGeom>
+          <a:noFill/>
+          <a:ln>
+            <a:noFill/>
+          </a:ln>
+        </p:spPr>
+        <p:txBody>
+          <a:bodyPr lIns="90000" tIns="45000" rIns="90000" bIns="45000"/>
+          <a:lstStyle/>
+          <a:p>
+            <a:r>
+              <a:rPr lang="en-US" sz="1800" b="0" strike="noStrike" spc="-1">
+                <a:solidFill>
+                  <a:srgbClr val="000000"/>
+                </a:solidFill>
+                <a:uFill>
+                  <a:solidFill>
+                    <a:srgbClr val="FFFFFF"/>
+                  </a:solidFill>
+                </a:uFill>
+                <a:latin typeface="Arial"/>
+              </a:rPr>
+              <a:t>Коммитить из состояния Detached HEAD опастно. Коммит может затеряться.</a:t>
+            </a:r>
+          </a:p>
+        </p:txBody>
+      </p:sp>
       <p:pic>
         <p:nvPicPr>
-          <p:cNvPr id="120" name="" descr=""/>
+          <p:cNvPr id="119" name="Picture 118"/>
           <p:cNvPicPr/>
           <p:nvPr/>
         </p:nvPicPr>
@@ -4171,8 +4828,8 @@
         </p:blipFill>
         <p:spPr>
           <a:xfrm>
-            <a:off x="4312800" y="2168280"/>
-            <a:ext cx="4543200" cy="999720"/>
+            <a:off x="5787720" y="4896000"/>
+            <a:ext cx="4076280" cy="1104480"/>
           </a:xfrm>
           <a:prstGeom prst="rect">
             <a:avLst/>
@@ -4182,24 +4839,50 @@
           </a:ln>
         </p:spPr>
       </p:pic>
+      <p:pic>
+        <p:nvPicPr>
+          <p:cNvPr id="120" name="Picture 119"/>
+          <p:cNvPicPr/>
+          <p:nvPr/>
+        </p:nvPicPr>
+        <p:blipFill>
+          <a:blip r:embed="rId5"/>
+          <a:stretch/>
+        </p:blipFill>
+        <p:spPr>
+          <a:xfrm>
+            <a:off x="4312800" y="2168280"/>
+            <a:ext cx="4543200" cy="999720"/>
+          </a:xfrm>
+          <a:prstGeom prst="rect">
+            <a:avLst/>
+          </a:prstGeom>
+          <a:ln>
+            <a:noFill/>
+          </a:ln>
+        </p:spPr>
+      </p:pic>
     </p:spTree>
   </p:cSld>
+  <p:clrMapOvr>
+    <a:masterClrMapping/>
+  </p:clrMapOvr>
   <p:timing>
     <p:tnLst>
       <p:par>
-        <p:cTn id="19" dur="indefinite" restart="never" nodeType="tmRoot">
+        <p:cTn id="1" dur="indefinite" restart="never" nodeType="tmRoot">
           <p:childTnLst>
             <p:seq>
-              <p:cTn id="20" nodeType="mainSeq"/>
+              <p:cTn id="2" nodeType="mainSeq"/>
               <p:prevCondLst>
-                <p:cond delay="0" evt="onPrev">
+                <p:cond evt="onPrev" delay="0">
                   <p:tgtEl>
                     <p:sldTgt/>
                   </p:tgtEl>
                 </p:cond>
               </p:prevCondLst>
               <p:nextCondLst>
-                <p:cond delay="0" evt="onNext">
+                <p:cond evt="onNext" delay="0">
                   <p:tgtEl>
                     <p:sldTgt/>
                   </p:tgtEl>
@@ -4215,7 +4898,7 @@
 </file>
 
 <file path=ppt/slides/slide11.xml><?xml version="1.0" encoding="utf-8"?>
-<p:sld xmlns:a="http://schemas.openxmlformats.org/drawingml/2006/main" xmlns:p="http://schemas.openxmlformats.org/presentationml/2006/main" xmlns:r="http://schemas.openxmlformats.org/officeDocument/2006/relationships" xmlns:p14="http://schemas.microsoft.com/office/powerpoint/2010/main" xmlns:p15="http://schemas.microsoft.com/office/powerpoint/2012/main" xmlns:mc="http://schemas.openxmlformats.org/markup-compatibility/2006">
+<p:sld xmlns:a="http://schemas.openxmlformats.org/drawingml/2006/main" xmlns:r="http://schemas.openxmlformats.org/officeDocument/2006/relationships" xmlns:p="http://schemas.openxmlformats.org/presentationml/2006/main">
   <p:cSld>
     <p:spTree>
       <p:nvGrpSpPr>
@@ -4251,9 +4934,15 @@
           </a:ln>
         </p:spPr>
         <p:style>
-          <a:lnRef idx="0"/>
-          <a:fillRef idx="0"/>
-          <a:effectRef idx="0"/>
+          <a:lnRef idx="0">
+            <a:scrgbClr r="0" g="0" b="0"/>
+          </a:lnRef>
+          <a:fillRef idx="0">
+            <a:scrgbClr r="0" g="0" b="0"/>
+          </a:fillRef>
+          <a:effectRef idx="0">
+            <a:scrgbClr r="0" g="0" b="0"/>
+          </a:effectRef>
           <a:fontRef idx="minor"/>
         </p:style>
       </p:sp>
@@ -4277,13 +4966,20 @@
           </a:ln>
         </p:spPr>
         <p:style>
-          <a:lnRef idx="0"/>
-          <a:fillRef idx="0"/>
-          <a:effectRef idx="0"/>
+          <a:lnRef idx="0">
+            <a:scrgbClr r="0" g="0" b="0"/>
+          </a:lnRef>
+          <a:fillRef idx="0">
+            <a:scrgbClr r="0" g="0" b="0"/>
+          </a:fillRef>
+          <a:effectRef idx="0">
+            <a:scrgbClr r="0" g="0" b="0"/>
+          </a:effectRef>
           <a:fontRef idx="minor"/>
         </p:style>
         <p:txBody>
-          <a:bodyPr lIns="90000" rIns="90000" tIns="45000" bIns="45000" anchor="ctr"/>
+          <a:bodyPr lIns="90000" tIns="45000" rIns="90000" bIns="45000" anchor="ctr"/>
+          <a:lstStyle/>
           <a:p>
             <a:pPr algn="r">
               <a:lnSpc>
@@ -4291,27 +4987,27 @@
               </a:lnSpc>
             </a:pPr>
             <a:fld id="{75323BCD-92E2-4C2F-A1B0-8685F116BE17}" type="slidenum">
-              <a:rPr b="0" lang="en-US" sz="1100" spc="-1" strike="noStrike">
-                <a:solidFill>
-                  <a:srgbClr val="ffffff"/>
+              <a:rPr lang="en-US" sz="1100" b="0" strike="noStrike" spc="-1">
+                <a:solidFill>
+                  <a:srgbClr val="FFFFFF"/>
                 </a:solidFill>
                 <a:uFill>
                   <a:solidFill>
-                    <a:srgbClr val="ffffff"/>
+                    <a:srgbClr val="FFFFFF"/>
                   </a:solidFill>
                 </a:uFill>
                 <a:latin typeface="Calibri"/>
                 <a:ea typeface="DejaVu Sans"/>
               </a:rPr>
-              <a:t>&lt;number&gt;</a:t>
+              <a:t>11</a:t>
             </a:fld>
-            <a:endParaRPr b="0" lang="en-US" sz="1800" spc="-1" strike="noStrike">
-              <a:solidFill>
-                <a:srgbClr val="000000"/>
-              </a:solidFill>
-              <a:uFill>
-                <a:solidFill>
-                  <a:srgbClr val="ffffff"/>
+            <a:endParaRPr lang="en-US" sz="1800" b="0" strike="noStrike" spc="-1">
+              <a:solidFill>
+                <a:srgbClr val="000000"/>
+              </a:solidFill>
+              <a:uFill>
+                <a:solidFill>
+                  <a:srgbClr val="FFFFFF"/>
                 </a:solidFill>
               </a:uFill>
               <a:latin typeface="Arial"/>
@@ -4339,13 +5035,20 @@
           </a:ln>
         </p:spPr>
         <p:style>
-          <a:lnRef idx="0"/>
-          <a:fillRef idx="0"/>
-          <a:effectRef idx="0"/>
+          <a:lnRef idx="0">
+            <a:scrgbClr r="0" g="0" b="0"/>
+          </a:lnRef>
+          <a:fillRef idx="0">
+            <a:scrgbClr r="0" g="0" b="0"/>
+          </a:fillRef>
+          <a:effectRef idx="0">
+            <a:scrgbClr r="0" g="0" b="0"/>
+          </a:effectRef>
           <a:fontRef idx="minor"/>
         </p:style>
         <p:txBody>
-          <a:bodyPr lIns="90000" rIns="90000" tIns="91440" bIns="91440"/>
+          <a:bodyPr lIns="90000" tIns="91440" rIns="90000" bIns="91440"/>
+          <a:lstStyle/>
           <a:p>
             <a:pPr algn="r">
               <a:lnSpc>
@@ -4353,13 +5056,13 @@
               </a:lnSpc>
             </a:pPr>
             <a:r>
-              <a:rPr b="1" lang="en-US" sz="2000" spc="-1" strike="noStrike">
-                <a:solidFill>
-                  <a:srgbClr val="0070c0"/>
+              <a:rPr lang="en-US" sz="2000" b="1" strike="noStrike" spc="-1">
+                <a:solidFill>
+                  <a:srgbClr val="0070C0"/>
                 </a:solidFill>
                 <a:uFill>
                   <a:solidFill>
-                    <a:srgbClr val="ffffff"/>
+                    <a:srgbClr val="FFFFFF"/>
                   </a:solidFill>
                 </a:uFill>
                 <a:latin typeface="Calibri"/>
@@ -4367,13 +5070,13 @@
               </a:rPr>
               <a:t>Detached HEAD</a:t>
             </a:r>
-            <a:endParaRPr b="0" lang="en-US" sz="1800" spc="-1" strike="noStrike">
-              <a:solidFill>
-                <a:srgbClr val="000000"/>
-              </a:solidFill>
-              <a:uFill>
-                <a:solidFill>
-                  <a:srgbClr val="ffffff"/>
+            <a:endParaRPr lang="en-US" sz="1800" b="0" strike="noStrike" spc="-1">
+              <a:solidFill>
+                <a:srgbClr val="000000"/>
+              </a:solidFill>
+              <a:uFill>
+                <a:solidFill>
+                  <a:srgbClr val="FFFFFF"/>
                 </a:solidFill>
               </a:uFill>
               <a:latin typeface="Arial"/>
@@ -4383,30 +5086,7 @@
       </p:sp>
       <p:pic>
         <p:nvPicPr>
-          <p:cNvPr id="124" name="" descr=""/>
-          <p:cNvPicPr/>
-          <p:nvPr/>
-        </p:nvPicPr>
-        <p:blipFill>
-          <a:blip r:embed="rId1"/>
-          <a:stretch/>
-        </p:blipFill>
-        <p:spPr>
-          <a:xfrm>
-            <a:off x="4080600" y="2592000"/>
-            <a:ext cx="5063400" cy="4032000"/>
-          </a:xfrm>
-          <a:prstGeom prst="rect">
-            <a:avLst/>
-          </a:prstGeom>
-          <a:ln>
-            <a:noFill/>
-          </a:ln>
-        </p:spPr>
-      </p:pic>
-      <p:pic>
-        <p:nvPicPr>
-          <p:cNvPr id="125" name="" descr=""/>
+          <p:cNvPr id="124" name="Picture 123"/>
           <p:cNvPicPr/>
           <p:nvPr/>
         </p:nvPicPr>
@@ -4416,6 +5096,29 @@
         </p:blipFill>
         <p:spPr>
           <a:xfrm>
+            <a:off x="4080600" y="2592000"/>
+            <a:ext cx="5063400" cy="4032000"/>
+          </a:xfrm>
+          <a:prstGeom prst="rect">
+            <a:avLst/>
+          </a:prstGeom>
+          <a:ln>
+            <a:noFill/>
+          </a:ln>
+        </p:spPr>
+      </p:pic>
+      <p:pic>
+        <p:nvPicPr>
+          <p:cNvPr id="125" name="Picture 124"/>
+          <p:cNvPicPr/>
+          <p:nvPr/>
+        </p:nvPicPr>
+        <p:blipFill>
+          <a:blip r:embed="rId3"/>
+          <a:stretch/>
+        </p:blipFill>
+        <p:spPr>
+          <a:xfrm>
             <a:off x="144000" y="2880000"/>
             <a:ext cx="4123800" cy="1628280"/>
           </a:xfrm>
@@ -4447,54 +5150,47 @@
           </a:ln>
         </p:spPr>
         <p:txBody>
-          <a:bodyPr lIns="90000" rIns="90000" tIns="45000" bIns="45000"/>
+          <a:bodyPr lIns="90000" tIns="45000" rIns="90000" bIns="45000"/>
+          <a:lstStyle/>
           <a:p>
             <a:r>
-              <a:rPr b="0" lang="en-US" sz="1800" spc="-1" strike="noStrike">
+              <a:rPr lang="en-US" sz="1800" b="0" strike="noStrike" spc="-1">
                 <a:solidFill>
                   <a:srgbClr val="000000"/>
                 </a:solidFill>
                 <a:uFill>
                   <a:solidFill>
-                    <a:srgbClr val="ffffff"/>
+                    <a:srgbClr val="FFFFFF"/>
                   </a:solidFill>
                 </a:uFill>
                 <a:latin typeface="Arial"/>
               </a:rPr>
               <a:t>Читаем что говорит Git. Это может предупредить об ошибках.</a:t>
             </a:r>
-            <a:endParaRPr b="0" lang="en-US" sz="1800" spc="-1" strike="noStrike">
-              <a:solidFill>
-                <a:srgbClr val="000000"/>
-              </a:solidFill>
-              <a:uFill>
-                <a:solidFill>
-                  <a:srgbClr val="ffffff"/>
-                </a:solidFill>
-              </a:uFill>
-              <a:latin typeface="Arial"/>
-            </a:endParaRPr>
           </a:p>
         </p:txBody>
       </p:sp>
     </p:spTree>
   </p:cSld>
+  <p:clrMapOvr>
+    <a:masterClrMapping/>
+  </p:clrMapOvr>
   <p:timing>
     <p:tnLst>
       <p:par>
-        <p:cTn id="21" dur="indefinite" restart="never" nodeType="tmRoot">
+        <p:cTn id="1" dur="indefinite" restart="never" nodeType="tmRoot">
           <p:childTnLst>
             <p:seq>
-              <p:cTn id="22" nodeType="mainSeq"/>
+              <p:cTn id="2" nodeType="mainSeq"/>
               <p:prevCondLst>
-                <p:cond delay="0" evt="onPrev">
+                <p:cond evt="onPrev" delay="0">
                   <p:tgtEl>
                     <p:sldTgt/>
                   </p:tgtEl>
                 </p:cond>
               </p:prevCondLst>
               <p:nextCondLst>
-                <p:cond delay="0" evt="onNext">
+                <p:cond evt="onNext" delay="0">
                   <p:tgtEl>
                     <p:sldTgt/>
                   </p:tgtEl>
@@ -4510,7 +5206,7 @@
 </file>
 
 <file path=ppt/slides/slide12.xml><?xml version="1.0" encoding="utf-8"?>
-<p:sld xmlns:a="http://schemas.openxmlformats.org/drawingml/2006/main" xmlns:p="http://schemas.openxmlformats.org/presentationml/2006/main" xmlns:r="http://schemas.openxmlformats.org/officeDocument/2006/relationships" xmlns:p14="http://schemas.microsoft.com/office/powerpoint/2010/main" xmlns:p15="http://schemas.microsoft.com/office/powerpoint/2012/main" xmlns:mc="http://schemas.openxmlformats.org/markup-compatibility/2006">
+<p:sld xmlns:a="http://schemas.openxmlformats.org/drawingml/2006/main" xmlns:r="http://schemas.openxmlformats.org/officeDocument/2006/relationships" xmlns:p="http://schemas.openxmlformats.org/presentationml/2006/main">
   <p:cSld>
     <p:spTree>
       <p:nvGrpSpPr>
@@ -4546,9 +5242,15 @@
           </a:ln>
         </p:spPr>
         <p:style>
-          <a:lnRef idx="0"/>
-          <a:fillRef idx="0"/>
-          <a:effectRef idx="0"/>
+          <a:lnRef idx="0">
+            <a:scrgbClr r="0" g="0" b="0"/>
+          </a:lnRef>
+          <a:fillRef idx="0">
+            <a:scrgbClr r="0" g="0" b="0"/>
+          </a:fillRef>
+          <a:effectRef idx="0">
+            <a:scrgbClr r="0" g="0" b="0"/>
+          </a:effectRef>
           <a:fontRef idx="minor"/>
         </p:style>
       </p:sp>
@@ -4572,9 +5274,15 @@
           </a:ln>
         </p:spPr>
         <p:style>
-          <a:lnRef idx="0"/>
-          <a:fillRef idx="0"/>
-          <a:effectRef idx="0"/>
+          <a:lnRef idx="0">
+            <a:scrgbClr r="0" g="0" b="0"/>
+          </a:lnRef>
+          <a:fillRef idx="0">
+            <a:scrgbClr r="0" g="0" b="0"/>
+          </a:fillRef>
+          <a:effectRef idx="0">
+            <a:scrgbClr r="0" g="0" b="0"/>
+          </a:effectRef>
           <a:fontRef idx="minor"/>
         </p:style>
       </p:sp>
@@ -4598,13 +5306,20 @@
           </a:ln>
         </p:spPr>
         <p:style>
-          <a:lnRef idx="0"/>
-          <a:fillRef idx="0"/>
-          <a:effectRef idx="0"/>
+          <a:lnRef idx="0">
+            <a:scrgbClr r="0" g="0" b="0"/>
+          </a:lnRef>
+          <a:fillRef idx="0">
+            <a:scrgbClr r="0" g="0" b="0"/>
+          </a:fillRef>
+          <a:effectRef idx="0">
+            <a:scrgbClr r="0" g="0" b="0"/>
+          </a:effectRef>
           <a:fontRef idx="minor"/>
         </p:style>
         <p:txBody>
-          <a:bodyPr lIns="90000" rIns="90000" tIns="45000" bIns="45000" anchor="ctr"/>
+          <a:bodyPr lIns="90000" tIns="45000" rIns="90000" bIns="45000" anchor="ctr"/>
+          <a:lstStyle/>
           <a:p>
             <a:pPr algn="r">
               <a:lnSpc>
@@ -4612,27 +5327,27 @@
               </a:lnSpc>
             </a:pPr>
             <a:fld id="{24A01CF5-307E-47F7-BFE9-4C3C10BB0A0C}" type="slidenum">
-              <a:rPr b="0" lang="en-US" sz="1100" spc="-1" strike="noStrike">
-                <a:solidFill>
-                  <a:srgbClr val="ffffff"/>
+              <a:rPr lang="en-US" sz="1100" b="0" strike="noStrike" spc="-1">
+                <a:solidFill>
+                  <a:srgbClr val="FFFFFF"/>
                 </a:solidFill>
                 <a:uFill>
                   <a:solidFill>
-                    <a:srgbClr val="ffffff"/>
+                    <a:srgbClr val="FFFFFF"/>
                   </a:solidFill>
                 </a:uFill>
                 <a:latin typeface="Calibri"/>
                 <a:ea typeface="DejaVu Sans"/>
               </a:rPr>
-              <a:t>&lt;number&gt;</a:t>
+              <a:t>12</a:t>
             </a:fld>
-            <a:endParaRPr b="0" lang="en-US" sz="1800" spc="-1" strike="noStrike">
-              <a:solidFill>
-                <a:srgbClr val="000000"/>
-              </a:solidFill>
-              <a:uFill>
-                <a:solidFill>
-                  <a:srgbClr val="ffffff"/>
+            <a:endParaRPr lang="en-US" sz="1800" b="0" strike="noStrike" spc="-1">
+              <a:solidFill>
+                <a:srgbClr val="000000"/>
+              </a:solidFill>
+              <a:uFill>
+                <a:solidFill>
+                  <a:srgbClr val="FFFFFF"/>
                 </a:solidFill>
               </a:uFill>
               <a:latin typeface="Arial"/>
@@ -4660,13 +5375,20 @@
           </a:ln>
         </p:spPr>
         <p:style>
-          <a:lnRef idx="0"/>
-          <a:fillRef idx="0"/>
-          <a:effectRef idx="0"/>
+          <a:lnRef idx="0">
+            <a:scrgbClr r="0" g="0" b="0"/>
+          </a:lnRef>
+          <a:fillRef idx="0">
+            <a:scrgbClr r="0" g="0" b="0"/>
+          </a:fillRef>
+          <a:effectRef idx="0">
+            <a:scrgbClr r="0" g="0" b="0"/>
+          </a:effectRef>
           <a:fontRef idx="minor"/>
         </p:style>
         <p:txBody>
-          <a:bodyPr lIns="90000" rIns="90000" tIns="91440" bIns="91440"/>
+          <a:bodyPr lIns="90000" tIns="91440" rIns="90000" bIns="91440"/>
+          <a:lstStyle/>
           <a:p>
             <a:pPr algn="r">
               <a:lnSpc>
@@ -4674,13 +5396,13 @@
               </a:lnSpc>
             </a:pPr>
             <a:r>
-              <a:rPr b="1" lang="en-US" sz="2000" spc="-1" strike="noStrike">
-                <a:solidFill>
-                  <a:srgbClr val="0070c0"/>
+              <a:rPr lang="en-US" sz="2000" b="1" strike="noStrike" spc="-1">
+                <a:solidFill>
+                  <a:srgbClr val="0070C0"/>
                 </a:solidFill>
                 <a:uFill>
                   <a:solidFill>
-                    <a:srgbClr val="ffffff"/>
+                    <a:srgbClr val="FFFFFF"/>
                   </a:solidFill>
                 </a:uFill>
                 <a:latin typeface="Calibri"/>
@@ -4688,13 +5410,13 @@
               </a:rPr>
               <a:t>References</a:t>
             </a:r>
-            <a:endParaRPr b="0" lang="en-US" sz="1800" spc="-1" strike="noStrike">
-              <a:solidFill>
-                <a:srgbClr val="000000"/>
-              </a:solidFill>
-              <a:uFill>
-                <a:solidFill>
-                  <a:srgbClr val="ffffff"/>
+            <a:endParaRPr lang="en-US" sz="1800" b="0" strike="noStrike" spc="-1">
+              <a:solidFill>
+                <a:srgbClr val="000000"/>
+              </a:solidFill>
+              <a:uFill>
+                <a:solidFill>
+                  <a:srgbClr val="FFFFFF"/>
                 </a:solidFill>
               </a:uFill>
               <a:latin typeface="Arial"/>
@@ -4704,30 +5426,7 @@
       </p:sp>
       <p:pic>
         <p:nvPicPr>
-          <p:cNvPr id="131" name="Picture 95" descr=""/>
-          <p:cNvPicPr/>
-          <p:nvPr/>
-        </p:nvPicPr>
-        <p:blipFill>
-          <a:blip r:embed="rId1"/>
-          <a:stretch/>
-        </p:blipFill>
-        <p:spPr>
-          <a:xfrm>
-            <a:off x="826200" y="2242440"/>
-            <a:ext cx="1837440" cy="1980360"/>
-          </a:xfrm>
-          <a:prstGeom prst="rect">
-            <a:avLst/>
-          </a:prstGeom>
-          <a:ln>
-            <a:noFill/>
-          </a:ln>
-        </p:spPr>
-      </p:pic>
-      <p:pic>
-        <p:nvPicPr>
-          <p:cNvPr id="132" name="Picture 96" descr=""/>
+          <p:cNvPr id="131" name="Picture 95"/>
           <p:cNvPicPr/>
           <p:nvPr/>
         </p:nvPicPr>
@@ -4737,8 +5436,8 @@
         </p:blipFill>
         <p:spPr>
           <a:xfrm>
-            <a:off x="3744000" y="2242440"/>
-            <a:ext cx="4009320" cy="2571120"/>
+            <a:off x="826200" y="2242440"/>
+            <a:ext cx="1837440" cy="1980360"/>
           </a:xfrm>
           <a:prstGeom prst="rect">
             <a:avLst/>
@@ -4748,24 +5447,50 @@
           </a:ln>
         </p:spPr>
       </p:pic>
+      <p:pic>
+        <p:nvPicPr>
+          <p:cNvPr id="132" name="Picture 96"/>
+          <p:cNvPicPr/>
+          <p:nvPr/>
+        </p:nvPicPr>
+        <p:blipFill>
+          <a:blip r:embed="rId3"/>
+          <a:stretch/>
+        </p:blipFill>
+        <p:spPr>
+          <a:xfrm>
+            <a:off x="3744000" y="2242440"/>
+            <a:ext cx="4009320" cy="2571120"/>
+          </a:xfrm>
+          <a:prstGeom prst="rect">
+            <a:avLst/>
+          </a:prstGeom>
+          <a:ln>
+            <a:noFill/>
+          </a:ln>
+        </p:spPr>
+      </p:pic>
     </p:spTree>
   </p:cSld>
+  <p:clrMapOvr>
+    <a:masterClrMapping/>
+  </p:clrMapOvr>
   <p:timing>
     <p:tnLst>
       <p:par>
-        <p:cTn id="23" dur="indefinite" restart="never" nodeType="tmRoot">
+        <p:cTn id="1" dur="indefinite" restart="never" nodeType="tmRoot">
           <p:childTnLst>
             <p:seq>
-              <p:cTn id="24" nodeType="mainSeq"/>
+              <p:cTn id="2" nodeType="mainSeq"/>
               <p:prevCondLst>
-                <p:cond delay="0" evt="onPrev">
+                <p:cond evt="onPrev" delay="0">
                   <p:tgtEl>
                     <p:sldTgt/>
                   </p:tgtEl>
                 </p:cond>
               </p:prevCondLst>
               <p:nextCondLst>
-                <p:cond delay="0" evt="onNext">
+                <p:cond evt="onNext" delay="0">
                   <p:tgtEl>
                     <p:sldTgt/>
                   </p:tgtEl>
@@ -4781,7 +5506,7 @@
 </file>
 
 <file path=ppt/slides/slide13.xml><?xml version="1.0" encoding="utf-8"?>
-<p:sld xmlns:a="http://schemas.openxmlformats.org/drawingml/2006/main" xmlns:p="http://schemas.openxmlformats.org/presentationml/2006/main" xmlns:r="http://schemas.openxmlformats.org/officeDocument/2006/relationships" xmlns:p14="http://schemas.microsoft.com/office/powerpoint/2010/main" xmlns:p15="http://schemas.microsoft.com/office/powerpoint/2012/main" xmlns:mc="http://schemas.openxmlformats.org/markup-compatibility/2006">
+<p:sld xmlns:a="http://schemas.openxmlformats.org/drawingml/2006/main" xmlns:r="http://schemas.openxmlformats.org/officeDocument/2006/relationships" xmlns:p="http://schemas.openxmlformats.org/presentationml/2006/main">
   <p:cSld>
     <p:spTree>
       <p:nvGrpSpPr>
@@ -4817,9 +5542,15 @@
           </a:ln>
         </p:spPr>
         <p:style>
-          <a:lnRef idx="0"/>
-          <a:fillRef idx="0"/>
-          <a:effectRef idx="0"/>
+          <a:lnRef idx="0">
+            <a:scrgbClr r="0" g="0" b="0"/>
+          </a:lnRef>
+          <a:fillRef idx="0">
+            <a:scrgbClr r="0" g="0" b="0"/>
+          </a:fillRef>
+          <a:effectRef idx="0">
+            <a:scrgbClr r="0" g="0" b="0"/>
+          </a:effectRef>
           <a:fontRef idx="minor"/>
         </p:style>
       </p:sp>
@@ -4843,9 +5574,15 @@
           </a:ln>
         </p:spPr>
         <p:style>
-          <a:lnRef idx="0"/>
-          <a:fillRef idx="0"/>
-          <a:effectRef idx="0"/>
+          <a:lnRef idx="0">
+            <a:scrgbClr r="0" g="0" b="0"/>
+          </a:lnRef>
+          <a:fillRef idx="0">
+            <a:scrgbClr r="0" g="0" b="0"/>
+          </a:fillRef>
+          <a:effectRef idx="0">
+            <a:scrgbClr r="0" g="0" b="0"/>
+          </a:effectRef>
           <a:fontRef idx="minor"/>
         </p:style>
       </p:sp>
@@ -4869,13 +5606,20 @@
           </a:ln>
         </p:spPr>
         <p:style>
-          <a:lnRef idx="0"/>
-          <a:fillRef idx="0"/>
-          <a:effectRef idx="0"/>
+          <a:lnRef idx="0">
+            <a:scrgbClr r="0" g="0" b="0"/>
+          </a:lnRef>
+          <a:fillRef idx="0">
+            <a:scrgbClr r="0" g="0" b="0"/>
+          </a:fillRef>
+          <a:effectRef idx="0">
+            <a:scrgbClr r="0" g="0" b="0"/>
+          </a:effectRef>
           <a:fontRef idx="minor"/>
         </p:style>
         <p:txBody>
-          <a:bodyPr lIns="90000" rIns="90000" tIns="45000" bIns="45000" anchor="ctr"/>
+          <a:bodyPr lIns="90000" tIns="45000" rIns="90000" bIns="45000" anchor="ctr"/>
+          <a:lstStyle/>
           <a:p>
             <a:pPr algn="r">
               <a:lnSpc>
@@ -4883,27 +5627,27 @@
               </a:lnSpc>
             </a:pPr>
             <a:fld id="{6B6EB8BA-0572-4BC3-9771-25B1195E134B}" type="slidenum">
-              <a:rPr b="0" lang="en-US" sz="1100" spc="-1" strike="noStrike">
-                <a:solidFill>
-                  <a:srgbClr val="ffffff"/>
+              <a:rPr lang="en-US" sz="1100" b="0" strike="noStrike" spc="-1">
+                <a:solidFill>
+                  <a:srgbClr val="FFFFFF"/>
                 </a:solidFill>
                 <a:uFill>
                   <a:solidFill>
-                    <a:srgbClr val="ffffff"/>
+                    <a:srgbClr val="FFFFFF"/>
                   </a:solidFill>
                 </a:uFill>
                 <a:latin typeface="Calibri"/>
                 <a:ea typeface="DejaVu Sans"/>
               </a:rPr>
-              <a:t>&lt;number&gt;</a:t>
+              <a:t>13</a:t>
             </a:fld>
-            <a:endParaRPr b="0" lang="en-US" sz="1800" spc="-1" strike="noStrike">
-              <a:solidFill>
-                <a:srgbClr val="000000"/>
-              </a:solidFill>
-              <a:uFill>
-                <a:solidFill>
-                  <a:srgbClr val="ffffff"/>
+            <a:endParaRPr lang="en-US" sz="1800" b="0" strike="noStrike" spc="-1">
+              <a:solidFill>
+                <a:srgbClr val="000000"/>
+              </a:solidFill>
+              <a:uFill>
+                <a:solidFill>
+                  <a:srgbClr val="FFFFFF"/>
                 </a:solidFill>
               </a:uFill>
               <a:latin typeface="Arial"/>
@@ -4931,13 +5675,20 @@
           </a:ln>
         </p:spPr>
         <p:style>
-          <a:lnRef idx="0"/>
-          <a:fillRef idx="0"/>
-          <a:effectRef idx="0"/>
+          <a:lnRef idx="0">
+            <a:scrgbClr r="0" g="0" b="0"/>
+          </a:lnRef>
+          <a:fillRef idx="0">
+            <a:scrgbClr r="0" g="0" b="0"/>
+          </a:fillRef>
+          <a:effectRef idx="0">
+            <a:scrgbClr r="0" g="0" b="0"/>
+          </a:effectRef>
           <a:fontRef idx="minor"/>
         </p:style>
         <p:txBody>
-          <a:bodyPr lIns="90000" rIns="90000" tIns="91440" bIns="91440"/>
+          <a:bodyPr lIns="90000" tIns="91440" rIns="90000" bIns="91440"/>
+          <a:lstStyle/>
           <a:p>
             <a:pPr algn="r">
               <a:lnSpc>
@@ -4945,13 +5696,13 @@
               </a:lnSpc>
             </a:pPr>
             <a:r>
-              <a:rPr b="1" lang="en-US" sz="2000" spc="-1" strike="noStrike">
-                <a:solidFill>
-                  <a:srgbClr val="0070c0"/>
+              <a:rPr lang="en-US" sz="2000" b="1" strike="noStrike" spc="-1">
+                <a:solidFill>
+                  <a:srgbClr val="0070C0"/>
                 </a:solidFill>
                 <a:uFill>
                   <a:solidFill>
-                    <a:srgbClr val="ffffff"/>
+                    <a:srgbClr val="FFFFFF"/>
                   </a:solidFill>
                 </a:uFill>
                 <a:latin typeface="Calibri"/>
@@ -4959,13 +5710,13 @@
               </a:rPr>
               <a:t>Merge vs Rebase</a:t>
             </a:r>
-            <a:endParaRPr b="0" lang="en-US" sz="1800" spc="-1" strike="noStrike">
-              <a:solidFill>
-                <a:srgbClr val="000000"/>
-              </a:solidFill>
-              <a:uFill>
-                <a:solidFill>
-                  <a:srgbClr val="ffffff"/>
+            <a:endParaRPr lang="en-US" sz="1800" b="0" strike="noStrike" spc="-1">
+              <a:solidFill>
+                <a:srgbClr val="000000"/>
+              </a:solidFill>
+              <a:uFill>
+                <a:solidFill>
+                  <a:srgbClr val="FFFFFF"/>
                 </a:solidFill>
               </a:uFill>
               <a:latin typeface="Arial"/>
@@ -4975,30 +5726,7 @@
       </p:sp>
       <p:pic>
         <p:nvPicPr>
-          <p:cNvPr id="137" name="Picture 101" descr=""/>
-          <p:cNvPicPr/>
-          <p:nvPr/>
-        </p:nvPicPr>
-        <p:blipFill>
-          <a:blip r:embed="rId1"/>
-          <a:stretch/>
-        </p:blipFill>
-        <p:spPr>
-          <a:xfrm>
-            <a:off x="1424160" y="775080"/>
-            <a:ext cx="5248080" cy="2819160"/>
-          </a:xfrm>
-          <a:prstGeom prst="rect">
-            <a:avLst/>
-          </a:prstGeom>
-          <a:ln>
-            <a:noFill/>
-          </a:ln>
-        </p:spPr>
-      </p:pic>
-      <p:pic>
-        <p:nvPicPr>
-          <p:cNvPr id="138" name="Picture 102" descr=""/>
+          <p:cNvPr id="137" name="Picture 101"/>
           <p:cNvPicPr/>
           <p:nvPr/>
         </p:nvPicPr>
@@ -5008,6 +5736,29 @@
         </p:blipFill>
         <p:spPr>
           <a:xfrm>
+            <a:off x="1424160" y="775080"/>
+            <a:ext cx="5248080" cy="2819160"/>
+          </a:xfrm>
+          <a:prstGeom prst="rect">
+            <a:avLst/>
+          </a:prstGeom>
+          <a:ln>
+            <a:noFill/>
+          </a:ln>
+        </p:spPr>
+      </p:pic>
+      <p:pic>
+        <p:nvPicPr>
+          <p:cNvPr id="138" name="Picture 102"/>
+          <p:cNvPicPr/>
+          <p:nvPr/>
+        </p:nvPicPr>
+        <p:blipFill>
+          <a:blip r:embed="rId3"/>
+          <a:stretch/>
+        </p:blipFill>
+        <p:spPr>
+          <a:xfrm>
             <a:off x="1424160" y="4010040"/>
             <a:ext cx="6210000" cy="2580840"/>
           </a:xfrm>
@@ -5039,13 +5790,20 @@
           </a:ln>
         </p:spPr>
         <p:style>
-          <a:lnRef idx="0"/>
-          <a:fillRef idx="0"/>
-          <a:effectRef idx="0"/>
+          <a:lnRef idx="0">
+            <a:scrgbClr r="0" g="0" b="0"/>
+          </a:lnRef>
+          <a:fillRef idx="0">
+            <a:scrgbClr r="0" g="0" b="0"/>
+          </a:fillRef>
+          <a:effectRef idx="0">
+            <a:scrgbClr r="0" g="0" b="0"/>
+          </a:effectRef>
           <a:fontRef idx="minor"/>
         </p:style>
         <p:txBody>
-          <a:bodyPr wrap="none" lIns="90000" rIns="90000" tIns="45000" bIns="45000"/>
+          <a:bodyPr wrap="none" lIns="90000" tIns="45000" rIns="90000" bIns="45000"/>
+          <a:lstStyle/>
           <a:p>
             <a:pPr>
               <a:lnSpc>
@@ -5053,13 +5811,13 @@
               </a:lnSpc>
             </a:pPr>
             <a:r>
-              <a:rPr b="0" lang="en-US" sz="1800" spc="-1" strike="noStrike">
+              <a:rPr lang="en-US" sz="1800" b="0" strike="noStrike" spc="-1">
                 <a:solidFill>
                   <a:srgbClr val="000000"/>
                 </a:solidFill>
                 <a:uFill>
                   <a:solidFill>
-                    <a:srgbClr val="ffffff"/>
+                    <a:srgbClr val="FFFFFF"/>
                   </a:solidFill>
                 </a:uFill>
                 <a:latin typeface="Arial"/>
@@ -5067,13 +5825,13 @@
               </a:rPr>
               <a:t>Rebase для серверных веток – очень плохо!!!</a:t>
             </a:r>
-            <a:endParaRPr b="0" lang="en-US" sz="1800" spc="-1" strike="noStrike">
-              <a:solidFill>
-                <a:srgbClr val="000000"/>
-              </a:solidFill>
-              <a:uFill>
-                <a:solidFill>
-                  <a:srgbClr val="ffffff"/>
+            <a:endParaRPr lang="en-US" sz="1800" b="0" strike="noStrike" spc="-1">
+              <a:solidFill>
+                <a:srgbClr val="000000"/>
+              </a:solidFill>
+              <a:uFill>
+                <a:solidFill>
+                  <a:srgbClr val="FFFFFF"/>
                 </a:solidFill>
               </a:uFill>
               <a:latin typeface="Arial"/>
@@ -5083,22 +5841,25 @@
       </p:sp>
     </p:spTree>
   </p:cSld>
+  <p:clrMapOvr>
+    <a:masterClrMapping/>
+  </p:clrMapOvr>
   <p:timing>
     <p:tnLst>
       <p:par>
-        <p:cTn id="25" dur="indefinite" restart="never" nodeType="tmRoot">
+        <p:cTn id="1" dur="indefinite" restart="never" nodeType="tmRoot">
           <p:childTnLst>
             <p:seq>
-              <p:cTn id="26" nodeType="mainSeq"/>
+              <p:cTn id="2" nodeType="mainSeq"/>
               <p:prevCondLst>
-                <p:cond delay="0" evt="onPrev">
+                <p:cond evt="onPrev" delay="0">
                   <p:tgtEl>
                     <p:sldTgt/>
                   </p:tgtEl>
                 </p:cond>
               </p:prevCondLst>
               <p:nextCondLst>
-                <p:cond delay="0" evt="onNext">
+                <p:cond evt="onNext" delay="0">
                   <p:tgtEl>
                     <p:sldTgt/>
                   </p:tgtEl>
@@ -5114,7 +5875,7 @@
 </file>
 
 <file path=ppt/slides/slide14.xml><?xml version="1.0" encoding="utf-8"?>
-<p:sld xmlns:a="http://schemas.openxmlformats.org/drawingml/2006/main" xmlns:p="http://schemas.openxmlformats.org/presentationml/2006/main" xmlns:r="http://schemas.openxmlformats.org/officeDocument/2006/relationships" xmlns:p14="http://schemas.microsoft.com/office/powerpoint/2010/main" xmlns:p15="http://schemas.microsoft.com/office/powerpoint/2012/main" xmlns:mc="http://schemas.openxmlformats.org/markup-compatibility/2006">
+<p:sld xmlns:a="http://schemas.openxmlformats.org/drawingml/2006/main" xmlns:r="http://schemas.openxmlformats.org/officeDocument/2006/relationships" xmlns:p="http://schemas.openxmlformats.org/presentationml/2006/main">
   <p:cSld>
     <p:spTree>
       <p:nvGrpSpPr>
@@ -5150,9 +5911,15 @@
           </a:ln>
         </p:spPr>
         <p:style>
-          <a:lnRef idx="0"/>
-          <a:fillRef idx="0"/>
-          <a:effectRef idx="0"/>
+          <a:lnRef idx="0">
+            <a:scrgbClr r="0" g="0" b="0"/>
+          </a:lnRef>
+          <a:fillRef idx="0">
+            <a:scrgbClr r="0" g="0" b="0"/>
+          </a:fillRef>
+          <a:effectRef idx="0">
+            <a:scrgbClr r="0" g="0" b="0"/>
+          </a:effectRef>
           <a:fontRef idx="minor"/>
         </p:style>
       </p:sp>
@@ -5176,9 +5943,15 @@
           </a:ln>
         </p:spPr>
         <p:style>
-          <a:lnRef idx="0"/>
-          <a:fillRef idx="0"/>
-          <a:effectRef idx="0"/>
+          <a:lnRef idx="0">
+            <a:scrgbClr r="0" g="0" b="0"/>
+          </a:lnRef>
+          <a:fillRef idx="0">
+            <a:scrgbClr r="0" g="0" b="0"/>
+          </a:fillRef>
+          <a:effectRef idx="0">
+            <a:scrgbClr r="0" g="0" b="0"/>
+          </a:effectRef>
           <a:fontRef idx="minor"/>
         </p:style>
       </p:sp>
@@ -5202,13 +5975,20 @@
           </a:ln>
         </p:spPr>
         <p:style>
-          <a:lnRef idx="0"/>
-          <a:fillRef idx="0"/>
-          <a:effectRef idx="0"/>
+          <a:lnRef idx="0">
+            <a:scrgbClr r="0" g="0" b="0"/>
+          </a:lnRef>
+          <a:fillRef idx="0">
+            <a:scrgbClr r="0" g="0" b="0"/>
+          </a:fillRef>
+          <a:effectRef idx="0">
+            <a:scrgbClr r="0" g="0" b="0"/>
+          </a:effectRef>
           <a:fontRef idx="minor"/>
         </p:style>
         <p:txBody>
-          <a:bodyPr lIns="90000" rIns="90000" tIns="45000" bIns="45000" anchor="ctr"/>
+          <a:bodyPr lIns="90000" tIns="45000" rIns="90000" bIns="45000" anchor="ctr"/>
+          <a:lstStyle/>
           <a:p>
             <a:pPr algn="r">
               <a:lnSpc>
@@ -5216,27 +5996,27 @@
               </a:lnSpc>
             </a:pPr>
             <a:fld id="{1FEDDE43-8D75-4E59-A902-54B515CCDF20}" type="slidenum">
-              <a:rPr b="0" lang="en-US" sz="1100" spc="-1" strike="noStrike">
-                <a:solidFill>
-                  <a:srgbClr val="ffffff"/>
+              <a:rPr lang="en-US" sz="1100" b="0" strike="noStrike" spc="-1">
+                <a:solidFill>
+                  <a:srgbClr val="FFFFFF"/>
                 </a:solidFill>
                 <a:uFill>
                   <a:solidFill>
-                    <a:srgbClr val="ffffff"/>
+                    <a:srgbClr val="FFFFFF"/>
                   </a:solidFill>
                 </a:uFill>
                 <a:latin typeface="Calibri"/>
                 <a:ea typeface="DejaVu Sans"/>
               </a:rPr>
-              <a:t>&lt;number&gt;</a:t>
+              <a:t>14</a:t>
             </a:fld>
-            <a:endParaRPr b="0" lang="en-US" sz="1800" spc="-1" strike="noStrike">
-              <a:solidFill>
-                <a:srgbClr val="000000"/>
-              </a:solidFill>
-              <a:uFill>
-                <a:solidFill>
-                  <a:srgbClr val="ffffff"/>
+            <a:endParaRPr lang="en-US" sz="1800" b="0" strike="noStrike" spc="-1">
+              <a:solidFill>
+                <a:srgbClr val="000000"/>
+              </a:solidFill>
+              <a:uFill>
+                <a:solidFill>
+                  <a:srgbClr val="FFFFFF"/>
                 </a:solidFill>
               </a:uFill>
               <a:latin typeface="Arial"/>
@@ -5264,13 +6044,20 @@
           </a:ln>
         </p:spPr>
         <p:style>
-          <a:lnRef idx="0"/>
-          <a:fillRef idx="0"/>
-          <a:effectRef idx="0"/>
+          <a:lnRef idx="0">
+            <a:scrgbClr r="0" g="0" b="0"/>
+          </a:lnRef>
+          <a:fillRef idx="0">
+            <a:scrgbClr r="0" g="0" b="0"/>
+          </a:fillRef>
+          <a:effectRef idx="0">
+            <a:scrgbClr r="0" g="0" b="0"/>
+          </a:effectRef>
           <a:fontRef idx="minor"/>
         </p:style>
         <p:txBody>
-          <a:bodyPr lIns="90000" rIns="90000" tIns="91440" bIns="91440"/>
+          <a:bodyPr lIns="90000" tIns="91440" rIns="90000" bIns="91440"/>
+          <a:lstStyle/>
           <a:p>
             <a:pPr algn="r">
               <a:lnSpc>
@@ -5278,13 +6065,13 @@
               </a:lnSpc>
             </a:pPr>
             <a:r>
-              <a:rPr b="1" lang="en-US" sz="2000" spc="-1" strike="noStrike">
-                <a:solidFill>
-                  <a:srgbClr val="0070c0"/>
+              <a:rPr lang="en-US" sz="2000" b="1" strike="noStrike" spc="-1">
+                <a:solidFill>
+                  <a:srgbClr val="0070C0"/>
                 </a:solidFill>
                 <a:uFill>
                   <a:solidFill>
-                    <a:srgbClr val="ffffff"/>
+                    <a:srgbClr val="FFFFFF"/>
                   </a:solidFill>
                 </a:uFill>
                 <a:latin typeface="Calibri"/>
@@ -5292,13 +6079,13 @@
               </a:rPr>
               <a:t>Fast-forward Merge</a:t>
             </a:r>
-            <a:endParaRPr b="0" lang="en-US" sz="1800" spc="-1" strike="noStrike">
-              <a:solidFill>
-                <a:srgbClr val="000000"/>
-              </a:solidFill>
-              <a:uFill>
-                <a:solidFill>
-                  <a:srgbClr val="ffffff"/>
+            <a:endParaRPr lang="en-US" sz="1800" b="0" strike="noStrike" spc="-1">
+              <a:solidFill>
+                <a:srgbClr val="000000"/>
+              </a:solidFill>
+              <a:uFill>
+                <a:solidFill>
+                  <a:srgbClr val="FFFFFF"/>
                 </a:solidFill>
               </a:uFill>
               <a:latin typeface="Arial"/>
@@ -5308,30 +6095,7 @@
       </p:sp>
       <p:pic>
         <p:nvPicPr>
-          <p:cNvPr id="144" name="Picture 3" descr=""/>
-          <p:cNvPicPr/>
-          <p:nvPr/>
-        </p:nvPicPr>
-        <p:blipFill>
-          <a:blip r:embed="rId1"/>
-          <a:stretch/>
-        </p:blipFill>
-        <p:spPr>
-          <a:xfrm>
-            <a:off x="421200" y="1027800"/>
-            <a:ext cx="4048200" cy="2590920"/>
-          </a:xfrm>
-          <a:prstGeom prst="rect">
-            <a:avLst/>
-          </a:prstGeom>
-          <a:ln>
-            <a:noFill/>
-          </a:ln>
-        </p:spPr>
-      </p:pic>
-      <p:pic>
-        <p:nvPicPr>
-          <p:cNvPr id="145" name="Picture 4" descr=""/>
+          <p:cNvPr id="144" name="Picture 3"/>
           <p:cNvPicPr/>
           <p:nvPr/>
         </p:nvPicPr>
@@ -5341,8 +6105,8 @@
         </p:blipFill>
         <p:spPr>
           <a:xfrm>
-            <a:off x="4980960" y="1073160"/>
-            <a:ext cx="4077000" cy="1724040"/>
+            <a:off x="421200" y="1027800"/>
+            <a:ext cx="4048200" cy="2590920"/>
           </a:xfrm>
           <a:prstGeom prst="rect">
             <a:avLst/>
@@ -5354,7 +6118,7 @@
       </p:pic>
       <p:pic>
         <p:nvPicPr>
-          <p:cNvPr id="146" name="Picture 6" descr=""/>
+          <p:cNvPr id="145" name="Picture 4"/>
           <p:cNvPicPr/>
           <p:nvPr/>
         </p:nvPicPr>
@@ -5364,8 +6128,8 @@
         </p:blipFill>
         <p:spPr>
           <a:xfrm>
-            <a:off x="457200" y="3815640"/>
-            <a:ext cx="5239080" cy="2581200"/>
+            <a:off x="4980960" y="1073160"/>
+            <a:ext cx="4077000" cy="1724040"/>
           </a:xfrm>
           <a:prstGeom prst="rect">
             <a:avLst/>
@@ -5375,24 +6139,50 @@
           </a:ln>
         </p:spPr>
       </p:pic>
+      <p:pic>
+        <p:nvPicPr>
+          <p:cNvPr id="146" name="Picture 6"/>
+          <p:cNvPicPr/>
+          <p:nvPr/>
+        </p:nvPicPr>
+        <p:blipFill>
+          <a:blip r:embed="rId4"/>
+          <a:stretch/>
+        </p:blipFill>
+        <p:spPr>
+          <a:xfrm>
+            <a:off x="457200" y="3815640"/>
+            <a:ext cx="5239080" cy="2581200"/>
+          </a:xfrm>
+          <a:prstGeom prst="rect">
+            <a:avLst/>
+          </a:prstGeom>
+          <a:ln>
+            <a:noFill/>
+          </a:ln>
+        </p:spPr>
+      </p:pic>
     </p:spTree>
   </p:cSld>
+  <p:clrMapOvr>
+    <a:masterClrMapping/>
+  </p:clrMapOvr>
   <p:timing>
     <p:tnLst>
       <p:par>
-        <p:cTn id="27" dur="indefinite" restart="never" nodeType="tmRoot">
+        <p:cTn id="1" dur="indefinite" restart="never" nodeType="tmRoot">
           <p:childTnLst>
             <p:seq>
-              <p:cTn id="28" nodeType="mainSeq"/>
+              <p:cTn id="2" nodeType="mainSeq"/>
               <p:prevCondLst>
-                <p:cond delay="0" evt="onPrev">
+                <p:cond evt="onPrev" delay="0">
                   <p:tgtEl>
                     <p:sldTgt/>
                   </p:tgtEl>
                 </p:cond>
               </p:prevCondLst>
               <p:nextCondLst>
-                <p:cond delay="0" evt="onNext">
+                <p:cond evt="onNext" delay="0">
                   <p:tgtEl>
                     <p:sldTgt/>
                   </p:tgtEl>
@@ -5408,7 +6198,7 @@
 </file>
 
 <file path=ppt/slides/slide15.xml><?xml version="1.0" encoding="utf-8"?>
-<p:sld xmlns:a="http://schemas.openxmlformats.org/drawingml/2006/main" xmlns:p="http://schemas.openxmlformats.org/presentationml/2006/main" xmlns:r="http://schemas.openxmlformats.org/officeDocument/2006/relationships" xmlns:p14="http://schemas.microsoft.com/office/powerpoint/2010/main" xmlns:p15="http://schemas.microsoft.com/office/powerpoint/2012/main" xmlns:mc="http://schemas.openxmlformats.org/markup-compatibility/2006">
+<p:sld xmlns:a="http://schemas.openxmlformats.org/drawingml/2006/main" xmlns:r="http://schemas.openxmlformats.org/officeDocument/2006/relationships" xmlns:p="http://schemas.openxmlformats.org/presentationml/2006/main">
   <p:cSld>
     <p:spTree>
       <p:nvGrpSpPr>
@@ -5444,9 +6234,15 @@
           </a:ln>
         </p:spPr>
         <p:style>
-          <a:lnRef idx="0"/>
-          <a:fillRef idx="0"/>
-          <a:effectRef idx="0"/>
+          <a:lnRef idx="0">
+            <a:scrgbClr r="0" g="0" b="0"/>
+          </a:lnRef>
+          <a:fillRef idx="0">
+            <a:scrgbClr r="0" g="0" b="0"/>
+          </a:fillRef>
+          <a:effectRef idx="0">
+            <a:scrgbClr r="0" g="0" b="0"/>
+          </a:effectRef>
           <a:fontRef idx="minor"/>
         </p:style>
       </p:sp>
@@ -5470,9 +6266,15 @@
           </a:ln>
         </p:spPr>
         <p:style>
-          <a:lnRef idx="0"/>
-          <a:fillRef idx="0"/>
-          <a:effectRef idx="0"/>
+          <a:lnRef idx="0">
+            <a:scrgbClr r="0" g="0" b="0"/>
+          </a:lnRef>
+          <a:fillRef idx="0">
+            <a:scrgbClr r="0" g="0" b="0"/>
+          </a:fillRef>
+          <a:effectRef idx="0">
+            <a:scrgbClr r="0" g="0" b="0"/>
+          </a:effectRef>
           <a:fontRef idx="minor"/>
         </p:style>
       </p:sp>
@@ -5496,13 +6298,20 @@
           </a:ln>
         </p:spPr>
         <p:style>
-          <a:lnRef idx="0"/>
-          <a:fillRef idx="0"/>
-          <a:effectRef idx="0"/>
+          <a:lnRef idx="0">
+            <a:scrgbClr r="0" g="0" b="0"/>
+          </a:lnRef>
+          <a:fillRef idx="0">
+            <a:scrgbClr r="0" g="0" b="0"/>
+          </a:fillRef>
+          <a:effectRef idx="0">
+            <a:scrgbClr r="0" g="0" b="0"/>
+          </a:effectRef>
           <a:fontRef idx="minor"/>
         </p:style>
         <p:txBody>
-          <a:bodyPr lIns="90000" rIns="90000" tIns="45000" bIns="45000" anchor="ctr"/>
+          <a:bodyPr lIns="90000" tIns="45000" rIns="90000" bIns="45000" anchor="ctr"/>
+          <a:lstStyle/>
           <a:p>
             <a:pPr algn="r">
               <a:lnSpc>
@@ -5510,27 +6319,27 @@
               </a:lnSpc>
             </a:pPr>
             <a:fld id="{953A8773-BA60-4BC6-82EF-34847F251C5B}" type="slidenum">
-              <a:rPr b="0" lang="en-US" sz="1100" spc="-1" strike="noStrike">
-                <a:solidFill>
-                  <a:srgbClr val="ffffff"/>
+              <a:rPr lang="en-US" sz="1100" b="0" strike="noStrike" spc="-1">
+                <a:solidFill>
+                  <a:srgbClr val="FFFFFF"/>
                 </a:solidFill>
                 <a:uFill>
                   <a:solidFill>
-                    <a:srgbClr val="ffffff"/>
+                    <a:srgbClr val="FFFFFF"/>
                   </a:solidFill>
                 </a:uFill>
                 <a:latin typeface="Calibri"/>
                 <a:ea typeface="DejaVu Sans"/>
               </a:rPr>
-              <a:t>&lt;number&gt;</a:t>
+              <a:t>15</a:t>
             </a:fld>
-            <a:endParaRPr b="0" lang="en-US" sz="1800" spc="-1" strike="noStrike">
-              <a:solidFill>
-                <a:srgbClr val="000000"/>
-              </a:solidFill>
-              <a:uFill>
-                <a:solidFill>
-                  <a:srgbClr val="ffffff"/>
+            <a:endParaRPr lang="en-US" sz="1800" b="0" strike="noStrike" spc="-1">
+              <a:solidFill>
+                <a:srgbClr val="000000"/>
+              </a:solidFill>
+              <a:uFill>
+                <a:solidFill>
+                  <a:srgbClr val="FFFFFF"/>
                 </a:solidFill>
               </a:uFill>
               <a:latin typeface="Arial"/>
@@ -5558,13 +6367,20 @@
           </a:ln>
         </p:spPr>
         <p:style>
-          <a:lnRef idx="0"/>
-          <a:fillRef idx="0"/>
-          <a:effectRef idx="0"/>
+          <a:lnRef idx="0">
+            <a:scrgbClr r="0" g="0" b="0"/>
+          </a:lnRef>
+          <a:fillRef idx="0">
+            <a:scrgbClr r="0" g="0" b="0"/>
+          </a:fillRef>
+          <a:effectRef idx="0">
+            <a:scrgbClr r="0" g="0" b="0"/>
+          </a:effectRef>
           <a:fontRef idx="minor"/>
         </p:style>
         <p:txBody>
-          <a:bodyPr lIns="90000" rIns="90000" tIns="91440" bIns="91440"/>
+          <a:bodyPr lIns="90000" tIns="91440" rIns="90000" bIns="91440"/>
+          <a:lstStyle/>
           <a:p>
             <a:pPr algn="r">
               <a:lnSpc>
@@ -5572,13 +6388,13 @@
               </a:lnSpc>
             </a:pPr>
             <a:r>
-              <a:rPr b="1" lang="en-US" sz="2000" spc="-1" strike="noStrike">
-                <a:solidFill>
-                  <a:srgbClr val="0070c0"/>
+              <a:rPr lang="en-US" sz="2000" b="1" strike="noStrike" spc="-1">
+                <a:solidFill>
+                  <a:srgbClr val="0070C0"/>
                 </a:solidFill>
                 <a:uFill>
                   <a:solidFill>
-                    <a:srgbClr val="ffffff"/>
+                    <a:srgbClr val="FFFFFF"/>
                   </a:solidFill>
                 </a:uFill>
                 <a:latin typeface="Calibri"/>
@@ -5586,13 +6402,13 @@
               </a:rPr>
               <a:t>Работа с внешними репозиториями</a:t>
             </a:r>
-            <a:endParaRPr b="0" lang="en-US" sz="1800" spc="-1" strike="noStrike">
-              <a:solidFill>
-                <a:srgbClr val="000000"/>
-              </a:solidFill>
-              <a:uFill>
-                <a:solidFill>
-                  <a:srgbClr val="ffffff"/>
+            <a:endParaRPr lang="en-US" sz="1800" b="0" strike="noStrike" spc="-1">
+              <a:solidFill>
+                <a:srgbClr val="000000"/>
+              </a:solidFill>
+              <a:uFill>
+                <a:solidFill>
+                  <a:srgbClr val="FFFFFF"/>
                 </a:solidFill>
               </a:uFill>
               <a:latin typeface="Arial"/>
@@ -5620,13 +6436,20 @@
           </a:ln>
         </p:spPr>
         <p:style>
-          <a:lnRef idx="0"/>
-          <a:fillRef idx="0"/>
-          <a:effectRef idx="0"/>
+          <a:lnRef idx="0">
+            <a:scrgbClr r="0" g="0" b="0"/>
+          </a:lnRef>
+          <a:fillRef idx="0">
+            <a:scrgbClr r="0" g="0" b="0"/>
+          </a:fillRef>
+          <a:effectRef idx="0">
+            <a:scrgbClr r="0" g="0" b="0"/>
+          </a:effectRef>
           <a:fontRef idx="minor"/>
         </p:style>
         <p:txBody>
-          <a:bodyPr lIns="90000" rIns="90000" tIns="45000" bIns="45000"/>
+          <a:bodyPr lIns="90000" tIns="45000" rIns="90000" bIns="45000"/>
+          <a:lstStyle/>
           <a:p>
             <a:pPr marL="285840" indent="-285480">
               <a:lnSpc>
@@ -5639,13 +6462,13 @@
               <a:buChar char="•"/>
             </a:pPr>
             <a:r>
-              <a:rPr b="0" lang="en-US" sz="1800" spc="-1" strike="noStrike">
+              <a:rPr lang="en-US" sz="1800" b="0" strike="noStrike" spc="-1">
                 <a:solidFill>
                   <a:srgbClr val="000000"/>
                 </a:solidFill>
                 <a:uFill>
                   <a:solidFill>
-                    <a:srgbClr val="ffffff"/>
+                    <a:srgbClr val="FFFFFF"/>
                   </a:solidFill>
                 </a:uFill>
                 <a:latin typeface="Arial"/>
@@ -5653,13 +6476,13 @@
               </a:rPr>
               <a:t>Fetch забирает изменения из внешнего репозитория</a:t>
             </a:r>
-            <a:endParaRPr b="0" lang="en-US" sz="1800" spc="-1" strike="noStrike">
-              <a:solidFill>
-                <a:srgbClr val="000000"/>
-              </a:solidFill>
-              <a:uFill>
-                <a:solidFill>
-                  <a:srgbClr val="ffffff"/>
+            <a:endParaRPr lang="en-US" sz="1800" b="0" strike="noStrike" spc="-1">
+              <a:solidFill>
+                <a:srgbClr val="000000"/>
+              </a:solidFill>
+              <a:uFill>
+                <a:solidFill>
+                  <a:srgbClr val="FFFFFF"/>
                 </a:solidFill>
               </a:uFill>
               <a:latin typeface="Arial"/>
@@ -5672,13 +6495,13 @@
               </a:lnSpc>
             </a:pPr>
             <a:r>
-              <a:rPr b="0" lang="en-US" sz="1800" spc="-1" strike="noStrike">
+              <a:rPr lang="en-US" sz="1800" b="0" strike="noStrike" spc="-1">
                 <a:solidFill>
                   <a:srgbClr val="000000"/>
                 </a:solidFill>
                 <a:uFill>
                   <a:solidFill>
-                    <a:srgbClr val="ffffff"/>
+                    <a:srgbClr val="FFFFFF"/>
                   </a:solidFill>
                 </a:uFill>
                 <a:latin typeface="Arial"/>
@@ -5686,13 +6509,13 @@
               </a:rPr>
               <a:t>Абсолютно безопастная операция</a:t>
             </a:r>
-            <a:endParaRPr b="0" lang="en-US" sz="1800" spc="-1" strike="noStrike">
-              <a:solidFill>
-                <a:srgbClr val="000000"/>
-              </a:solidFill>
-              <a:uFill>
-                <a:solidFill>
-                  <a:srgbClr val="ffffff"/>
+            <a:endParaRPr lang="en-US" sz="1800" b="0" strike="noStrike" spc="-1">
+              <a:solidFill>
+                <a:srgbClr val="000000"/>
+              </a:solidFill>
+              <a:uFill>
+                <a:solidFill>
+                  <a:srgbClr val="FFFFFF"/>
                 </a:solidFill>
               </a:uFill>
               <a:latin typeface="Arial"/>
@@ -5704,13 +6527,13 @@
                 <a:spcPct val="100000"/>
               </a:lnSpc>
             </a:pPr>
-            <a:endParaRPr b="0" lang="en-US" sz="1800" spc="-1" strike="noStrike">
-              <a:solidFill>
-                <a:srgbClr val="000000"/>
-              </a:solidFill>
-              <a:uFill>
-                <a:solidFill>
-                  <a:srgbClr val="ffffff"/>
+            <a:endParaRPr lang="en-US" sz="1800" b="0" strike="noStrike" spc="-1">
+              <a:solidFill>
+                <a:srgbClr val="000000"/>
+              </a:solidFill>
+              <a:uFill>
+                <a:solidFill>
+                  <a:srgbClr val="FFFFFF"/>
                 </a:solidFill>
               </a:uFill>
               <a:latin typeface="Arial"/>
@@ -5722,13 +6545,13 @@
                 <a:spcPct val="100000"/>
               </a:lnSpc>
             </a:pPr>
-            <a:endParaRPr b="0" lang="en-US" sz="1800" spc="-1" strike="noStrike">
-              <a:solidFill>
-                <a:srgbClr val="000000"/>
-              </a:solidFill>
-              <a:uFill>
-                <a:solidFill>
-                  <a:srgbClr val="ffffff"/>
+            <a:endParaRPr lang="en-US" sz="1800" b="0" strike="noStrike" spc="-1">
+              <a:solidFill>
+                <a:srgbClr val="000000"/>
+              </a:solidFill>
+              <a:uFill>
+                <a:solidFill>
+                  <a:srgbClr val="FFFFFF"/>
                 </a:solidFill>
               </a:uFill>
               <a:latin typeface="Arial"/>
@@ -5746,13 +6569,13 @@
               <a:buChar char="•"/>
             </a:pPr>
             <a:r>
-              <a:rPr b="0" lang="en-US" sz="1800" spc="-1" strike="noStrike">
+              <a:rPr lang="en-US" sz="1800" b="0" strike="noStrike" spc="-1">
                 <a:solidFill>
                   <a:srgbClr val="000000"/>
                 </a:solidFill>
                 <a:uFill>
                   <a:solidFill>
-                    <a:srgbClr val="ffffff"/>
+                    <a:srgbClr val="FFFFFF"/>
                   </a:solidFill>
                 </a:uFill>
                 <a:latin typeface="Arial"/>
@@ -5760,13 +6583,13 @@
               </a:rPr>
               <a:t>Pull. Это Fetch + Merge/Rebase</a:t>
             </a:r>
-            <a:endParaRPr b="0" lang="en-US" sz="1800" spc="-1" strike="noStrike">
-              <a:solidFill>
-                <a:srgbClr val="000000"/>
-              </a:solidFill>
-              <a:uFill>
-                <a:solidFill>
-                  <a:srgbClr val="ffffff"/>
+            <a:endParaRPr lang="en-US" sz="1800" b="0" strike="noStrike" spc="-1">
+              <a:solidFill>
+                <a:srgbClr val="000000"/>
+              </a:solidFill>
+              <a:uFill>
+                <a:solidFill>
+                  <a:srgbClr val="FFFFFF"/>
                 </a:solidFill>
               </a:uFill>
               <a:latin typeface="Arial"/>
@@ -5779,13 +6602,13 @@
               </a:lnSpc>
             </a:pPr>
             <a:r>
-              <a:rPr b="0" lang="en-US" sz="1800" spc="-1" strike="noStrike">
+              <a:rPr lang="en-US" sz="1800" b="0" strike="noStrike" spc="-1">
                 <a:solidFill>
                   <a:srgbClr val="000000"/>
                 </a:solidFill>
                 <a:uFill>
                   <a:solidFill>
-                    <a:srgbClr val="ffffff"/>
+                    <a:srgbClr val="FFFFFF"/>
                   </a:solidFill>
                 </a:uFill>
                 <a:latin typeface="Arial"/>
@@ -5793,13 +6616,13 @@
               </a:rPr>
               <a:t>Перед Pull рекомендуется сохранить все изменения. Можно потерять изменения в случае отката Merge/Rebase</a:t>
             </a:r>
-            <a:endParaRPr b="0" lang="en-US" sz="1800" spc="-1" strike="noStrike">
-              <a:solidFill>
-                <a:srgbClr val="000000"/>
-              </a:solidFill>
-              <a:uFill>
-                <a:solidFill>
-                  <a:srgbClr val="ffffff"/>
+            <a:endParaRPr lang="en-US" sz="1800" b="0" strike="noStrike" spc="-1">
+              <a:solidFill>
+                <a:srgbClr val="000000"/>
+              </a:solidFill>
+              <a:uFill>
+                <a:solidFill>
+                  <a:srgbClr val="FFFFFF"/>
                 </a:solidFill>
               </a:uFill>
               <a:latin typeface="Arial"/>
@@ -5811,13 +6634,13 @@
                 <a:spcPct val="100000"/>
               </a:lnSpc>
             </a:pPr>
-            <a:endParaRPr b="0" lang="en-US" sz="1800" spc="-1" strike="noStrike">
-              <a:solidFill>
-                <a:srgbClr val="000000"/>
-              </a:solidFill>
-              <a:uFill>
-                <a:solidFill>
-                  <a:srgbClr val="ffffff"/>
+            <a:endParaRPr lang="en-US" sz="1800" b="0" strike="noStrike" spc="-1">
+              <a:solidFill>
+                <a:srgbClr val="000000"/>
+              </a:solidFill>
+              <a:uFill>
+                <a:solidFill>
+                  <a:srgbClr val="FFFFFF"/>
                 </a:solidFill>
               </a:uFill>
               <a:latin typeface="Arial"/>
@@ -5829,13 +6652,13 @@
                 <a:spcPct val="100000"/>
               </a:lnSpc>
             </a:pPr>
-            <a:endParaRPr b="0" lang="en-US" sz="1800" spc="-1" strike="noStrike">
-              <a:solidFill>
-                <a:srgbClr val="000000"/>
-              </a:solidFill>
-              <a:uFill>
-                <a:solidFill>
-                  <a:srgbClr val="ffffff"/>
+            <a:endParaRPr lang="en-US" sz="1800" b="0" strike="noStrike" spc="-1">
+              <a:solidFill>
+                <a:srgbClr val="000000"/>
+              </a:solidFill>
+              <a:uFill>
+                <a:solidFill>
+                  <a:srgbClr val="FFFFFF"/>
                 </a:solidFill>
               </a:uFill>
               <a:latin typeface="Arial"/>
@@ -5853,13 +6676,13 @@
               <a:buChar char="•"/>
             </a:pPr>
             <a:r>
-              <a:rPr b="0" lang="en-US" sz="1800" spc="-1" strike="noStrike">
+              <a:rPr lang="en-US" sz="1800" b="0" strike="noStrike" spc="-1">
                 <a:solidFill>
                   <a:srgbClr val="000000"/>
                 </a:solidFill>
                 <a:uFill>
                   <a:solidFill>
-                    <a:srgbClr val="ffffff"/>
+                    <a:srgbClr val="FFFFFF"/>
                   </a:solidFill>
                 </a:uFill>
                 <a:latin typeface="Arial"/>
@@ -5867,13 +6690,13 @@
               </a:rPr>
               <a:t>Push отправляет изменения локальной ветки (или нескольких) во внешний репозиторий</a:t>
             </a:r>
-            <a:endParaRPr b="0" lang="en-US" sz="1800" spc="-1" strike="noStrike">
-              <a:solidFill>
-                <a:srgbClr val="000000"/>
-              </a:solidFill>
-              <a:uFill>
-                <a:solidFill>
-                  <a:srgbClr val="ffffff"/>
+            <a:endParaRPr lang="en-US" sz="1800" b="0" strike="noStrike" spc="-1">
+              <a:solidFill>
+                <a:srgbClr val="000000"/>
+              </a:solidFill>
+              <a:uFill>
+                <a:solidFill>
+                  <a:srgbClr val="FFFFFF"/>
                 </a:solidFill>
               </a:uFill>
               <a:latin typeface="Arial"/>
@@ -5886,13 +6709,13 @@
               </a:lnSpc>
             </a:pPr>
             <a:r>
-              <a:rPr b="0" lang="en-US" sz="1800" spc="-1" strike="noStrike">
+              <a:rPr lang="en-US" sz="1800" b="0" strike="noStrike" spc="-1">
                 <a:solidFill>
                   <a:srgbClr val="000000"/>
                 </a:solidFill>
                 <a:uFill>
                   <a:solidFill>
-                    <a:srgbClr val="ffffff"/>
+                    <a:srgbClr val="FFFFFF"/>
                   </a:solidFill>
                 </a:uFill>
                 <a:latin typeface="Arial"/>
@@ -5900,13 +6723,13 @@
               </a:rPr>
               <a:t>До момента Push все изменения локальны. Практически все можно откатить.</a:t>
             </a:r>
-            <a:endParaRPr b="0" lang="en-US" sz="1800" spc="-1" strike="noStrike">
-              <a:solidFill>
-                <a:srgbClr val="000000"/>
-              </a:solidFill>
-              <a:uFill>
-                <a:solidFill>
-                  <a:srgbClr val="ffffff"/>
+            <a:endParaRPr lang="en-US" sz="1800" b="0" strike="noStrike" spc="-1">
+              <a:solidFill>
+                <a:srgbClr val="000000"/>
+              </a:solidFill>
+              <a:uFill>
+                <a:solidFill>
+                  <a:srgbClr val="FFFFFF"/>
                 </a:solidFill>
               </a:uFill>
               <a:latin typeface="Arial"/>
@@ -5919,13 +6742,13 @@
               </a:lnSpc>
             </a:pPr>
             <a:r>
-              <a:rPr b="0" lang="en-US" sz="1800" spc="-1" strike="noStrike">
+              <a:rPr lang="en-US" sz="1800" b="0" strike="noStrike" spc="-1">
                 <a:solidFill>
                   <a:srgbClr val="000000"/>
                 </a:solidFill>
                 <a:uFill>
                   <a:solidFill>
-                    <a:srgbClr val="ffffff"/>
+                    <a:srgbClr val="FFFFFF"/>
                   </a:solidFill>
                 </a:uFill>
                 <a:latin typeface="Arial"/>
@@ -5933,13 +6756,13 @@
               </a:rPr>
               <a:t>Нельзя запушить коммиты, если текущий верхний коммит ветки на внешнем сервере не является коммитом из истории локальной ветки (локальная версия устарела) </a:t>
             </a:r>
-            <a:endParaRPr b="0" lang="en-US" sz="1800" spc="-1" strike="noStrike">
-              <a:solidFill>
-                <a:srgbClr val="000000"/>
-              </a:solidFill>
-              <a:uFill>
-                <a:solidFill>
-                  <a:srgbClr val="ffffff"/>
+            <a:endParaRPr lang="en-US" sz="1800" b="0" strike="noStrike" spc="-1">
+              <a:solidFill>
+                <a:srgbClr val="000000"/>
+              </a:solidFill>
+              <a:uFill>
+                <a:solidFill>
+                  <a:srgbClr val="FFFFFF"/>
                 </a:solidFill>
               </a:uFill>
               <a:latin typeface="Arial"/>
@@ -5949,22 +6772,25 @@
       </p:sp>
     </p:spTree>
   </p:cSld>
+  <p:clrMapOvr>
+    <a:masterClrMapping/>
+  </p:clrMapOvr>
   <p:timing>
     <p:tnLst>
       <p:par>
-        <p:cTn id="29" dur="indefinite" restart="never" nodeType="tmRoot">
+        <p:cTn id="1" dur="indefinite" restart="never" nodeType="tmRoot">
           <p:childTnLst>
             <p:seq>
-              <p:cTn id="30" nodeType="mainSeq"/>
+              <p:cTn id="2" nodeType="mainSeq"/>
               <p:prevCondLst>
-                <p:cond delay="0" evt="onPrev">
+                <p:cond evt="onPrev" delay="0">
                   <p:tgtEl>
                     <p:sldTgt/>
                   </p:tgtEl>
                 </p:cond>
               </p:prevCondLst>
               <p:nextCondLst>
-                <p:cond delay="0" evt="onNext">
+                <p:cond evt="onNext" delay="0">
                   <p:tgtEl>
                     <p:sldTgt/>
                   </p:tgtEl>
@@ -5980,7 +6806,7 @@
 </file>
 
 <file path=ppt/slides/slide16.xml><?xml version="1.0" encoding="utf-8"?>
-<p:sld xmlns:a="http://schemas.openxmlformats.org/drawingml/2006/main" xmlns:p="http://schemas.openxmlformats.org/presentationml/2006/main" xmlns:r="http://schemas.openxmlformats.org/officeDocument/2006/relationships" xmlns:p14="http://schemas.microsoft.com/office/powerpoint/2010/main" xmlns:p15="http://schemas.microsoft.com/office/powerpoint/2012/main" xmlns:mc="http://schemas.openxmlformats.org/markup-compatibility/2006">
+<p:sld xmlns:a="http://schemas.openxmlformats.org/drawingml/2006/main" xmlns:r="http://schemas.openxmlformats.org/officeDocument/2006/relationships" xmlns:p="http://schemas.openxmlformats.org/presentationml/2006/main">
   <p:cSld>
     <p:spTree>
       <p:nvGrpSpPr>
@@ -6016,9 +6842,15 @@
           </a:ln>
         </p:spPr>
         <p:style>
-          <a:lnRef idx="0"/>
-          <a:fillRef idx="0"/>
-          <a:effectRef idx="0"/>
+          <a:lnRef idx="0">
+            <a:scrgbClr r="0" g="0" b="0"/>
+          </a:lnRef>
+          <a:fillRef idx="0">
+            <a:scrgbClr r="0" g="0" b="0"/>
+          </a:fillRef>
+          <a:effectRef idx="0">
+            <a:scrgbClr r="0" g="0" b="0"/>
+          </a:effectRef>
           <a:fontRef idx="minor"/>
         </p:style>
       </p:sp>
@@ -6042,9 +6874,15 @@
           </a:ln>
         </p:spPr>
         <p:style>
-          <a:lnRef idx="0"/>
-          <a:fillRef idx="0"/>
-          <a:effectRef idx="0"/>
+          <a:lnRef idx="0">
+            <a:scrgbClr r="0" g="0" b="0"/>
+          </a:lnRef>
+          <a:fillRef idx="0">
+            <a:scrgbClr r="0" g="0" b="0"/>
+          </a:fillRef>
+          <a:effectRef idx="0">
+            <a:scrgbClr r="0" g="0" b="0"/>
+          </a:effectRef>
           <a:fontRef idx="minor"/>
         </p:style>
       </p:sp>
@@ -6068,13 +6906,20 @@
           </a:ln>
         </p:spPr>
         <p:style>
-          <a:lnRef idx="0"/>
-          <a:fillRef idx="0"/>
-          <a:effectRef idx="0"/>
+          <a:lnRef idx="0">
+            <a:scrgbClr r="0" g="0" b="0"/>
+          </a:lnRef>
+          <a:fillRef idx="0">
+            <a:scrgbClr r="0" g="0" b="0"/>
+          </a:fillRef>
+          <a:effectRef idx="0">
+            <a:scrgbClr r="0" g="0" b="0"/>
+          </a:effectRef>
           <a:fontRef idx="minor"/>
         </p:style>
         <p:txBody>
-          <a:bodyPr lIns="90000" rIns="90000" tIns="45000" bIns="45000" anchor="ctr"/>
+          <a:bodyPr lIns="90000" tIns="45000" rIns="90000" bIns="45000" anchor="ctr"/>
+          <a:lstStyle/>
           <a:p>
             <a:pPr algn="r">
               <a:lnSpc>
@@ -6082,27 +6927,27 @@
               </a:lnSpc>
             </a:pPr>
             <a:fld id="{589AF77B-D1CF-4AB9-8E1C-2A5339B829BD}" type="slidenum">
-              <a:rPr b="0" lang="en-US" sz="1100" spc="-1" strike="noStrike">
-                <a:solidFill>
-                  <a:srgbClr val="ffffff"/>
+              <a:rPr lang="en-US" sz="1100" b="0" strike="noStrike" spc="-1">
+                <a:solidFill>
+                  <a:srgbClr val="FFFFFF"/>
                 </a:solidFill>
                 <a:uFill>
                   <a:solidFill>
-                    <a:srgbClr val="ffffff"/>
+                    <a:srgbClr val="FFFFFF"/>
                   </a:solidFill>
                 </a:uFill>
                 <a:latin typeface="Calibri"/>
                 <a:ea typeface="DejaVu Sans"/>
               </a:rPr>
-              <a:t>&lt;number&gt;</a:t>
+              <a:t>16</a:t>
             </a:fld>
-            <a:endParaRPr b="0" lang="en-US" sz="1800" spc="-1" strike="noStrike">
-              <a:solidFill>
-                <a:srgbClr val="000000"/>
-              </a:solidFill>
-              <a:uFill>
-                <a:solidFill>
-                  <a:srgbClr val="ffffff"/>
+            <a:endParaRPr lang="en-US" sz="1800" b="0" strike="noStrike" spc="-1">
+              <a:solidFill>
+                <a:srgbClr val="000000"/>
+              </a:solidFill>
+              <a:uFill>
+                <a:solidFill>
+                  <a:srgbClr val="FFFFFF"/>
                 </a:solidFill>
               </a:uFill>
               <a:latin typeface="Arial"/>
@@ -6130,13 +6975,20 @@
           </a:ln>
         </p:spPr>
         <p:style>
-          <a:lnRef idx="0"/>
-          <a:fillRef idx="0"/>
-          <a:effectRef idx="0"/>
+          <a:lnRef idx="0">
+            <a:scrgbClr r="0" g="0" b="0"/>
+          </a:lnRef>
+          <a:fillRef idx="0">
+            <a:scrgbClr r="0" g="0" b="0"/>
+          </a:fillRef>
+          <a:effectRef idx="0">
+            <a:scrgbClr r="0" g="0" b="0"/>
+          </a:effectRef>
           <a:fontRef idx="minor"/>
         </p:style>
         <p:txBody>
-          <a:bodyPr lIns="90000" rIns="90000" tIns="91440" bIns="91440"/>
+          <a:bodyPr lIns="90000" tIns="91440" rIns="90000" bIns="91440"/>
+          <a:lstStyle/>
           <a:p>
             <a:pPr algn="r">
               <a:lnSpc>
@@ -6144,13 +6996,13 @@
               </a:lnSpc>
             </a:pPr>
             <a:r>
-              <a:rPr b="1" lang="en-US" sz="2000" spc="-1" strike="noStrike">
-                <a:solidFill>
-                  <a:srgbClr val="0070c0"/>
+              <a:rPr lang="en-US" sz="2000" b="1" strike="noStrike" spc="-1">
+                <a:solidFill>
+                  <a:srgbClr val="0070C0"/>
                 </a:solidFill>
                 <a:uFill>
                   <a:solidFill>
-                    <a:srgbClr val="ffffff"/>
+                    <a:srgbClr val="FFFFFF"/>
                   </a:solidFill>
                 </a:uFill>
                 <a:latin typeface="Calibri"/>
@@ -6158,13 +7010,13 @@
               </a:rPr>
               <a:t>TortoiseGit</a:t>
             </a:r>
-            <a:endParaRPr b="0" lang="en-US" sz="1800" spc="-1" strike="noStrike">
-              <a:solidFill>
-                <a:srgbClr val="000000"/>
-              </a:solidFill>
-              <a:uFill>
-                <a:solidFill>
-                  <a:srgbClr val="ffffff"/>
+            <a:endParaRPr lang="en-US" sz="1800" b="0" strike="noStrike" spc="-1">
+              <a:solidFill>
+                <a:srgbClr val="000000"/>
+              </a:solidFill>
+              <a:uFill>
+                <a:solidFill>
+                  <a:srgbClr val="FFFFFF"/>
                 </a:solidFill>
               </a:uFill>
               <a:latin typeface="Arial"/>
@@ -6192,13 +7044,20 @@
           </a:ln>
         </p:spPr>
         <p:style>
-          <a:lnRef idx="0"/>
-          <a:fillRef idx="0"/>
-          <a:effectRef idx="0"/>
+          <a:lnRef idx="0">
+            <a:scrgbClr r="0" g="0" b="0"/>
+          </a:lnRef>
+          <a:fillRef idx="0">
+            <a:scrgbClr r="0" g="0" b="0"/>
+          </a:fillRef>
+          <a:effectRef idx="0">
+            <a:scrgbClr r="0" g="0" b="0"/>
+          </a:effectRef>
           <a:fontRef idx="minor"/>
         </p:style>
         <p:txBody>
-          <a:bodyPr wrap="none" lIns="90000" rIns="90000" tIns="45000" bIns="45000"/>
+          <a:bodyPr wrap="none" lIns="90000" tIns="45000" rIns="90000" bIns="45000"/>
+          <a:lstStyle/>
           <a:p>
             <a:pPr>
               <a:lnSpc>
@@ -6206,13 +7065,13 @@
               </a:lnSpc>
             </a:pPr>
             <a:r>
-              <a:rPr b="0" lang="en-US" sz="1800" spc="-1" strike="noStrike">
+              <a:rPr lang="en-US" sz="1800" b="0" strike="noStrike" spc="-1">
                 <a:solidFill>
                   <a:srgbClr val="000000"/>
                 </a:solidFill>
                 <a:uFill>
                   <a:solidFill>
-                    <a:srgbClr val="ffffff"/>
+                    <a:srgbClr val="FFFFFF"/>
                   </a:solidFill>
                 </a:uFill>
                 <a:latin typeface="Arial"/>
@@ -6220,13 +7079,13 @@
               </a:rPr>
               <a:t>Окошко с кучей веток </a:t>
             </a:r>
-            <a:endParaRPr b="0" lang="en-US" sz="1800" spc="-1" strike="noStrike">
-              <a:solidFill>
-                <a:srgbClr val="000000"/>
-              </a:solidFill>
-              <a:uFill>
-                <a:solidFill>
-                  <a:srgbClr val="ffffff"/>
+            <a:endParaRPr lang="en-US" sz="1800" b="0" strike="noStrike" spc="-1">
+              <a:solidFill>
+                <a:srgbClr val="000000"/>
+              </a:solidFill>
+              <a:uFill>
+                <a:solidFill>
+                  <a:srgbClr val="FFFFFF"/>
                 </a:solidFill>
               </a:uFill>
               <a:latin typeface="Arial"/>
@@ -6236,22 +7095,25 @@
       </p:sp>
     </p:spTree>
   </p:cSld>
+  <p:clrMapOvr>
+    <a:masterClrMapping/>
+  </p:clrMapOvr>
   <p:timing>
     <p:tnLst>
       <p:par>
-        <p:cTn id="31" dur="indefinite" restart="never" nodeType="tmRoot">
+        <p:cTn id="1" dur="indefinite" restart="never" nodeType="tmRoot">
           <p:childTnLst>
             <p:seq>
-              <p:cTn id="32" nodeType="mainSeq"/>
+              <p:cTn id="2" nodeType="mainSeq"/>
               <p:prevCondLst>
-                <p:cond delay="0" evt="onPrev">
+                <p:cond evt="onPrev" delay="0">
                   <p:tgtEl>
                     <p:sldTgt/>
                   </p:tgtEl>
                 </p:cond>
               </p:prevCondLst>
               <p:nextCondLst>
-                <p:cond delay="0" evt="onNext">
+                <p:cond evt="onNext" delay="0">
                   <p:tgtEl>
                     <p:sldTgt/>
                   </p:tgtEl>
@@ -6267,7 +7129,7 @@
 </file>
 
 <file path=ppt/slides/slide17.xml><?xml version="1.0" encoding="utf-8"?>
-<p:sld xmlns:a="http://schemas.openxmlformats.org/drawingml/2006/main" xmlns:p="http://schemas.openxmlformats.org/presentationml/2006/main" xmlns:r="http://schemas.openxmlformats.org/officeDocument/2006/relationships" xmlns:p14="http://schemas.microsoft.com/office/powerpoint/2010/main" xmlns:p15="http://schemas.microsoft.com/office/powerpoint/2012/main" xmlns:mc="http://schemas.openxmlformats.org/markup-compatibility/2006">
+<p:sld xmlns:a="http://schemas.openxmlformats.org/drawingml/2006/main" xmlns:r="http://schemas.openxmlformats.org/officeDocument/2006/relationships" xmlns:p="http://schemas.openxmlformats.org/presentationml/2006/main">
   <p:cSld>
     <p:spTree>
       <p:nvGrpSpPr>
@@ -6303,9 +7165,15 @@
           </a:ln>
         </p:spPr>
         <p:style>
-          <a:lnRef idx="0"/>
-          <a:fillRef idx="0"/>
-          <a:effectRef idx="0"/>
+          <a:lnRef idx="0">
+            <a:scrgbClr r="0" g="0" b="0"/>
+          </a:lnRef>
+          <a:fillRef idx="0">
+            <a:scrgbClr r="0" g="0" b="0"/>
+          </a:fillRef>
+          <a:effectRef idx="0">
+            <a:scrgbClr r="0" g="0" b="0"/>
+          </a:effectRef>
           <a:fontRef idx="minor"/>
         </p:style>
       </p:sp>
@@ -6329,9 +7197,15 @@
           </a:ln>
         </p:spPr>
         <p:style>
-          <a:lnRef idx="0"/>
-          <a:fillRef idx="0"/>
-          <a:effectRef idx="0"/>
+          <a:lnRef idx="0">
+            <a:scrgbClr r="0" g="0" b="0"/>
+          </a:lnRef>
+          <a:fillRef idx="0">
+            <a:scrgbClr r="0" g="0" b="0"/>
+          </a:fillRef>
+          <a:effectRef idx="0">
+            <a:scrgbClr r="0" g="0" b="0"/>
+          </a:effectRef>
           <a:fontRef idx="minor"/>
         </p:style>
       </p:sp>
@@ -6355,13 +7229,20 @@
           </a:ln>
         </p:spPr>
         <p:style>
-          <a:lnRef idx="0"/>
-          <a:fillRef idx="0"/>
-          <a:effectRef idx="0"/>
+          <a:lnRef idx="0">
+            <a:scrgbClr r="0" g="0" b="0"/>
+          </a:lnRef>
+          <a:fillRef idx="0">
+            <a:scrgbClr r="0" g="0" b="0"/>
+          </a:fillRef>
+          <a:effectRef idx="0">
+            <a:scrgbClr r="0" g="0" b="0"/>
+          </a:effectRef>
           <a:fontRef idx="minor"/>
         </p:style>
         <p:txBody>
-          <a:bodyPr lIns="90000" rIns="90000" tIns="45000" bIns="45000" anchor="ctr"/>
+          <a:bodyPr lIns="90000" tIns="45000" rIns="90000" bIns="45000" anchor="ctr"/>
+          <a:lstStyle/>
           <a:p>
             <a:pPr algn="r">
               <a:lnSpc>
@@ -6369,27 +7250,27 @@
               </a:lnSpc>
             </a:pPr>
             <a:fld id="{50B3E9A7-6AC5-43C4-B6EE-E97639B7C5B0}" type="slidenum">
-              <a:rPr b="0" lang="en-US" sz="1100" spc="-1" strike="noStrike">
-                <a:solidFill>
-                  <a:srgbClr val="ffffff"/>
+              <a:rPr lang="en-US" sz="1100" b="0" strike="noStrike" spc="-1">
+                <a:solidFill>
+                  <a:srgbClr val="FFFFFF"/>
                 </a:solidFill>
                 <a:uFill>
                   <a:solidFill>
-                    <a:srgbClr val="ffffff"/>
+                    <a:srgbClr val="FFFFFF"/>
                   </a:solidFill>
                 </a:uFill>
                 <a:latin typeface="Calibri"/>
                 <a:ea typeface="DejaVu Sans"/>
               </a:rPr>
-              <a:t>&lt;number&gt;</a:t>
+              <a:t>17</a:t>
             </a:fld>
-            <a:endParaRPr b="0" lang="en-US" sz="1800" spc="-1" strike="noStrike">
-              <a:solidFill>
-                <a:srgbClr val="000000"/>
-              </a:solidFill>
-              <a:uFill>
-                <a:solidFill>
-                  <a:srgbClr val="ffffff"/>
+            <a:endParaRPr lang="en-US" sz="1800" b="0" strike="noStrike" spc="-1">
+              <a:solidFill>
+                <a:srgbClr val="000000"/>
+              </a:solidFill>
+              <a:uFill>
+                <a:solidFill>
+                  <a:srgbClr val="FFFFFF"/>
                 </a:solidFill>
               </a:uFill>
               <a:latin typeface="Arial"/>
@@ -6417,13 +7298,20 @@
           </a:ln>
         </p:spPr>
         <p:style>
-          <a:lnRef idx="0"/>
-          <a:fillRef idx="0"/>
-          <a:effectRef idx="0"/>
+          <a:lnRef idx="0">
+            <a:scrgbClr r="0" g="0" b="0"/>
+          </a:lnRef>
+          <a:fillRef idx="0">
+            <a:scrgbClr r="0" g="0" b="0"/>
+          </a:fillRef>
+          <a:effectRef idx="0">
+            <a:scrgbClr r="0" g="0" b="0"/>
+          </a:effectRef>
           <a:fontRef idx="minor"/>
         </p:style>
         <p:txBody>
-          <a:bodyPr lIns="90000" rIns="90000" tIns="91440" bIns="91440"/>
+          <a:bodyPr lIns="90000" tIns="91440" rIns="90000" bIns="91440"/>
+          <a:lstStyle/>
           <a:p>
             <a:pPr algn="r">
               <a:lnSpc>
@@ -6431,13 +7319,13 @@
               </a:lnSpc>
             </a:pPr>
             <a:r>
-              <a:rPr b="1" lang="en-US" sz="2000" spc="-1" strike="noStrike">
-                <a:solidFill>
-                  <a:srgbClr val="0070c0"/>
+              <a:rPr lang="en-US" sz="2000" b="1" strike="noStrike" spc="-1">
+                <a:solidFill>
+                  <a:srgbClr val="0070C0"/>
                 </a:solidFill>
                 <a:uFill>
                   <a:solidFill>
-                    <a:srgbClr val="ffffff"/>
+                    <a:srgbClr val="FFFFFF"/>
                   </a:solidFill>
                 </a:uFill>
                 <a:latin typeface="Calibri"/>
@@ -6445,13 +7333,13 @@
               </a:rPr>
               <a:t>TortoiseGit</a:t>
             </a:r>
-            <a:endParaRPr b="0" lang="en-US" sz="1800" spc="-1" strike="noStrike">
-              <a:solidFill>
-                <a:srgbClr val="000000"/>
-              </a:solidFill>
-              <a:uFill>
-                <a:solidFill>
-                  <a:srgbClr val="ffffff"/>
+            <a:endParaRPr lang="en-US" sz="1800" b="0" strike="noStrike" spc="-1">
+              <a:solidFill>
+                <a:srgbClr val="000000"/>
+              </a:solidFill>
+              <a:uFill>
+                <a:solidFill>
+                  <a:srgbClr val="FFFFFF"/>
                 </a:solidFill>
               </a:uFill>
               <a:latin typeface="Arial"/>
@@ -6461,12 +7349,12 @@
       </p:sp>
       <p:pic>
         <p:nvPicPr>
-          <p:cNvPr id="161" name="" descr=""/>
+          <p:cNvPr id="161" name="Picture 160"/>
           <p:cNvPicPr/>
           <p:nvPr/>
         </p:nvPicPr>
         <p:blipFill>
-          <a:blip r:embed="rId1"/>
+          <a:blip r:embed="rId2"/>
           <a:stretch/>
         </p:blipFill>
         <p:spPr>
@@ -6484,22 +7372,25 @@
       </p:pic>
     </p:spTree>
   </p:cSld>
+  <p:clrMapOvr>
+    <a:masterClrMapping/>
+  </p:clrMapOvr>
   <p:timing>
     <p:tnLst>
       <p:par>
-        <p:cTn id="33" dur="indefinite" restart="never" nodeType="tmRoot">
+        <p:cTn id="1" dur="indefinite" restart="never" nodeType="tmRoot">
           <p:childTnLst>
             <p:seq>
-              <p:cTn id="34" nodeType="mainSeq"/>
+              <p:cTn id="2" nodeType="mainSeq"/>
               <p:prevCondLst>
-                <p:cond delay="0" evt="onPrev">
+                <p:cond evt="onPrev" delay="0">
                   <p:tgtEl>
                     <p:sldTgt/>
                   </p:tgtEl>
                 </p:cond>
               </p:prevCondLst>
               <p:nextCondLst>
-                <p:cond delay="0" evt="onNext">
+                <p:cond evt="onNext" delay="0">
                   <p:tgtEl>
                     <p:sldTgt/>
                   </p:tgtEl>
@@ -6515,7 +7406,7 @@
 </file>
 
 <file path=ppt/slides/slide18.xml><?xml version="1.0" encoding="utf-8"?>
-<p:sld xmlns:a="http://schemas.openxmlformats.org/drawingml/2006/main" xmlns:p="http://schemas.openxmlformats.org/presentationml/2006/main" xmlns:r="http://schemas.openxmlformats.org/officeDocument/2006/relationships" xmlns:p14="http://schemas.microsoft.com/office/powerpoint/2010/main" xmlns:p15="http://schemas.microsoft.com/office/powerpoint/2012/main" xmlns:mc="http://schemas.openxmlformats.org/markup-compatibility/2006">
+<p:sld xmlns:a="http://schemas.openxmlformats.org/drawingml/2006/main" xmlns:r="http://schemas.openxmlformats.org/officeDocument/2006/relationships" xmlns:p="http://schemas.openxmlformats.org/presentationml/2006/main">
   <p:cSld>
     <p:spTree>
       <p:nvGrpSpPr>
@@ -6551,9 +7442,15 @@
           </a:ln>
         </p:spPr>
         <p:style>
-          <a:lnRef idx="0"/>
-          <a:fillRef idx="0"/>
-          <a:effectRef idx="0"/>
+          <a:lnRef idx="0">
+            <a:scrgbClr r="0" g="0" b="0"/>
+          </a:lnRef>
+          <a:fillRef idx="0">
+            <a:scrgbClr r="0" g="0" b="0"/>
+          </a:fillRef>
+          <a:effectRef idx="0">
+            <a:scrgbClr r="0" g="0" b="0"/>
+          </a:effectRef>
           <a:fontRef idx="minor"/>
         </p:style>
       </p:sp>
@@ -6577,9 +7474,15 @@
           </a:ln>
         </p:spPr>
         <p:style>
-          <a:lnRef idx="0"/>
-          <a:fillRef idx="0"/>
-          <a:effectRef idx="0"/>
+          <a:lnRef idx="0">
+            <a:scrgbClr r="0" g="0" b="0"/>
+          </a:lnRef>
+          <a:fillRef idx="0">
+            <a:scrgbClr r="0" g="0" b="0"/>
+          </a:fillRef>
+          <a:effectRef idx="0">
+            <a:scrgbClr r="0" g="0" b="0"/>
+          </a:effectRef>
           <a:fontRef idx="minor"/>
         </p:style>
       </p:sp>
@@ -6603,13 +7506,20 @@
           </a:ln>
         </p:spPr>
         <p:style>
-          <a:lnRef idx="0"/>
-          <a:fillRef idx="0"/>
-          <a:effectRef idx="0"/>
+          <a:lnRef idx="0">
+            <a:scrgbClr r="0" g="0" b="0"/>
+          </a:lnRef>
+          <a:fillRef idx="0">
+            <a:scrgbClr r="0" g="0" b="0"/>
+          </a:fillRef>
+          <a:effectRef idx="0">
+            <a:scrgbClr r="0" g="0" b="0"/>
+          </a:effectRef>
           <a:fontRef idx="minor"/>
         </p:style>
         <p:txBody>
-          <a:bodyPr lIns="90000" rIns="90000" tIns="45000" bIns="45000" anchor="ctr"/>
+          <a:bodyPr lIns="90000" tIns="45000" rIns="90000" bIns="45000" anchor="ctr"/>
+          <a:lstStyle/>
           <a:p>
             <a:pPr algn="r">
               <a:lnSpc>
@@ -6617,27 +7527,27 @@
               </a:lnSpc>
             </a:pPr>
             <a:fld id="{2CD7B131-4AD2-4B1D-A61C-DD9B7E930B1C}" type="slidenum">
-              <a:rPr b="0" lang="en-US" sz="1100" spc="-1" strike="noStrike">
-                <a:solidFill>
-                  <a:srgbClr val="ffffff"/>
+              <a:rPr lang="en-US" sz="1100" b="0" strike="noStrike" spc="-1">
+                <a:solidFill>
+                  <a:srgbClr val="FFFFFF"/>
                 </a:solidFill>
                 <a:uFill>
                   <a:solidFill>
-                    <a:srgbClr val="ffffff"/>
+                    <a:srgbClr val="FFFFFF"/>
                   </a:solidFill>
                 </a:uFill>
                 <a:latin typeface="Calibri"/>
                 <a:ea typeface="DejaVu Sans"/>
               </a:rPr>
-              <a:t>&lt;number&gt;</a:t>
+              <a:t>18</a:t>
             </a:fld>
-            <a:endParaRPr b="0" lang="en-US" sz="1800" spc="-1" strike="noStrike">
-              <a:solidFill>
-                <a:srgbClr val="000000"/>
-              </a:solidFill>
-              <a:uFill>
-                <a:solidFill>
-                  <a:srgbClr val="ffffff"/>
+            <a:endParaRPr lang="en-US" sz="1800" b="0" strike="noStrike" spc="-1">
+              <a:solidFill>
+                <a:srgbClr val="000000"/>
+              </a:solidFill>
+              <a:uFill>
+                <a:solidFill>
+                  <a:srgbClr val="FFFFFF"/>
                 </a:solidFill>
               </a:uFill>
               <a:latin typeface="Arial"/>
@@ -6647,12 +7557,12 @@
       </p:sp>
       <p:pic>
         <p:nvPicPr>
-          <p:cNvPr id="165" name="" descr=""/>
+          <p:cNvPr id="165" name="Picture 164"/>
           <p:cNvPicPr/>
           <p:nvPr/>
         </p:nvPicPr>
         <p:blipFill>
-          <a:blip r:embed="rId1"/>
+          <a:blip r:embed="rId2"/>
           <a:stretch/>
         </p:blipFill>
         <p:spPr>
@@ -6688,13 +7598,20 @@
           </a:ln>
         </p:spPr>
         <p:style>
-          <a:lnRef idx="0"/>
-          <a:fillRef idx="0"/>
-          <a:effectRef idx="0"/>
+          <a:lnRef idx="0">
+            <a:scrgbClr r="0" g="0" b="0"/>
+          </a:lnRef>
+          <a:fillRef idx="0">
+            <a:scrgbClr r="0" g="0" b="0"/>
+          </a:fillRef>
+          <a:effectRef idx="0">
+            <a:scrgbClr r="0" g="0" b="0"/>
+          </a:effectRef>
           <a:fontRef idx="minor"/>
         </p:style>
         <p:txBody>
-          <a:bodyPr lIns="90000" rIns="90000" tIns="91440" bIns="91440"/>
+          <a:bodyPr lIns="90000" tIns="91440" rIns="90000" bIns="91440"/>
+          <a:lstStyle/>
           <a:p>
             <a:pPr algn="r">
               <a:lnSpc>
@@ -6702,13 +7619,13 @@
               </a:lnSpc>
             </a:pPr>
             <a:r>
-              <a:rPr b="1" lang="en-US" sz="2000" spc="-1" strike="noStrike">
-                <a:solidFill>
-                  <a:srgbClr val="0070c0"/>
+              <a:rPr lang="en-US" sz="2000" b="1" strike="noStrike" spc="-1">
+                <a:solidFill>
+                  <a:srgbClr val="0070C0"/>
                 </a:solidFill>
                 <a:uFill>
                   <a:solidFill>
-                    <a:srgbClr val="ffffff"/>
+                    <a:srgbClr val="FFFFFF"/>
                   </a:solidFill>
                 </a:uFill>
                 <a:latin typeface="Calibri"/>
@@ -6716,13 +7633,13 @@
               </a:rPr>
               <a:t>Пример работы с Git в комманде</a:t>
             </a:r>
-            <a:endParaRPr b="0" lang="en-US" sz="1800" spc="-1" strike="noStrike">
-              <a:solidFill>
-                <a:srgbClr val="000000"/>
-              </a:solidFill>
-              <a:uFill>
-                <a:solidFill>
-                  <a:srgbClr val="ffffff"/>
+            <a:endParaRPr lang="en-US" sz="1800" b="0" strike="noStrike" spc="-1">
+              <a:solidFill>
+                <a:srgbClr val="000000"/>
+              </a:solidFill>
+              <a:uFill>
+                <a:solidFill>
+                  <a:srgbClr val="FFFFFF"/>
                 </a:solidFill>
               </a:uFill>
               <a:latin typeface="Arial"/>
@@ -6732,22 +7649,25 @@
       </p:sp>
     </p:spTree>
   </p:cSld>
+  <p:clrMapOvr>
+    <a:masterClrMapping/>
+  </p:clrMapOvr>
   <p:timing>
     <p:tnLst>
       <p:par>
-        <p:cTn id="35" dur="indefinite" restart="never" nodeType="tmRoot">
+        <p:cTn id="1" dur="indefinite" restart="never" nodeType="tmRoot">
           <p:childTnLst>
             <p:seq>
-              <p:cTn id="36" nodeType="mainSeq"/>
+              <p:cTn id="2" nodeType="mainSeq"/>
               <p:prevCondLst>
-                <p:cond delay="0" evt="onPrev">
+                <p:cond evt="onPrev" delay="0">
                   <p:tgtEl>
                     <p:sldTgt/>
                   </p:tgtEl>
                 </p:cond>
               </p:prevCondLst>
               <p:nextCondLst>
-                <p:cond delay="0" evt="onNext">
+                <p:cond evt="onNext" delay="0">
                   <p:tgtEl>
                     <p:sldTgt/>
                   </p:tgtEl>
@@ -6763,7 +7683,7 @@
 </file>
 
 <file path=ppt/slides/slide2.xml><?xml version="1.0" encoding="utf-8"?>
-<p:sld xmlns:a="http://schemas.openxmlformats.org/drawingml/2006/main" xmlns:p="http://schemas.openxmlformats.org/presentationml/2006/main" xmlns:r="http://schemas.openxmlformats.org/officeDocument/2006/relationships" xmlns:p14="http://schemas.microsoft.com/office/powerpoint/2010/main" xmlns:p15="http://schemas.microsoft.com/office/powerpoint/2012/main" xmlns:mc="http://schemas.openxmlformats.org/markup-compatibility/2006">
+<p:sld xmlns:a="http://schemas.openxmlformats.org/drawingml/2006/main" xmlns:r="http://schemas.openxmlformats.org/officeDocument/2006/relationships" xmlns:p="http://schemas.openxmlformats.org/presentationml/2006/main">
   <p:cSld>
     <p:spTree>
       <p:nvGrpSpPr>
@@ -6799,9 +7719,15 @@
           </a:ln>
         </p:spPr>
         <p:style>
-          <a:lnRef idx="0"/>
-          <a:fillRef idx="0"/>
-          <a:effectRef idx="0"/>
+          <a:lnRef idx="0">
+            <a:scrgbClr r="0" g="0" b="0"/>
+          </a:lnRef>
+          <a:fillRef idx="0">
+            <a:scrgbClr r="0" g="0" b="0"/>
+          </a:fillRef>
+          <a:effectRef idx="0">
+            <a:scrgbClr r="0" g="0" b="0"/>
+          </a:effectRef>
           <a:fontRef idx="minor"/>
         </p:style>
       </p:sp>
@@ -6825,46 +7751,158 @@
           </a:ln>
         </p:spPr>
         <p:style>
-          <a:lnRef idx="0"/>
-          <a:fillRef idx="0"/>
-          <a:effectRef idx="0"/>
+          <a:lnRef idx="0">
+            <a:scrgbClr r="0" g="0" b="0"/>
+          </a:lnRef>
+          <a:fillRef idx="0">
+            <a:scrgbClr r="0" g="0" b="0"/>
+          </a:fillRef>
+          <a:effectRef idx="0">
+            <a:scrgbClr r="0" g="0" b="0"/>
+          </a:effectRef>
           <a:fontRef idx="minor"/>
         </p:style>
         <p:txBody>
-          <a:bodyPr lIns="90000" rIns="90000" tIns="45000" bIns="45000"/>
+          <a:bodyPr lIns="90000" tIns="45000" rIns="90000" bIns="45000"/>
+          <a:lstStyle/>
           <a:p>
             <a:pPr marL="343080" indent="-342000">
               <a:lnSpc>
                 <a:spcPct val="100000"/>
               </a:lnSpc>
               <a:buClr>
-                <a:srgbClr val="0070c0"/>
+                <a:srgbClr val="0070C0"/>
               </a:buClr>
               <a:buFont typeface="Arial"/>
               <a:buChar char="•"/>
             </a:pPr>
             <a:r>
-              <a:rPr b="0" lang="en-US" sz="1800" spc="-1" strike="noStrike">
+              <a:rPr lang="en-US" sz="1800" b="0" strike="noStrike" spc="-1" dirty="0" err="1" smtClean="0">
                 <a:solidFill>
                   <a:srgbClr val="000000"/>
                 </a:solidFill>
                 <a:uFill>
                   <a:solidFill>
-                    <a:srgbClr val="ffffff"/>
+                    <a:srgbClr val="FFFFFF"/>
                   </a:solidFill>
                 </a:uFill>
                 <a:latin typeface="Arial"/>
                 <a:ea typeface="DejaVu Sans"/>
               </a:rPr>
-              <a:t>Распределенная а не центразизованная</a:t>
+              <a:t>Распределе</a:t>
             </a:r>
-            <a:endParaRPr b="0" lang="en-US" sz="1800" spc="-1" strike="noStrike">
-              <a:solidFill>
-                <a:srgbClr val="000000"/>
-              </a:solidFill>
-              <a:uFill>
-                <a:solidFill>
-                  <a:srgbClr val="ffffff"/>
+            <a:r>
+              <a:rPr lang="ru-RU" sz="1800" b="0" strike="noStrike" spc="-1" dirty="0" smtClean="0">
+                <a:solidFill>
+                  <a:srgbClr val="000000"/>
+                </a:solidFill>
+                <a:uFill>
+                  <a:solidFill>
+                    <a:srgbClr val="FFFFFF"/>
+                  </a:solidFill>
+                </a:uFill>
+                <a:latin typeface="Arial"/>
+                <a:ea typeface="DejaVu Sans"/>
+              </a:rPr>
+              <a:t>п</a:t>
+            </a:r>
+            <a:r>
+              <a:rPr lang="en-US" sz="1800" b="0" strike="noStrike" spc="-1" dirty="0" err="1" smtClean="0">
+                <a:solidFill>
+                  <a:srgbClr val="000000"/>
+                </a:solidFill>
+                <a:uFill>
+                  <a:solidFill>
+                    <a:srgbClr val="FFFFFF"/>
+                  </a:solidFill>
+                </a:uFill>
+                <a:latin typeface="Arial"/>
+                <a:ea typeface="DejaVu Sans"/>
+              </a:rPr>
+              <a:t>нная</a:t>
+            </a:r>
+            <a:r>
+              <a:rPr lang="en-US" sz="1800" b="0" strike="noStrike" spc="-1" dirty="0" smtClean="0">
+                <a:solidFill>
+                  <a:srgbClr val="000000"/>
+                </a:solidFill>
+                <a:uFill>
+                  <a:solidFill>
+                    <a:srgbClr val="FFFFFF"/>
+                  </a:solidFill>
+                </a:uFill>
+                <a:latin typeface="Arial"/>
+                <a:ea typeface="DejaVu Sans"/>
+              </a:rPr>
+              <a:t> </a:t>
+            </a:r>
+            <a:r>
+              <a:rPr lang="en-US" sz="1800" b="0" strike="noStrike" spc="-1" dirty="0">
+                <a:solidFill>
+                  <a:srgbClr val="000000"/>
+                </a:solidFill>
+                <a:uFill>
+                  <a:solidFill>
+                    <a:srgbClr val="FFFFFF"/>
+                  </a:solidFill>
+                </a:uFill>
+                <a:latin typeface="Arial"/>
+                <a:ea typeface="DejaVu Sans"/>
+              </a:rPr>
+              <a:t>а </a:t>
+            </a:r>
+            <a:r>
+              <a:rPr lang="en-US" sz="1800" b="0" strike="noStrike" spc="-1" dirty="0" err="1">
+                <a:solidFill>
+                  <a:srgbClr val="000000"/>
+                </a:solidFill>
+                <a:uFill>
+                  <a:solidFill>
+                    <a:srgbClr val="FFFFFF"/>
+                  </a:solidFill>
+                </a:uFill>
+                <a:latin typeface="Arial"/>
+                <a:ea typeface="DejaVu Sans"/>
+              </a:rPr>
+              <a:t>не</a:t>
+            </a:r>
+            <a:r>
+              <a:rPr lang="en-US" sz="1800" b="0" strike="noStrike" spc="-1" dirty="0">
+                <a:solidFill>
+                  <a:srgbClr val="000000"/>
+                </a:solidFill>
+                <a:uFill>
+                  <a:solidFill>
+                    <a:srgbClr val="FFFFFF"/>
+                  </a:solidFill>
+                </a:uFill>
+                <a:latin typeface="Arial"/>
+                <a:ea typeface="DejaVu Sans"/>
+              </a:rPr>
+              <a:t> </a:t>
+            </a:r>
+            <a:r>
+              <a:rPr lang="en-US" sz="1800" b="0" strike="noStrike" spc="-1" dirty="0" err="1">
+                <a:solidFill>
+                  <a:srgbClr val="000000"/>
+                </a:solidFill>
+                <a:uFill>
+                  <a:solidFill>
+                    <a:srgbClr val="FFFFFF"/>
+                  </a:solidFill>
+                </a:uFill>
+                <a:latin typeface="Arial"/>
+                <a:ea typeface="DejaVu Sans"/>
+              </a:rPr>
+              <a:t>центразизованная</a:t>
+            </a:r>
+            <a:endParaRPr lang="en-US" sz="1800" b="0" strike="noStrike" spc="-1" dirty="0">
+              <a:solidFill>
+                <a:srgbClr val="000000"/>
+              </a:solidFill>
+              <a:uFill>
+                <a:solidFill>
+                  <a:srgbClr val="FFFFFF"/>
                 </a:solidFill>
               </a:uFill>
               <a:latin typeface="Arial"/>
@@ -6876,33 +7914,93 @@
                 <a:spcPct val="100000"/>
               </a:lnSpc>
               <a:buClr>
-                <a:srgbClr val="0070c0"/>
+                <a:srgbClr val="0070C0"/>
               </a:buClr>
               <a:buFont typeface="Arial"/>
               <a:buChar char="•"/>
             </a:pPr>
             <a:r>
-              <a:rPr b="0" lang="en-US" sz="1800" spc="-1" strike="noStrike">
+              <a:rPr lang="en-US" sz="1800" b="0" strike="noStrike" spc="-1" dirty="0" err="1">
                 <a:solidFill>
                   <a:srgbClr val="000000"/>
                 </a:solidFill>
                 <a:uFill>
                   <a:solidFill>
-                    <a:srgbClr val="ffffff"/>
+                    <a:srgbClr val="FFFFFF"/>
                   </a:solidFill>
                 </a:uFill>
                 <a:latin typeface="Arial"/>
                 <a:ea typeface="DejaVu Sans"/>
               </a:rPr>
-              <a:t>Снапшоты, а не патчи</a:t>
+              <a:t>Снапшоты</a:t>
             </a:r>
-            <a:endParaRPr b="0" lang="en-US" sz="1800" spc="-1" strike="noStrike">
-              <a:solidFill>
-                <a:srgbClr val="000000"/>
-              </a:solidFill>
-              <a:uFill>
-                <a:solidFill>
-                  <a:srgbClr val="ffffff"/>
+            <a:r>
+              <a:rPr lang="en-US" sz="1800" b="0" strike="noStrike" spc="-1" dirty="0">
+                <a:solidFill>
+                  <a:srgbClr val="000000"/>
+                </a:solidFill>
+                <a:uFill>
+                  <a:solidFill>
+                    <a:srgbClr val="FFFFFF"/>
+                  </a:solidFill>
+                </a:uFill>
+                <a:latin typeface="Arial"/>
+                <a:ea typeface="DejaVu Sans"/>
+              </a:rPr>
+              <a:t>, а </a:t>
+            </a:r>
+            <a:r>
+              <a:rPr lang="en-US" sz="1800" b="0" strike="noStrike" spc="-1" dirty="0" err="1">
+                <a:solidFill>
+                  <a:srgbClr val="000000"/>
+                </a:solidFill>
+                <a:uFill>
+                  <a:solidFill>
+                    <a:srgbClr val="FFFFFF"/>
+                  </a:solidFill>
+                </a:uFill>
+                <a:latin typeface="Arial"/>
+                <a:ea typeface="DejaVu Sans"/>
+              </a:rPr>
+              <a:t>не</a:t>
+            </a:r>
+            <a:r>
+              <a:rPr lang="en-US" sz="1800" b="0" strike="noStrike" spc="-1" dirty="0">
+                <a:solidFill>
+                  <a:srgbClr val="000000"/>
+                </a:solidFill>
+                <a:uFill>
+                  <a:solidFill>
+                    <a:srgbClr val="FFFFFF"/>
+                  </a:solidFill>
+                </a:uFill>
+                <a:latin typeface="Arial"/>
+                <a:ea typeface="DejaVu Sans"/>
+              </a:rPr>
+              <a:t> </a:t>
+            </a:r>
+            <a:r>
+              <a:rPr lang="en-US" sz="1800" b="0" strike="noStrike" spc="-1" dirty="0" err="1">
+                <a:solidFill>
+                  <a:srgbClr val="000000"/>
+                </a:solidFill>
+                <a:uFill>
+                  <a:solidFill>
+                    <a:srgbClr val="FFFFFF"/>
+                  </a:solidFill>
+                </a:uFill>
+                <a:latin typeface="Arial"/>
+                <a:ea typeface="DejaVu Sans"/>
+              </a:rPr>
+              <a:t>патчи</a:t>
+            </a:r>
+            <a:endParaRPr lang="en-US" sz="1800" b="0" strike="noStrike" spc="-1" dirty="0">
+              <a:solidFill>
+                <a:srgbClr val="000000"/>
+              </a:solidFill>
+              <a:uFill>
+                <a:solidFill>
+                  <a:srgbClr val="FFFFFF"/>
                 </a:solidFill>
               </a:uFill>
               <a:latin typeface="Arial"/>
@@ -6914,33 +8012,123 @@
                 <a:spcPct val="100000"/>
               </a:lnSpc>
               <a:buClr>
-                <a:srgbClr val="0070c0"/>
+                <a:srgbClr val="0070C0"/>
               </a:buClr>
               <a:buFont typeface="Arial"/>
               <a:buChar char="•"/>
             </a:pPr>
             <a:r>
-              <a:rPr b="0" lang="en-US" sz="1800" spc="-1" strike="noStrike">
+              <a:rPr lang="en-US" sz="1800" b="0" strike="noStrike" spc="-1" dirty="0" err="1">
                 <a:solidFill>
                   <a:srgbClr val="000000"/>
                 </a:solidFill>
                 <a:uFill>
                   <a:solidFill>
-                    <a:srgbClr val="ffffff"/>
+                    <a:srgbClr val="FFFFFF"/>
                   </a:solidFill>
                 </a:uFill>
                 <a:latin typeface="Arial"/>
                 <a:ea typeface="DejaVu Sans"/>
               </a:rPr>
-              <a:t>Практически все операции локальные</a:t>
+              <a:t>Практически</a:t>
             </a:r>
-            <a:endParaRPr b="0" lang="en-US" sz="1800" spc="-1" strike="noStrike">
-              <a:solidFill>
-                <a:srgbClr val="000000"/>
-              </a:solidFill>
-              <a:uFill>
-                <a:solidFill>
-                  <a:srgbClr val="ffffff"/>
+            <a:r>
+              <a:rPr lang="en-US" sz="1800" b="0" strike="noStrike" spc="-1" dirty="0">
+                <a:solidFill>
+                  <a:srgbClr val="000000"/>
+                </a:solidFill>
+                <a:uFill>
+                  <a:solidFill>
+                    <a:srgbClr val="FFFFFF"/>
+                  </a:solidFill>
+                </a:uFill>
+                <a:latin typeface="Arial"/>
+                <a:ea typeface="DejaVu Sans"/>
+              </a:rPr>
+              <a:t> </a:t>
+            </a:r>
+            <a:r>
+              <a:rPr lang="en-US" sz="1800" b="0" strike="noStrike" spc="-1" dirty="0" err="1">
+                <a:solidFill>
+                  <a:srgbClr val="000000"/>
+                </a:solidFill>
+                <a:uFill>
+                  <a:solidFill>
+                    <a:srgbClr val="FFFFFF"/>
+                  </a:solidFill>
+                </a:uFill>
+                <a:latin typeface="Arial"/>
+                <a:ea typeface="DejaVu Sans"/>
+              </a:rPr>
+              <a:t>все</a:t>
+            </a:r>
+            <a:r>
+              <a:rPr lang="en-US" sz="1800" b="0" strike="noStrike" spc="-1" dirty="0">
+                <a:solidFill>
+                  <a:srgbClr val="000000"/>
+                </a:solidFill>
+                <a:uFill>
+                  <a:solidFill>
+                    <a:srgbClr val="FFFFFF"/>
+                  </a:solidFill>
+                </a:uFill>
+                <a:latin typeface="Arial"/>
+                <a:ea typeface="DejaVu Sans"/>
+              </a:rPr>
+              <a:t> </a:t>
+            </a:r>
+            <a:r>
+              <a:rPr lang="en-US" sz="1800" b="0" strike="noStrike" spc="-1" dirty="0" err="1">
+                <a:solidFill>
+                  <a:srgbClr val="000000"/>
+                </a:solidFill>
+                <a:uFill>
+                  <a:solidFill>
+                    <a:srgbClr val="FFFFFF"/>
+                  </a:solidFill>
+                </a:uFill>
+                <a:latin typeface="Arial"/>
+                <a:ea typeface="DejaVu Sans"/>
+              </a:rPr>
+              <a:t>операции</a:t>
+            </a:r>
+            <a:r>
+              <a:rPr lang="en-US" sz="1800" b="0" strike="noStrike" spc="-1" dirty="0">
+                <a:solidFill>
+                  <a:srgbClr val="000000"/>
+                </a:solidFill>
+                <a:uFill>
+                  <a:solidFill>
+                    <a:srgbClr val="FFFFFF"/>
+                  </a:solidFill>
+                </a:uFill>
+                <a:latin typeface="Arial"/>
+                <a:ea typeface="DejaVu Sans"/>
+              </a:rPr>
+              <a:t> </a:t>
+            </a:r>
+            <a:r>
+              <a:rPr lang="en-US" sz="1800" b="0" strike="noStrike" spc="-1" dirty="0" err="1">
+                <a:solidFill>
+                  <a:srgbClr val="000000"/>
+                </a:solidFill>
+                <a:uFill>
+                  <a:solidFill>
+                    <a:srgbClr val="FFFFFF"/>
+                  </a:solidFill>
+                </a:uFill>
+                <a:latin typeface="Arial"/>
+                <a:ea typeface="DejaVu Sans"/>
+              </a:rPr>
+              <a:t>локальные</a:t>
+            </a:r>
+            <a:endParaRPr lang="en-US" sz="1800" b="0" strike="noStrike" spc="-1" dirty="0">
+              <a:solidFill>
+                <a:srgbClr val="000000"/>
+              </a:solidFill>
+              <a:uFill>
+                <a:solidFill>
+                  <a:srgbClr val="FFFFFF"/>
                 </a:solidFill>
               </a:uFill>
               <a:latin typeface="Arial"/>
@@ -6952,33 +8140,153 @@
                 <a:spcPct val="100000"/>
               </a:lnSpc>
               <a:buClr>
-                <a:srgbClr val="0070c0"/>
+                <a:srgbClr val="0070C0"/>
               </a:buClr>
               <a:buFont typeface="Arial"/>
               <a:buChar char="•"/>
             </a:pPr>
             <a:r>
-              <a:rPr b="0" lang="en-US" sz="1800" spc="-1" strike="noStrike">
+              <a:rPr lang="en-US" sz="1800" b="0" strike="noStrike" spc="-1" dirty="0" err="1">
                 <a:solidFill>
                   <a:srgbClr val="000000"/>
                 </a:solidFill>
                 <a:uFill>
                   <a:solidFill>
-                    <a:srgbClr val="ffffff"/>
+                    <a:srgbClr val="FFFFFF"/>
                   </a:solidFill>
                 </a:uFill>
                 <a:latin typeface="Arial"/>
                 <a:ea typeface="DejaVu Sans"/>
               </a:rPr>
-              <a:t>Ничего не удаляется. Только добавляется</a:t>
+              <a:t>Ничего</a:t>
             </a:r>
-            <a:endParaRPr b="0" lang="en-US" sz="1800" spc="-1" strike="noStrike">
-              <a:solidFill>
-                <a:srgbClr val="000000"/>
-              </a:solidFill>
-              <a:uFill>
-                <a:solidFill>
-                  <a:srgbClr val="ffffff"/>
+            <a:r>
+              <a:rPr lang="en-US" sz="1800" b="0" strike="noStrike" spc="-1" dirty="0">
+                <a:solidFill>
+                  <a:srgbClr val="000000"/>
+                </a:solidFill>
+                <a:uFill>
+                  <a:solidFill>
+                    <a:srgbClr val="FFFFFF"/>
+                  </a:solidFill>
+                </a:uFill>
+                <a:latin typeface="Arial"/>
+                <a:ea typeface="DejaVu Sans"/>
+              </a:rPr>
+              <a:t> </a:t>
+            </a:r>
+            <a:r>
+              <a:rPr lang="en-US" sz="1800" b="0" strike="noStrike" spc="-1" dirty="0" err="1">
+                <a:solidFill>
+                  <a:srgbClr val="000000"/>
+                </a:solidFill>
+                <a:uFill>
+                  <a:solidFill>
+                    <a:srgbClr val="FFFFFF"/>
+                  </a:solidFill>
+                </a:uFill>
+                <a:latin typeface="Arial"/>
+                <a:ea typeface="DejaVu Sans"/>
+              </a:rPr>
+              <a:t>не</a:t>
+            </a:r>
+            <a:r>
+              <a:rPr lang="en-US" sz="1800" b="0" strike="noStrike" spc="-1" dirty="0">
+                <a:solidFill>
+                  <a:srgbClr val="000000"/>
+                </a:solidFill>
+                <a:uFill>
+                  <a:solidFill>
+                    <a:srgbClr val="FFFFFF"/>
+                  </a:solidFill>
+                </a:uFill>
+                <a:latin typeface="Arial"/>
+                <a:ea typeface="DejaVu Sans"/>
+              </a:rPr>
+              <a:t> </a:t>
+            </a:r>
+            <a:r>
+              <a:rPr lang="en-US" sz="1800" b="0" strike="noStrike" spc="-1" dirty="0" err="1">
+                <a:solidFill>
+                  <a:srgbClr val="000000"/>
+                </a:solidFill>
+                <a:uFill>
+                  <a:solidFill>
+                    <a:srgbClr val="FFFFFF"/>
+                  </a:solidFill>
+                </a:uFill>
+                <a:latin typeface="Arial"/>
+                <a:ea typeface="DejaVu Sans"/>
+              </a:rPr>
+              <a:t>удаляется</a:t>
+            </a:r>
+            <a:r>
+              <a:rPr lang="en-US" sz="1800" b="0" strike="noStrike" spc="-1" dirty="0">
+                <a:solidFill>
+                  <a:srgbClr val="000000"/>
+                </a:solidFill>
+                <a:uFill>
+                  <a:solidFill>
+                    <a:srgbClr val="FFFFFF"/>
+                  </a:solidFill>
+                </a:uFill>
+                <a:latin typeface="Arial"/>
+                <a:ea typeface="DejaVu Sans"/>
+              </a:rPr>
+              <a:t>. </a:t>
+            </a:r>
+            <a:r>
+              <a:rPr lang="en-US" sz="1800" b="0" strike="noStrike" spc="-1" dirty="0" err="1">
+                <a:solidFill>
+                  <a:srgbClr val="000000"/>
+                </a:solidFill>
+                <a:uFill>
+                  <a:solidFill>
+                    <a:srgbClr val="FFFFFF"/>
+                  </a:solidFill>
+                </a:uFill>
+                <a:latin typeface="Arial"/>
+                <a:ea typeface="DejaVu Sans"/>
+              </a:rPr>
+              <a:t>Только</a:t>
+            </a:r>
+            <a:r>
+              <a:rPr lang="en-US" sz="1800" b="0" strike="noStrike" spc="-1" dirty="0">
+                <a:solidFill>
+                  <a:srgbClr val="000000"/>
+                </a:solidFill>
+                <a:uFill>
+                  <a:solidFill>
+                    <a:srgbClr val="FFFFFF"/>
+                  </a:solidFill>
+                </a:uFill>
+                <a:latin typeface="Arial"/>
+                <a:ea typeface="DejaVu Sans"/>
+              </a:rPr>
+              <a:t> </a:t>
+            </a:r>
+            <a:r>
+              <a:rPr lang="en-US" sz="1800" b="0" strike="noStrike" spc="-1" dirty="0" err="1">
+                <a:solidFill>
+                  <a:srgbClr val="000000"/>
+                </a:solidFill>
+                <a:uFill>
+                  <a:solidFill>
+                    <a:srgbClr val="FFFFFF"/>
+                  </a:solidFill>
+                </a:uFill>
+                <a:latin typeface="Arial"/>
+                <a:ea typeface="DejaVu Sans"/>
+              </a:rPr>
+              <a:t>добавляется</a:t>
+            </a:r>
+            <a:endParaRPr lang="en-US" sz="1800" b="0" strike="noStrike" spc="-1" dirty="0">
+              <a:solidFill>
+                <a:srgbClr val="000000"/>
+              </a:solidFill>
+              <a:uFill>
+                <a:solidFill>
+                  <a:srgbClr val="FFFFFF"/>
                 </a:solidFill>
               </a:uFill>
               <a:latin typeface="Arial"/>
@@ -7006,13 +8314,20 @@
           </a:ln>
         </p:spPr>
         <p:style>
-          <a:lnRef idx="0"/>
-          <a:fillRef idx="0"/>
-          <a:effectRef idx="0"/>
+          <a:lnRef idx="0">
+            <a:scrgbClr r="0" g="0" b="0"/>
+          </a:lnRef>
+          <a:fillRef idx="0">
+            <a:scrgbClr r="0" g="0" b="0"/>
+          </a:fillRef>
+          <a:effectRef idx="0">
+            <a:scrgbClr r="0" g="0" b="0"/>
+          </a:effectRef>
           <a:fontRef idx="minor"/>
         </p:style>
         <p:txBody>
-          <a:bodyPr lIns="90000" rIns="90000" tIns="45000" bIns="45000" anchor="ctr"/>
+          <a:bodyPr lIns="90000" tIns="45000" rIns="90000" bIns="45000" anchor="ctr"/>
+          <a:lstStyle/>
           <a:p>
             <a:pPr algn="r">
               <a:lnSpc>
@@ -7020,27 +8335,27 @@
               </a:lnSpc>
             </a:pPr>
             <a:fld id="{09578C46-57A7-4F0C-AD63-229EFBC18A5F}" type="slidenum">
-              <a:rPr b="0" lang="en-US" sz="1100" spc="-1" strike="noStrike">
-                <a:solidFill>
-                  <a:srgbClr val="ffffff"/>
+              <a:rPr lang="en-US" sz="1100" b="0" strike="noStrike" spc="-1">
+                <a:solidFill>
+                  <a:srgbClr val="FFFFFF"/>
                 </a:solidFill>
                 <a:uFill>
                   <a:solidFill>
-                    <a:srgbClr val="ffffff"/>
+                    <a:srgbClr val="FFFFFF"/>
                   </a:solidFill>
                 </a:uFill>
                 <a:latin typeface="Calibri"/>
                 <a:ea typeface="DejaVu Sans"/>
               </a:rPr>
-              <a:t>&lt;number&gt;</a:t>
+              <a:t>2</a:t>
             </a:fld>
-            <a:endParaRPr b="0" lang="en-US" sz="1800" spc="-1" strike="noStrike">
-              <a:solidFill>
-                <a:srgbClr val="000000"/>
-              </a:solidFill>
-              <a:uFill>
-                <a:solidFill>
-                  <a:srgbClr val="ffffff"/>
+            <a:endParaRPr lang="en-US" sz="1800" b="0" strike="noStrike" spc="-1">
+              <a:solidFill>
+                <a:srgbClr val="000000"/>
+              </a:solidFill>
+              <a:uFill>
+                <a:solidFill>
+                  <a:srgbClr val="FFFFFF"/>
                 </a:solidFill>
               </a:uFill>
               <a:latin typeface="Arial"/>
@@ -7068,13 +8383,20 @@
           </a:ln>
         </p:spPr>
         <p:style>
-          <a:lnRef idx="0"/>
-          <a:fillRef idx="0"/>
-          <a:effectRef idx="0"/>
+          <a:lnRef idx="0">
+            <a:scrgbClr r="0" g="0" b="0"/>
+          </a:lnRef>
+          <a:fillRef idx="0">
+            <a:scrgbClr r="0" g="0" b="0"/>
+          </a:fillRef>
+          <a:effectRef idx="0">
+            <a:scrgbClr r="0" g="0" b="0"/>
+          </a:effectRef>
           <a:fontRef idx="minor"/>
         </p:style>
         <p:txBody>
-          <a:bodyPr lIns="90000" rIns="90000" tIns="91440" bIns="91440"/>
+          <a:bodyPr lIns="90000" tIns="91440" rIns="90000" bIns="91440"/>
+          <a:lstStyle/>
           <a:p>
             <a:pPr algn="r">
               <a:lnSpc>
@@ -7082,13 +8404,13 @@
               </a:lnSpc>
             </a:pPr>
             <a:r>
-              <a:rPr b="1" lang="en-US" sz="2000" spc="-1" strike="noStrike">
-                <a:solidFill>
-                  <a:srgbClr val="0070c0"/>
+              <a:rPr lang="en-US" sz="2000" b="1" strike="noStrike" spc="-1">
+                <a:solidFill>
+                  <a:srgbClr val="0070C0"/>
                 </a:solidFill>
                 <a:uFill>
                   <a:solidFill>
-                    <a:srgbClr val="ffffff"/>
+                    <a:srgbClr val="FFFFFF"/>
                   </a:solidFill>
                 </a:uFill>
                 <a:latin typeface="Calibri"/>
@@ -7096,13 +8418,13 @@
               </a:rPr>
               <a:t>Отличия Git и SVN</a:t>
             </a:r>
-            <a:endParaRPr b="0" lang="en-US" sz="1800" spc="-1" strike="noStrike">
-              <a:solidFill>
-                <a:srgbClr val="000000"/>
-              </a:solidFill>
-              <a:uFill>
-                <a:solidFill>
-                  <a:srgbClr val="ffffff"/>
+            <a:endParaRPr lang="en-US" sz="1800" b="0" strike="noStrike" spc="-1">
+              <a:solidFill>
+                <a:srgbClr val="000000"/>
+              </a:solidFill>
+              <a:uFill>
+                <a:solidFill>
+                  <a:srgbClr val="FFFFFF"/>
                 </a:solidFill>
               </a:uFill>
               <a:latin typeface="Arial"/>
@@ -7112,22 +8434,25 @@
       </p:sp>
     </p:spTree>
   </p:cSld>
+  <p:clrMapOvr>
+    <a:masterClrMapping/>
+  </p:clrMapOvr>
   <p:timing>
     <p:tnLst>
       <p:par>
-        <p:cTn id="3" dur="indefinite" restart="never" nodeType="tmRoot">
+        <p:cTn id="1" dur="indefinite" restart="never" nodeType="tmRoot">
           <p:childTnLst>
             <p:seq>
-              <p:cTn id="4" nodeType="mainSeq"/>
+              <p:cTn id="2" nodeType="mainSeq"/>
               <p:prevCondLst>
-                <p:cond delay="0" evt="onPrev">
+                <p:cond evt="onPrev" delay="0">
                   <p:tgtEl>
                     <p:sldTgt/>
                   </p:tgtEl>
                 </p:cond>
               </p:prevCondLst>
               <p:nextCondLst>
-                <p:cond delay="0" evt="onNext">
+                <p:cond evt="onNext" delay="0">
                   <p:tgtEl>
                     <p:sldTgt/>
                   </p:tgtEl>
@@ -7143,7 +8468,7 @@
 </file>
 
 <file path=ppt/slides/slide3.xml><?xml version="1.0" encoding="utf-8"?>
-<p:sld xmlns:a="http://schemas.openxmlformats.org/drawingml/2006/main" xmlns:p="http://schemas.openxmlformats.org/presentationml/2006/main" xmlns:r="http://schemas.openxmlformats.org/officeDocument/2006/relationships" xmlns:p14="http://schemas.microsoft.com/office/powerpoint/2010/main" xmlns:p15="http://schemas.microsoft.com/office/powerpoint/2012/main" xmlns:mc="http://schemas.openxmlformats.org/markup-compatibility/2006">
+<p:sld xmlns:a="http://schemas.openxmlformats.org/drawingml/2006/main" xmlns:r="http://schemas.openxmlformats.org/officeDocument/2006/relationships" xmlns:p="http://schemas.openxmlformats.org/presentationml/2006/main">
   <p:cSld>
     <p:spTree>
       <p:nvGrpSpPr>
@@ -7179,9 +8504,15 @@
           </a:ln>
         </p:spPr>
         <p:style>
-          <a:lnRef idx="0"/>
-          <a:fillRef idx="0"/>
-          <a:effectRef idx="0"/>
+          <a:lnRef idx="0">
+            <a:scrgbClr r="0" g="0" b="0"/>
+          </a:lnRef>
+          <a:fillRef idx="0">
+            <a:scrgbClr r="0" g="0" b="0"/>
+          </a:fillRef>
+          <a:effectRef idx="0">
+            <a:scrgbClr r="0" g="0" b="0"/>
+          </a:effectRef>
           <a:fontRef idx="minor"/>
         </p:style>
       </p:sp>
@@ -7205,13 +8536,20 @@
           </a:ln>
         </p:spPr>
         <p:style>
-          <a:lnRef idx="0"/>
-          <a:fillRef idx="0"/>
-          <a:effectRef idx="0"/>
+          <a:lnRef idx="0">
+            <a:scrgbClr r="0" g="0" b="0"/>
+          </a:lnRef>
+          <a:fillRef idx="0">
+            <a:scrgbClr r="0" g="0" b="0"/>
+          </a:fillRef>
+          <a:effectRef idx="0">
+            <a:scrgbClr r="0" g="0" b="0"/>
+          </a:effectRef>
           <a:fontRef idx="minor"/>
         </p:style>
         <p:txBody>
-          <a:bodyPr lIns="90000" rIns="90000" tIns="45000" bIns="45000"/>
+          <a:bodyPr lIns="90000" tIns="45000" rIns="90000" bIns="45000"/>
+          <a:lstStyle/>
           <a:p>
             <a:pPr marL="216000" indent="-215640">
               <a:lnSpc>
@@ -7225,13 +8563,13 @@
               <a:buChar char=""/>
             </a:pPr>
             <a:r>
-              <a:rPr b="0" lang="en-US" sz="2000" spc="-1" strike="noStrike">
+              <a:rPr lang="en-US" sz="2000" b="0" strike="noStrike" spc="-1">
                 <a:solidFill>
                   <a:srgbClr val="000000"/>
                 </a:solidFill>
                 <a:uFill>
                   <a:solidFill>
-                    <a:srgbClr val="ffffff"/>
+                    <a:srgbClr val="FFFFFF"/>
                   </a:solidFill>
                 </a:uFill>
                 <a:latin typeface="Calibri"/>
@@ -7239,13 +8577,13 @@
               </a:rPr>
               <a:t>дерево файлов</a:t>
             </a:r>
-            <a:endParaRPr b="0" lang="en-US" sz="1800" spc="-1" strike="noStrike">
-              <a:solidFill>
-                <a:srgbClr val="000000"/>
-              </a:solidFill>
-              <a:uFill>
-                <a:solidFill>
-                  <a:srgbClr val="ffffff"/>
+            <a:endParaRPr lang="en-US" sz="1800" b="0" strike="noStrike" spc="-1">
+              <a:solidFill>
+                <a:srgbClr val="000000"/>
+              </a:solidFill>
+              <a:uFill>
+                <a:solidFill>
+                  <a:srgbClr val="FFFFFF"/>
                 </a:solidFill>
               </a:uFill>
               <a:latin typeface="Arial"/>
@@ -7264,13 +8602,13 @@
               <a:buChar char=""/>
             </a:pPr>
             <a:r>
-              <a:rPr b="0" lang="en-US" sz="2000" spc="-1" strike="noStrike">
+              <a:rPr lang="en-US" sz="2000" b="0" strike="noStrike" spc="-1">
                 <a:solidFill>
                   <a:srgbClr val="000000"/>
                 </a:solidFill>
                 <a:uFill>
                   <a:solidFill>
-                    <a:srgbClr val="ffffff"/>
+                    <a:srgbClr val="FFFFFF"/>
                   </a:solidFill>
                 </a:uFill>
                 <a:latin typeface="Calibri"/>
@@ -7278,13 +8616,13 @@
               </a:rPr>
               <a:t>метаданные. Набор параметров коммита, например, сообщение, автор, дата и так далее</a:t>
             </a:r>
-            <a:endParaRPr b="0" lang="en-US" sz="1800" spc="-1" strike="noStrike">
-              <a:solidFill>
-                <a:srgbClr val="000000"/>
-              </a:solidFill>
-              <a:uFill>
-                <a:solidFill>
-                  <a:srgbClr val="ffffff"/>
+            <a:endParaRPr lang="en-US" sz="1800" b="0" strike="noStrike" spc="-1">
+              <a:solidFill>
+                <a:srgbClr val="000000"/>
+              </a:solidFill>
+              <a:uFill>
+                <a:solidFill>
+                  <a:srgbClr val="FFFFFF"/>
                 </a:solidFill>
               </a:uFill>
               <a:latin typeface="Arial"/>
@@ -7303,13 +8641,13 @@
               <a:buChar char=""/>
             </a:pPr>
             <a:r>
-              <a:rPr b="0" lang="en-US" sz="2000" spc="-1" strike="noStrike">
+              <a:rPr lang="en-US" sz="2000" b="0" strike="noStrike" spc="-1">
                 <a:solidFill>
                   <a:srgbClr val="000000"/>
                 </a:solidFill>
                 <a:uFill>
                   <a:solidFill>
-                    <a:srgbClr val="ffffff"/>
+                    <a:srgbClr val="FFFFFF"/>
                   </a:solidFill>
                 </a:uFill>
                 <a:latin typeface="Calibri"/>
@@ -7317,13 +8655,13 @@
               </a:rPr>
               <a:t>идентификатор родительского коммита (или несколько родительских коммитов. Исключение первый коммит без родителя)</a:t>
             </a:r>
-            <a:endParaRPr b="0" lang="en-US" sz="1800" spc="-1" strike="noStrike">
-              <a:solidFill>
-                <a:srgbClr val="000000"/>
-              </a:solidFill>
-              <a:uFill>
-                <a:solidFill>
-                  <a:srgbClr val="ffffff"/>
+            <a:endParaRPr lang="en-US" sz="1800" b="0" strike="noStrike" spc="-1">
+              <a:solidFill>
+                <a:srgbClr val="000000"/>
+              </a:solidFill>
+              <a:uFill>
+                <a:solidFill>
+                  <a:srgbClr val="FFFFFF"/>
                 </a:solidFill>
               </a:uFill>
               <a:latin typeface="Arial"/>
@@ -7335,13 +8673,13 @@
                 <a:spcPct val="100000"/>
               </a:lnSpc>
             </a:pPr>
-            <a:endParaRPr b="0" lang="en-US" sz="1800" spc="-1" strike="noStrike">
-              <a:solidFill>
-                <a:srgbClr val="000000"/>
-              </a:solidFill>
-              <a:uFill>
-                <a:solidFill>
-                  <a:srgbClr val="ffffff"/>
+            <a:endParaRPr lang="en-US" sz="1800" b="0" strike="noStrike" spc="-1">
+              <a:solidFill>
+                <a:srgbClr val="000000"/>
+              </a:solidFill>
+              <a:uFill>
+                <a:solidFill>
+                  <a:srgbClr val="FFFFFF"/>
                 </a:solidFill>
               </a:uFill>
               <a:latin typeface="Arial"/>
@@ -7369,13 +8707,20 @@
           </a:ln>
         </p:spPr>
         <p:style>
-          <a:lnRef idx="0"/>
-          <a:fillRef idx="0"/>
-          <a:effectRef idx="0"/>
+          <a:lnRef idx="0">
+            <a:scrgbClr r="0" g="0" b="0"/>
+          </a:lnRef>
+          <a:fillRef idx="0">
+            <a:scrgbClr r="0" g="0" b="0"/>
+          </a:fillRef>
+          <a:effectRef idx="0">
+            <a:scrgbClr r="0" g="0" b="0"/>
+          </a:effectRef>
           <a:fontRef idx="minor"/>
         </p:style>
         <p:txBody>
-          <a:bodyPr lIns="90000" rIns="90000" tIns="45000" bIns="45000" anchor="ctr"/>
+          <a:bodyPr lIns="90000" tIns="45000" rIns="90000" bIns="45000" anchor="ctr"/>
+          <a:lstStyle/>
           <a:p>
             <a:pPr algn="r">
               <a:lnSpc>
@@ -7383,27 +8728,27 @@
               </a:lnSpc>
             </a:pPr>
             <a:fld id="{9C68100F-99EB-44E3-A8BE-76C600410BE2}" type="slidenum">
-              <a:rPr b="0" lang="en-US" sz="1100" spc="-1" strike="noStrike">
-                <a:solidFill>
-                  <a:srgbClr val="ffffff"/>
+              <a:rPr lang="en-US" sz="1100" b="0" strike="noStrike" spc="-1">
+                <a:solidFill>
+                  <a:srgbClr val="FFFFFF"/>
                 </a:solidFill>
                 <a:uFill>
                   <a:solidFill>
-                    <a:srgbClr val="ffffff"/>
+                    <a:srgbClr val="FFFFFF"/>
                   </a:solidFill>
                 </a:uFill>
                 <a:latin typeface="Calibri"/>
                 <a:ea typeface="DejaVu Sans"/>
               </a:rPr>
-              <a:t>&lt;number&gt;</a:t>
+              <a:t>3</a:t>
             </a:fld>
-            <a:endParaRPr b="0" lang="en-US" sz="1800" spc="-1" strike="noStrike">
-              <a:solidFill>
-                <a:srgbClr val="000000"/>
-              </a:solidFill>
-              <a:uFill>
-                <a:solidFill>
-                  <a:srgbClr val="ffffff"/>
+            <a:endParaRPr lang="en-US" sz="1800" b="0" strike="noStrike" spc="-1">
+              <a:solidFill>
+                <a:srgbClr val="000000"/>
+              </a:solidFill>
+              <a:uFill>
+                <a:solidFill>
+                  <a:srgbClr val="FFFFFF"/>
                 </a:solidFill>
               </a:uFill>
               <a:latin typeface="Arial"/>
@@ -7431,13 +8776,20 @@
           </a:ln>
         </p:spPr>
         <p:style>
-          <a:lnRef idx="0"/>
-          <a:fillRef idx="0"/>
-          <a:effectRef idx="0"/>
+          <a:lnRef idx="0">
+            <a:scrgbClr r="0" g="0" b="0"/>
+          </a:lnRef>
+          <a:fillRef idx="0">
+            <a:scrgbClr r="0" g="0" b="0"/>
+          </a:fillRef>
+          <a:effectRef idx="0">
+            <a:scrgbClr r="0" g="0" b="0"/>
+          </a:effectRef>
           <a:fontRef idx="minor"/>
         </p:style>
         <p:txBody>
-          <a:bodyPr lIns="90000" rIns="90000" tIns="91440" bIns="91440"/>
+          <a:bodyPr lIns="90000" tIns="91440" rIns="90000" bIns="91440"/>
+          <a:lstStyle/>
           <a:p>
             <a:pPr algn="r">
               <a:lnSpc>
@@ -7445,13 +8797,13 @@
               </a:lnSpc>
             </a:pPr>
             <a:r>
-              <a:rPr b="1" lang="en-US" sz="2000" spc="-1" strike="noStrike">
-                <a:solidFill>
-                  <a:srgbClr val="0070c0"/>
+              <a:rPr lang="en-US" sz="2000" b="1" strike="noStrike" spc="-1">
+                <a:solidFill>
+                  <a:srgbClr val="0070C0"/>
                 </a:solidFill>
                 <a:uFill>
                   <a:solidFill>
-                    <a:srgbClr val="ffffff"/>
+                    <a:srgbClr val="FFFFFF"/>
                   </a:solidFill>
                 </a:uFill>
                 <a:latin typeface="Calibri"/>
@@ -7459,13 +8811,13 @@
               </a:rPr>
               <a:t>Внутренняя структура Commit</a:t>
             </a:r>
-            <a:endParaRPr b="0" lang="en-US" sz="1800" spc="-1" strike="noStrike">
-              <a:solidFill>
-                <a:srgbClr val="000000"/>
-              </a:solidFill>
-              <a:uFill>
-                <a:solidFill>
-                  <a:srgbClr val="ffffff"/>
+            <a:endParaRPr lang="en-US" sz="1800" b="0" strike="noStrike" spc="-1">
+              <a:solidFill>
+                <a:srgbClr val="000000"/>
+              </a:solidFill>
+              <a:uFill>
+                <a:solidFill>
+                  <a:srgbClr val="FFFFFF"/>
                 </a:solidFill>
               </a:uFill>
               <a:latin typeface="Arial"/>
@@ -7475,22 +8827,25 @@
       </p:sp>
     </p:spTree>
   </p:cSld>
+  <p:clrMapOvr>
+    <a:masterClrMapping/>
+  </p:clrMapOvr>
   <p:timing>
     <p:tnLst>
       <p:par>
-        <p:cTn id="5" dur="indefinite" restart="never" nodeType="tmRoot">
+        <p:cTn id="1" dur="indefinite" restart="never" nodeType="tmRoot">
           <p:childTnLst>
             <p:seq>
-              <p:cTn id="6" nodeType="mainSeq"/>
+              <p:cTn id="2" nodeType="mainSeq"/>
               <p:prevCondLst>
-                <p:cond delay="0" evt="onPrev">
+                <p:cond evt="onPrev" delay="0">
                   <p:tgtEl>
                     <p:sldTgt/>
                   </p:tgtEl>
                 </p:cond>
               </p:prevCondLst>
               <p:nextCondLst>
-                <p:cond delay="0" evt="onNext">
+                <p:cond evt="onNext" delay="0">
                   <p:tgtEl>
                     <p:sldTgt/>
                   </p:tgtEl>
@@ -7506,7 +8861,7 @@
 </file>
 
 <file path=ppt/slides/slide4.xml><?xml version="1.0" encoding="utf-8"?>
-<p:sld xmlns:a="http://schemas.openxmlformats.org/drawingml/2006/main" xmlns:p="http://schemas.openxmlformats.org/presentationml/2006/main" xmlns:r="http://schemas.openxmlformats.org/officeDocument/2006/relationships" xmlns:p14="http://schemas.microsoft.com/office/powerpoint/2010/main" xmlns:p15="http://schemas.microsoft.com/office/powerpoint/2012/main" xmlns:mc="http://schemas.openxmlformats.org/markup-compatibility/2006">
+<p:sld xmlns:a="http://schemas.openxmlformats.org/drawingml/2006/main" xmlns:r="http://schemas.openxmlformats.org/officeDocument/2006/relationships" xmlns:p="http://schemas.openxmlformats.org/presentationml/2006/main">
   <p:cSld>
     <p:spTree>
       <p:nvGrpSpPr>
@@ -7542,9 +8897,15 @@
           </a:ln>
         </p:spPr>
         <p:style>
-          <a:lnRef idx="0"/>
-          <a:fillRef idx="0"/>
-          <a:effectRef idx="0"/>
+          <a:lnRef idx="0">
+            <a:scrgbClr r="0" g="0" b="0"/>
+          </a:lnRef>
+          <a:fillRef idx="0">
+            <a:scrgbClr r="0" g="0" b="0"/>
+          </a:fillRef>
+          <a:effectRef idx="0">
+            <a:scrgbClr r="0" g="0" b="0"/>
+          </a:effectRef>
           <a:fontRef idx="minor"/>
         </p:style>
       </p:sp>
@@ -7568,9 +8929,15 @@
           </a:ln>
         </p:spPr>
         <p:style>
-          <a:lnRef idx="0"/>
-          <a:fillRef idx="0"/>
-          <a:effectRef idx="0"/>
+          <a:lnRef idx="0">
+            <a:scrgbClr r="0" g="0" b="0"/>
+          </a:lnRef>
+          <a:fillRef idx="0">
+            <a:scrgbClr r="0" g="0" b="0"/>
+          </a:fillRef>
+          <a:effectRef idx="0">
+            <a:scrgbClr r="0" g="0" b="0"/>
+          </a:effectRef>
           <a:fontRef idx="minor"/>
         </p:style>
       </p:sp>
@@ -7594,13 +8961,20 @@
           </a:ln>
         </p:spPr>
         <p:style>
-          <a:lnRef idx="0"/>
-          <a:fillRef idx="0"/>
-          <a:effectRef idx="0"/>
+          <a:lnRef idx="0">
+            <a:scrgbClr r="0" g="0" b="0"/>
+          </a:lnRef>
+          <a:fillRef idx="0">
+            <a:scrgbClr r="0" g="0" b="0"/>
+          </a:fillRef>
+          <a:effectRef idx="0">
+            <a:scrgbClr r="0" g="0" b="0"/>
+          </a:effectRef>
           <a:fontRef idx="minor"/>
         </p:style>
         <p:txBody>
-          <a:bodyPr lIns="90000" rIns="90000" tIns="45000" bIns="45000" anchor="ctr"/>
+          <a:bodyPr lIns="90000" tIns="45000" rIns="90000" bIns="45000" anchor="ctr"/>
+          <a:lstStyle/>
           <a:p>
             <a:pPr algn="r">
               <a:lnSpc>
@@ -7608,27 +8982,27 @@
               </a:lnSpc>
             </a:pPr>
             <a:fld id="{F1DE2AED-A14A-4B73-AEC4-A2597841E029}" type="slidenum">
-              <a:rPr b="0" lang="en-US" sz="1100" spc="-1" strike="noStrike">
-                <a:solidFill>
-                  <a:srgbClr val="ffffff"/>
+              <a:rPr lang="en-US" sz="1100" b="0" strike="noStrike" spc="-1">
+                <a:solidFill>
+                  <a:srgbClr val="FFFFFF"/>
                 </a:solidFill>
                 <a:uFill>
                   <a:solidFill>
-                    <a:srgbClr val="ffffff"/>
+                    <a:srgbClr val="FFFFFF"/>
                   </a:solidFill>
                 </a:uFill>
                 <a:latin typeface="Calibri"/>
                 <a:ea typeface="DejaVu Sans"/>
               </a:rPr>
-              <a:t>&lt;number&gt;</a:t>
+              <a:t>4</a:t>
             </a:fld>
-            <a:endParaRPr b="0" lang="en-US" sz="1800" spc="-1" strike="noStrike">
-              <a:solidFill>
-                <a:srgbClr val="000000"/>
-              </a:solidFill>
-              <a:uFill>
-                <a:solidFill>
-                  <a:srgbClr val="ffffff"/>
+            <a:endParaRPr lang="en-US" sz="1800" b="0" strike="noStrike" spc="-1">
+              <a:solidFill>
+                <a:srgbClr val="000000"/>
+              </a:solidFill>
+              <a:uFill>
+                <a:solidFill>
+                  <a:srgbClr val="FFFFFF"/>
                 </a:solidFill>
               </a:uFill>
               <a:latin typeface="Arial"/>
@@ -7656,13 +9030,20 @@
           </a:ln>
         </p:spPr>
         <p:style>
-          <a:lnRef idx="0"/>
-          <a:fillRef idx="0"/>
-          <a:effectRef idx="0"/>
+          <a:lnRef idx="0">
+            <a:scrgbClr r="0" g="0" b="0"/>
+          </a:lnRef>
+          <a:fillRef idx="0">
+            <a:scrgbClr r="0" g="0" b="0"/>
+          </a:fillRef>
+          <a:effectRef idx="0">
+            <a:scrgbClr r="0" g="0" b="0"/>
+          </a:effectRef>
           <a:fontRef idx="minor"/>
         </p:style>
         <p:txBody>
-          <a:bodyPr lIns="90000" rIns="90000" tIns="91440" bIns="91440"/>
+          <a:bodyPr lIns="90000" tIns="91440" rIns="90000" bIns="91440"/>
+          <a:lstStyle/>
           <a:p>
             <a:pPr algn="r">
               <a:lnSpc>
@@ -7670,13 +9051,13 @@
               </a:lnSpc>
             </a:pPr>
             <a:r>
-              <a:rPr b="1" lang="en-US" sz="2000" spc="-1" strike="noStrike">
-                <a:solidFill>
-                  <a:srgbClr val="0070c0"/>
+              <a:rPr lang="en-US" sz="2000" b="1" strike="noStrike" spc="-1">
+                <a:solidFill>
+                  <a:srgbClr val="0070C0"/>
                 </a:solidFill>
                 <a:uFill>
                   <a:solidFill>
-                    <a:srgbClr val="ffffff"/>
+                    <a:srgbClr val="FFFFFF"/>
                   </a:solidFill>
                 </a:uFill>
                 <a:latin typeface="Calibri"/>
@@ -7684,13 +9065,13 @@
               </a:rPr>
               <a:t>Commit изнутри</a:t>
             </a:r>
-            <a:endParaRPr b="0" lang="en-US" sz="1800" spc="-1" strike="noStrike">
-              <a:solidFill>
-                <a:srgbClr val="000000"/>
-              </a:solidFill>
-              <a:uFill>
-                <a:solidFill>
-                  <a:srgbClr val="ffffff"/>
+            <a:endParaRPr lang="en-US" sz="1800" b="0" strike="noStrike" spc="-1">
+              <a:solidFill>
+                <a:srgbClr val="000000"/>
+              </a:solidFill>
+              <a:uFill>
+                <a:solidFill>
+                  <a:srgbClr val="FFFFFF"/>
                 </a:solidFill>
               </a:uFill>
               <a:latin typeface="Arial"/>
@@ -7700,12 +9081,12 @@
       </p:sp>
       <p:pic>
         <p:nvPicPr>
-          <p:cNvPr id="87" name="Picture 86" descr=""/>
+          <p:cNvPr id="87" name="Picture 86"/>
           <p:cNvPicPr/>
           <p:nvPr/>
         </p:nvPicPr>
         <p:blipFill>
-          <a:blip r:embed="rId1"/>
+          <a:blip r:embed="rId2"/>
           <a:stretch/>
         </p:blipFill>
         <p:spPr>
@@ -7723,22 +9104,25 @@
       </p:pic>
     </p:spTree>
   </p:cSld>
+  <p:clrMapOvr>
+    <a:masterClrMapping/>
+  </p:clrMapOvr>
   <p:timing>
     <p:tnLst>
       <p:par>
-        <p:cTn id="7" dur="indefinite" restart="never" nodeType="tmRoot">
+        <p:cTn id="1" dur="indefinite" restart="never" nodeType="tmRoot">
           <p:childTnLst>
             <p:seq>
-              <p:cTn id="8" nodeType="mainSeq"/>
+              <p:cTn id="2" nodeType="mainSeq"/>
               <p:prevCondLst>
-                <p:cond delay="0" evt="onPrev">
+                <p:cond evt="onPrev" delay="0">
                   <p:tgtEl>
                     <p:sldTgt/>
                   </p:tgtEl>
                 </p:cond>
               </p:prevCondLst>
               <p:nextCondLst>
-                <p:cond delay="0" evt="onNext">
+                <p:cond evt="onNext" delay="0">
                   <p:tgtEl>
                     <p:sldTgt/>
                   </p:tgtEl>
@@ -7754,7 +9138,7 @@
 </file>
 
 <file path=ppt/slides/slide5.xml><?xml version="1.0" encoding="utf-8"?>
-<p:sld xmlns:a="http://schemas.openxmlformats.org/drawingml/2006/main" xmlns:p="http://schemas.openxmlformats.org/presentationml/2006/main" xmlns:r="http://schemas.openxmlformats.org/officeDocument/2006/relationships" xmlns:p14="http://schemas.microsoft.com/office/powerpoint/2010/main" xmlns:p15="http://schemas.microsoft.com/office/powerpoint/2012/main" xmlns:mc="http://schemas.openxmlformats.org/markup-compatibility/2006">
+<p:sld xmlns:a="http://schemas.openxmlformats.org/drawingml/2006/main" xmlns:r="http://schemas.openxmlformats.org/officeDocument/2006/relationships" xmlns:p="http://schemas.openxmlformats.org/presentationml/2006/main">
   <p:cSld>
     <p:spTree>
       <p:nvGrpSpPr>
@@ -7790,9 +9174,15 @@
           </a:ln>
         </p:spPr>
         <p:style>
-          <a:lnRef idx="0"/>
-          <a:fillRef idx="0"/>
-          <a:effectRef idx="0"/>
+          <a:lnRef idx="0">
+            <a:scrgbClr r="0" g="0" b="0"/>
+          </a:lnRef>
+          <a:fillRef idx="0">
+            <a:scrgbClr r="0" g="0" b="0"/>
+          </a:fillRef>
+          <a:effectRef idx="0">
+            <a:scrgbClr r="0" g="0" b="0"/>
+          </a:effectRef>
           <a:fontRef idx="minor"/>
         </p:style>
       </p:sp>
@@ -7816,13 +9206,20 @@
           </a:ln>
         </p:spPr>
         <p:style>
-          <a:lnRef idx="0"/>
-          <a:fillRef idx="0"/>
-          <a:effectRef idx="0"/>
+          <a:lnRef idx="0">
+            <a:scrgbClr r="0" g="0" b="0"/>
+          </a:lnRef>
+          <a:fillRef idx="0">
+            <a:scrgbClr r="0" g="0" b="0"/>
+          </a:fillRef>
+          <a:effectRef idx="0">
+            <a:scrgbClr r="0" g="0" b="0"/>
+          </a:effectRef>
           <a:fontRef idx="minor"/>
         </p:style>
         <p:txBody>
-          <a:bodyPr lIns="90000" rIns="90000" tIns="45000" bIns="45000"/>
+          <a:bodyPr lIns="90000" tIns="45000" rIns="90000" bIns="45000"/>
+          <a:lstStyle/>
           <a:p>
             <a:pPr marL="216000" indent="-215640">
               <a:lnSpc>
@@ -7836,13 +9233,13 @@
               <a:buChar char=""/>
             </a:pPr>
             <a:r>
-              <a:rPr b="0" lang="en-US" sz="2000" spc="-1" strike="noStrike">
+              <a:rPr lang="en-US" sz="2000" b="0" strike="noStrike" spc="-1">
                 <a:solidFill>
                   <a:srgbClr val="000000"/>
                 </a:solidFill>
                 <a:uFill>
                   <a:solidFill>
-                    <a:srgbClr val="ffffff"/>
+                    <a:srgbClr val="FFFFFF"/>
                   </a:solidFill>
                 </a:uFill>
                 <a:latin typeface="Calibri"/>
@@ -7850,13 +9247,13 @@
               </a:rPr>
               <a:t>Ветки это ссылки на коммиты</a:t>
             </a:r>
-            <a:endParaRPr b="0" lang="en-US" sz="1800" spc="-1" strike="noStrike">
-              <a:solidFill>
-                <a:srgbClr val="000000"/>
-              </a:solidFill>
-              <a:uFill>
-                <a:solidFill>
-                  <a:srgbClr val="ffffff"/>
+            <a:endParaRPr lang="en-US" sz="1800" b="0" strike="noStrike" spc="-1">
+              <a:solidFill>
+                <a:srgbClr val="000000"/>
+              </a:solidFill>
+              <a:uFill>
+                <a:solidFill>
+                  <a:srgbClr val="FFFFFF"/>
                 </a:solidFill>
               </a:uFill>
               <a:latin typeface="Arial"/>
@@ -7875,13 +9272,13 @@
               <a:buChar char=""/>
             </a:pPr>
             <a:r>
-              <a:rPr b="0" lang="en-US" sz="2000" spc="-1" strike="noStrike">
+              <a:rPr lang="en-US" sz="2000" b="0" strike="noStrike" spc="-1">
                 <a:solidFill>
                   <a:srgbClr val="000000"/>
                 </a:solidFill>
                 <a:uFill>
                   <a:solidFill>
-                    <a:srgbClr val="ffffff"/>
+                    <a:srgbClr val="FFFFFF"/>
                   </a:solidFill>
                 </a:uFill>
                 <a:latin typeface="Calibri"/>
@@ -7889,13 +9286,13 @@
               </a:rPr>
               <a:t>HEAD указывает на ветку или коммит на который переключена рабочая копия</a:t>
             </a:r>
-            <a:endParaRPr b="0" lang="en-US" sz="1800" spc="-1" strike="noStrike">
-              <a:solidFill>
-                <a:srgbClr val="000000"/>
-              </a:solidFill>
-              <a:uFill>
-                <a:solidFill>
-                  <a:srgbClr val="ffffff"/>
+            <a:endParaRPr lang="en-US" sz="1800" b="0" strike="noStrike" spc="-1">
+              <a:solidFill>
+                <a:srgbClr val="000000"/>
+              </a:solidFill>
+              <a:uFill>
+                <a:solidFill>
+                  <a:srgbClr val="FFFFFF"/>
                 </a:solidFill>
               </a:uFill>
               <a:latin typeface="Arial"/>
@@ -7907,13 +9304,13 @@
                 <a:spcPct val="100000"/>
               </a:lnSpc>
             </a:pPr>
-            <a:endParaRPr b="0" lang="en-US" sz="1800" spc="-1" strike="noStrike">
-              <a:solidFill>
-                <a:srgbClr val="000000"/>
-              </a:solidFill>
-              <a:uFill>
-                <a:solidFill>
-                  <a:srgbClr val="ffffff"/>
+            <a:endParaRPr lang="en-US" sz="1800" b="0" strike="noStrike" spc="-1">
+              <a:solidFill>
+                <a:srgbClr val="000000"/>
+              </a:solidFill>
+              <a:uFill>
+                <a:solidFill>
+                  <a:srgbClr val="FFFFFF"/>
                 </a:solidFill>
               </a:uFill>
               <a:latin typeface="Arial"/>
@@ -7925,13 +9322,13 @@
                 <a:spcPct val="100000"/>
               </a:lnSpc>
             </a:pPr>
-            <a:endParaRPr b="0" lang="en-US" sz="1800" spc="-1" strike="noStrike">
-              <a:solidFill>
-                <a:srgbClr val="000000"/>
-              </a:solidFill>
-              <a:uFill>
-                <a:solidFill>
-                  <a:srgbClr val="ffffff"/>
+            <a:endParaRPr lang="en-US" sz="1800" b="0" strike="noStrike" spc="-1">
+              <a:solidFill>
+                <a:srgbClr val="000000"/>
+              </a:solidFill>
+              <a:uFill>
+                <a:solidFill>
+                  <a:srgbClr val="FFFFFF"/>
                 </a:solidFill>
               </a:uFill>
               <a:latin typeface="Arial"/>
@@ -7959,13 +9356,20 @@
           </a:ln>
         </p:spPr>
         <p:style>
-          <a:lnRef idx="0"/>
-          <a:fillRef idx="0"/>
-          <a:effectRef idx="0"/>
+          <a:lnRef idx="0">
+            <a:scrgbClr r="0" g="0" b="0"/>
+          </a:lnRef>
+          <a:fillRef idx="0">
+            <a:scrgbClr r="0" g="0" b="0"/>
+          </a:fillRef>
+          <a:effectRef idx="0">
+            <a:scrgbClr r="0" g="0" b="0"/>
+          </a:effectRef>
           <a:fontRef idx="minor"/>
         </p:style>
         <p:txBody>
-          <a:bodyPr lIns="90000" rIns="90000" tIns="45000" bIns="45000" anchor="ctr"/>
+          <a:bodyPr lIns="90000" tIns="45000" rIns="90000" bIns="45000" anchor="ctr"/>
+          <a:lstStyle/>
           <a:p>
             <a:pPr algn="r">
               <a:lnSpc>
@@ -7973,27 +9377,27 @@
               </a:lnSpc>
             </a:pPr>
             <a:fld id="{A955E91F-8E7D-4B2F-8C7C-6DD42C20A4CF}" type="slidenum">
-              <a:rPr b="0" lang="en-US" sz="1100" spc="-1" strike="noStrike">
-                <a:solidFill>
-                  <a:srgbClr val="ffffff"/>
+              <a:rPr lang="en-US" sz="1100" b="0" strike="noStrike" spc="-1">
+                <a:solidFill>
+                  <a:srgbClr val="FFFFFF"/>
                 </a:solidFill>
                 <a:uFill>
                   <a:solidFill>
-                    <a:srgbClr val="ffffff"/>
+                    <a:srgbClr val="FFFFFF"/>
                   </a:solidFill>
                 </a:uFill>
                 <a:latin typeface="Calibri"/>
                 <a:ea typeface="DejaVu Sans"/>
               </a:rPr>
-              <a:t>&lt;number&gt;</a:t>
+              <a:t>5</a:t>
             </a:fld>
-            <a:endParaRPr b="0" lang="en-US" sz="1800" spc="-1" strike="noStrike">
-              <a:solidFill>
-                <a:srgbClr val="000000"/>
-              </a:solidFill>
-              <a:uFill>
-                <a:solidFill>
-                  <a:srgbClr val="ffffff"/>
+            <a:endParaRPr lang="en-US" sz="1800" b="0" strike="noStrike" spc="-1">
+              <a:solidFill>
+                <a:srgbClr val="000000"/>
+              </a:solidFill>
+              <a:uFill>
+                <a:solidFill>
+                  <a:srgbClr val="FFFFFF"/>
                 </a:solidFill>
               </a:uFill>
               <a:latin typeface="Arial"/>
@@ -8021,13 +9425,20 @@
           </a:ln>
         </p:spPr>
         <p:style>
-          <a:lnRef idx="0"/>
-          <a:fillRef idx="0"/>
-          <a:effectRef idx="0"/>
+          <a:lnRef idx="0">
+            <a:scrgbClr r="0" g="0" b="0"/>
+          </a:lnRef>
+          <a:fillRef idx="0">
+            <a:scrgbClr r="0" g="0" b="0"/>
+          </a:fillRef>
+          <a:effectRef idx="0">
+            <a:scrgbClr r="0" g="0" b="0"/>
+          </a:effectRef>
           <a:fontRef idx="minor"/>
         </p:style>
         <p:txBody>
-          <a:bodyPr lIns="90000" rIns="90000" tIns="91440" bIns="91440"/>
+          <a:bodyPr lIns="90000" tIns="91440" rIns="90000" bIns="91440"/>
+          <a:lstStyle/>
           <a:p>
             <a:pPr algn="r">
               <a:lnSpc>
@@ -8035,13 +9446,13 @@
               </a:lnSpc>
             </a:pPr>
             <a:r>
-              <a:rPr b="1" lang="en-US" sz="2000" spc="-1" strike="noStrike">
-                <a:solidFill>
-                  <a:srgbClr val="0070c0"/>
+              <a:rPr lang="en-US" sz="2000" b="1" strike="noStrike" spc="-1">
+                <a:solidFill>
+                  <a:srgbClr val="0070C0"/>
                 </a:solidFill>
                 <a:uFill>
                   <a:solidFill>
-                    <a:srgbClr val="ffffff"/>
+                    <a:srgbClr val="FFFFFF"/>
                   </a:solidFill>
                 </a:uFill>
                 <a:latin typeface="Calibri"/>
@@ -8049,13 +9460,13 @@
               </a:rPr>
               <a:t>Ветки</a:t>
             </a:r>
-            <a:endParaRPr b="0" lang="en-US" sz="1800" spc="-1" strike="noStrike">
-              <a:solidFill>
-                <a:srgbClr val="000000"/>
-              </a:solidFill>
-              <a:uFill>
-                <a:solidFill>
-                  <a:srgbClr val="ffffff"/>
+            <a:endParaRPr lang="en-US" sz="1800" b="0" strike="noStrike" spc="-1">
+              <a:solidFill>
+                <a:srgbClr val="000000"/>
+              </a:solidFill>
+              <a:uFill>
+                <a:solidFill>
+                  <a:srgbClr val="FFFFFF"/>
                 </a:solidFill>
               </a:uFill>
               <a:latin typeface="Arial"/>
@@ -8065,12 +9476,12 @@
       </p:sp>
       <p:pic>
         <p:nvPicPr>
-          <p:cNvPr id="92" name="" descr=""/>
+          <p:cNvPr id="92" name="Picture 91"/>
           <p:cNvPicPr/>
           <p:nvPr/>
         </p:nvPicPr>
         <p:blipFill>
-          <a:blip r:embed="rId1"/>
+          <a:blip r:embed="rId2"/>
           <a:stretch/>
         </p:blipFill>
         <p:spPr>
@@ -8088,22 +9499,25 @@
       </p:pic>
     </p:spTree>
   </p:cSld>
+  <p:clrMapOvr>
+    <a:masterClrMapping/>
+  </p:clrMapOvr>
   <p:timing>
     <p:tnLst>
       <p:par>
-        <p:cTn id="9" dur="indefinite" restart="never" nodeType="tmRoot">
+        <p:cTn id="1" dur="indefinite" restart="never" nodeType="tmRoot">
           <p:childTnLst>
             <p:seq>
-              <p:cTn id="10" nodeType="mainSeq"/>
+              <p:cTn id="2" nodeType="mainSeq"/>
               <p:prevCondLst>
-                <p:cond delay="0" evt="onPrev">
+                <p:cond evt="onPrev" delay="0">
                   <p:tgtEl>
                     <p:sldTgt/>
                   </p:tgtEl>
                 </p:cond>
               </p:prevCondLst>
               <p:nextCondLst>
-                <p:cond delay="0" evt="onNext">
+                <p:cond evt="onNext" delay="0">
                   <p:tgtEl>
                     <p:sldTgt/>
                   </p:tgtEl>
@@ -8119,7 +9533,7 @@
 </file>
 
 <file path=ppt/slides/slide6.xml><?xml version="1.0" encoding="utf-8"?>
-<p:sld xmlns:a="http://schemas.openxmlformats.org/drawingml/2006/main" xmlns:p="http://schemas.openxmlformats.org/presentationml/2006/main" xmlns:r="http://schemas.openxmlformats.org/officeDocument/2006/relationships" xmlns:p14="http://schemas.microsoft.com/office/powerpoint/2010/main" xmlns:p15="http://schemas.microsoft.com/office/powerpoint/2012/main" xmlns:mc="http://schemas.openxmlformats.org/markup-compatibility/2006">
+<p:sld xmlns:a="http://schemas.openxmlformats.org/drawingml/2006/main" xmlns:r="http://schemas.openxmlformats.org/officeDocument/2006/relationships" xmlns:p="http://schemas.openxmlformats.org/presentationml/2006/main">
   <p:cSld>
     <p:spTree>
       <p:nvGrpSpPr>
@@ -8155,9 +9569,15 @@
           </a:ln>
         </p:spPr>
         <p:style>
-          <a:lnRef idx="0"/>
-          <a:fillRef idx="0"/>
-          <a:effectRef idx="0"/>
+          <a:lnRef idx="0">
+            <a:scrgbClr r="0" g="0" b="0"/>
+          </a:lnRef>
+          <a:fillRef idx="0">
+            <a:scrgbClr r="0" g="0" b="0"/>
+          </a:fillRef>
+          <a:effectRef idx="0">
+            <a:scrgbClr r="0" g="0" b="0"/>
+          </a:effectRef>
           <a:fontRef idx="minor"/>
         </p:style>
       </p:sp>
@@ -8181,13 +9601,20 @@
           </a:ln>
         </p:spPr>
         <p:style>
-          <a:lnRef idx="0"/>
-          <a:fillRef idx="0"/>
-          <a:effectRef idx="0"/>
+          <a:lnRef idx="0">
+            <a:scrgbClr r="0" g="0" b="0"/>
+          </a:lnRef>
+          <a:fillRef idx="0">
+            <a:scrgbClr r="0" g="0" b="0"/>
+          </a:fillRef>
+          <a:effectRef idx="0">
+            <a:scrgbClr r="0" g="0" b="0"/>
+          </a:effectRef>
           <a:fontRef idx="minor"/>
         </p:style>
         <p:txBody>
-          <a:bodyPr lIns="90000" rIns="90000" tIns="45000" bIns="45000" anchor="ctr"/>
+          <a:bodyPr lIns="90000" tIns="45000" rIns="90000" bIns="45000" anchor="ctr"/>
+          <a:lstStyle/>
           <a:p>
             <a:pPr algn="r">
               <a:lnSpc>
@@ -8195,27 +9622,27 @@
               </a:lnSpc>
             </a:pPr>
             <a:fld id="{691A9A52-2D0F-4D05-8432-57F12743A421}" type="slidenum">
-              <a:rPr b="0" lang="en-US" sz="1100" spc="-1" strike="noStrike">
-                <a:solidFill>
-                  <a:srgbClr val="ffffff"/>
+              <a:rPr lang="en-US" sz="1100" b="0" strike="noStrike" spc="-1">
+                <a:solidFill>
+                  <a:srgbClr val="FFFFFF"/>
                 </a:solidFill>
                 <a:uFill>
                   <a:solidFill>
-                    <a:srgbClr val="ffffff"/>
+                    <a:srgbClr val="FFFFFF"/>
                   </a:solidFill>
                 </a:uFill>
                 <a:latin typeface="Calibri"/>
                 <a:ea typeface="DejaVu Sans"/>
               </a:rPr>
-              <a:t>&lt;number&gt;</a:t>
+              <a:t>6</a:t>
             </a:fld>
-            <a:endParaRPr b="0" lang="en-US" sz="1800" spc="-1" strike="noStrike">
-              <a:solidFill>
-                <a:srgbClr val="000000"/>
-              </a:solidFill>
-              <a:uFill>
-                <a:solidFill>
-                  <a:srgbClr val="ffffff"/>
+            <a:endParaRPr lang="en-US" sz="1800" b="0" strike="noStrike" spc="-1">
+              <a:solidFill>
+                <a:srgbClr val="000000"/>
+              </a:solidFill>
+              <a:uFill>
+                <a:solidFill>
+                  <a:srgbClr val="FFFFFF"/>
                 </a:solidFill>
               </a:uFill>
               <a:latin typeface="Arial"/>
@@ -8243,13 +9670,20 @@
           </a:ln>
         </p:spPr>
         <p:style>
-          <a:lnRef idx="0"/>
-          <a:fillRef idx="0"/>
-          <a:effectRef idx="0"/>
+          <a:lnRef idx="0">
+            <a:scrgbClr r="0" g="0" b="0"/>
+          </a:lnRef>
+          <a:fillRef idx="0">
+            <a:scrgbClr r="0" g="0" b="0"/>
+          </a:fillRef>
+          <a:effectRef idx="0">
+            <a:scrgbClr r="0" g="0" b="0"/>
+          </a:effectRef>
           <a:fontRef idx="minor"/>
         </p:style>
         <p:txBody>
-          <a:bodyPr lIns="90000" rIns="90000" tIns="91440" bIns="91440"/>
+          <a:bodyPr lIns="90000" tIns="91440" rIns="90000" bIns="91440"/>
+          <a:lstStyle/>
           <a:p>
             <a:pPr algn="r">
               <a:lnSpc>
@@ -8257,13 +9691,13 @@
               </a:lnSpc>
             </a:pPr>
             <a:r>
-              <a:rPr b="1" lang="en-US" sz="2000" spc="-1" strike="noStrike">
-                <a:solidFill>
-                  <a:srgbClr val="0070c0"/>
+              <a:rPr lang="en-US" sz="2000" b="1" strike="noStrike" spc="-1">
+                <a:solidFill>
+                  <a:srgbClr val="0070C0"/>
                 </a:solidFill>
                 <a:uFill>
                   <a:solidFill>
-                    <a:srgbClr val="ffffff"/>
+                    <a:srgbClr val="FFFFFF"/>
                   </a:solidFill>
                 </a:uFill>
                 <a:latin typeface="Calibri"/>
@@ -8271,13 +9705,13 @@
               </a:rPr>
               <a:t>Ветки</a:t>
             </a:r>
-            <a:endParaRPr b="0" lang="en-US" sz="1800" spc="-1" strike="noStrike">
-              <a:solidFill>
-                <a:srgbClr val="000000"/>
-              </a:solidFill>
-              <a:uFill>
-                <a:solidFill>
-                  <a:srgbClr val="ffffff"/>
+            <a:endParaRPr lang="en-US" sz="1800" b="0" strike="noStrike" spc="-1">
+              <a:solidFill>
+                <a:srgbClr val="000000"/>
+              </a:solidFill>
+              <a:uFill>
+                <a:solidFill>
+                  <a:srgbClr val="FFFFFF"/>
                 </a:solidFill>
               </a:uFill>
               <a:latin typeface="Arial"/>
@@ -8287,30 +9721,7 @@
       </p:sp>
       <p:pic>
         <p:nvPicPr>
-          <p:cNvPr id="96" name="" descr=""/>
-          <p:cNvPicPr/>
-          <p:nvPr/>
-        </p:nvPicPr>
-        <p:blipFill>
-          <a:blip r:embed="rId1"/>
-          <a:stretch/>
-        </p:blipFill>
-        <p:spPr>
-          <a:xfrm>
-            <a:off x="1800000" y="1152000"/>
-            <a:ext cx="3733560" cy="2952360"/>
-          </a:xfrm>
-          <a:prstGeom prst="rect">
-            <a:avLst/>
-          </a:prstGeom>
-          <a:ln>
-            <a:noFill/>
-          </a:ln>
-        </p:spPr>
-      </p:pic>
-      <p:pic>
-        <p:nvPicPr>
-          <p:cNvPr id="97" name="" descr=""/>
+          <p:cNvPr id="96" name="Picture 95"/>
           <p:cNvPicPr/>
           <p:nvPr/>
         </p:nvPicPr>
@@ -8320,8 +9731,8 @@
         </p:blipFill>
         <p:spPr>
           <a:xfrm>
-            <a:off x="1872000" y="5071320"/>
-            <a:ext cx="4466880" cy="904680"/>
+            <a:off x="1800000" y="1152000"/>
+            <a:ext cx="3733560" cy="2952360"/>
           </a:xfrm>
           <a:prstGeom prst="rect">
             <a:avLst/>
@@ -8331,24 +9742,50 @@
           </a:ln>
         </p:spPr>
       </p:pic>
+      <p:pic>
+        <p:nvPicPr>
+          <p:cNvPr id="97" name="Picture 96"/>
+          <p:cNvPicPr/>
+          <p:nvPr/>
+        </p:nvPicPr>
+        <p:blipFill>
+          <a:blip r:embed="rId3"/>
+          <a:stretch/>
+        </p:blipFill>
+        <p:spPr>
+          <a:xfrm>
+            <a:off x="1872000" y="5071320"/>
+            <a:ext cx="4466880" cy="904680"/>
+          </a:xfrm>
+          <a:prstGeom prst="rect">
+            <a:avLst/>
+          </a:prstGeom>
+          <a:ln>
+            <a:noFill/>
+          </a:ln>
+        </p:spPr>
+      </p:pic>
     </p:spTree>
   </p:cSld>
+  <p:clrMapOvr>
+    <a:masterClrMapping/>
+  </p:clrMapOvr>
   <p:timing>
     <p:tnLst>
       <p:par>
-        <p:cTn id="11" dur="indefinite" restart="never" nodeType="tmRoot">
+        <p:cTn id="1" dur="indefinite" restart="never" nodeType="tmRoot">
           <p:childTnLst>
             <p:seq>
-              <p:cTn id="12" nodeType="mainSeq"/>
+              <p:cTn id="2" nodeType="mainSeq"/>
               <p:prevCondLst>
-                <p:cond delay="0" evt="onPrev">
+                <p:cond evt="onPrev" delay="0">
                   <p:tgtEl>
                     <p:sldTgt/>
                   </p:tgtEl>
                 </p:cond>
               </p:prevCondLst>
               <p:nextCondLst>
-                <p:cond delay="0" evt="onNext">
+                <p:cond evt="onNext" delay="0">
                   <p:tgtEl>
                     <p:sldTgt/>
                   </p:tgtEl>
@@ -8364,7 +9801,7 @@
 </file>
 
 <file path=ppt/slides/slide7.xml><?xml version="1.0" encoding="utf-8"?>
-<p:sld xmlns:a="http://schemas.openxmlformats.org/drawingml/2006/main" xmlns:p="http://schemas.openxmlformats.org/presentationml/2006/main" xmlns:r="http://schemas.openxmlformats.org/officeDocument/2006/relationships" xmlns:p14="http://schemas.microsoft.com/office/powerpoint/2010/main" xmlns:p15="http://schemas.microsoft.com/office/powerpoint/2012/main" xmlns:mc="http://schemas.openxmlformats.org/markup-compatibility/2006">
+<p:sld xmlns:a="http://schemas.openxmlformats.org/drawingml/2006/main" xmlns:r="http://schemas.openxmlformats.org/officeDocument/2006/relationships" xmlns:p="http://schemas.openxmlformats.org/presentationml/2006/main">
   <p:cSld>
     <p:spTree>
       <p:nvGrpSpPr>
@@ -8400,9 +9837,15 @@
           </a:ln>
         </p:spPr>
         <p:style>
-          <a:lnRef idx="0"/>
-          <a:fillRef idx="0"/>
-          <a:effectRef idx="0"/>
+          <a:lnRef idx="0">
+            <a:scrgbClr r="0" g="0" b="0"/>
+          </a:lnRef>
+          <a:fillRef idx="0">
+            <a:scrgbClr r="0" g="0" b="0"/>
+          </a:fillRef>
+          <a:effectRef idx="0">
+            <a:scrgbClr r="0" g="0" b="0"/>
+          </a:effectRef>
           <a:fontRef idx="minor"/>
         </p:style>
       </p:sp>
@@ -8426,13 +9869,20 @@
           </a:ln>
         </p:spPr>
         <p:style>
-          <a:lnRef idx="0"/>
-          <a:fillRef idx="0"/>
-          <a:effectRef idx="0"/>
+          <a:lnRef idx="0">
+            <a:scrgbClr r="0" g="0" b="0"/>
+          </a:lnRef>
+          <a:fillRef idx="0">
+            <a:scrgbClr r="0" g="0" b="0"/>
+          </a:fillRef>
+          <a:effectRef idx="0">
+            <a:scrgbClr r="0" g="0" b="0"/>
+          </a:effectRef>
           <a:fontRef idx="minor"/>
         </p:style>
         <p:txBody>
-          <a:bodyPr lIns="90000" rIns="90000" tIns="45000" bIns="45000" anchor="ctr"/>
+          <a:bodyPr lIns="90000" tIns="45000" rIns="90000" bIns="45000" anchor="ctr"/>
+          <a:lstStyle/>
           <a:p>
             <a:pPr algn="r">
               <a:lnSpc>
@@ -8440,27 +9890,27 @@
               </a:lnSpc>
             </a:pPr>
             <a:fld id="{EC20BA8D-2B51-4D7F-8017-B79D81724256}" type="slidenum">
-              <a:rPr b="0" lang="en-US" sz="1100" spc="-1" strike="noStrike">
-                <a:solidFill>
-                  <a:srgbClr val="ffffff"/>
+              <a:rPr lang="en-US" sz="1100" b="0" strike="noStrike" spc="-1">
+                <a:solidFill>
+                  <a:srgbClr val="FFFFFF"/>
                 </a:solidFill>
                 <a:uFill>
                   <a:solidFill>
-                    <a:srgbClr val="ffffff"/>
+                    <a:srgbClr val="FFFFFF"/>
                   </a:solidFill>
                 </a:uFill>
                 <a:latin typeface="Calibri"/>
                 <a:ea typeface="DejaVu Sans"/>
               </a:rPr>
-              <a:t>&lt;number&gt;</a:t>
+              <a:t>7</a:t>
             </a:fld>
-            <a:endParaRPr b="0" lang="en-US" sz="1800" spc="-1" strike="noStrike">
-              <a:solidFill>
-                <a:srgbClr val="000000"/>
-              </a:solidFill>
-              <a:uFill>
-                <a:solidFill>
-                  <a:srgbClr val="ffffff"/>
+            <a:endParaRPr lang="en-US" sz="1800" b="0" strike="noStrike" spc="-1">
+              <a:solidFill>
+                <a:srgbClr val="000000"/>
+              </a:solidFill>
+              <a:uFill>
+                <a:solidFill>
+                  <a:srgbClr val="FFFFFF"/>
                 </a:solidFill>
               </a:uFill>
               <a:latin typeface="Arial"/>
@@ -8488,13 +9938,20 @@
           </a:ln>
         </p:spPr>
         <p:style>
-          <a:lnRef idx="0"/>
-          <a:fillRef idx="0"/>
-          <a:effectRef idx="0"/>
+          <a:lnRef idx="0">
+            <a:scrgbClr r="0" g="0" b="0"/>
+          </a:lnRef>
+          <a:fillRef idx="0">
+            <a:scrgbClr r="0" g="0" b="0"/>
+          </a:fillRef>
+          <a:effectRef idx="0">
+            <a:scrgbClr r="0" g="0" b="0"/>
+          </a:effectRef>
           <a:fontRef idx="minor"/>
         </p:style>
         <p:txBody>
-          <a:bodyPr lIns="90000" rIns="90000" tIns="91440" bIns="91440"/>
+          <a:bodyPr lIns="90000" tIns="91440" rIns="90000" bIns="91440"/>
+          <a:lstStyle/>
           <a:p>
             <a:pPr algn="r">
               <a:lnSpc>
@@ -8502,13 +9959,13 @@
               </a:lnSpc>
             </a:pPr>
             <a:r>
-              <a:rPr b="1" lang="en-US" sz="2000" spc="-1" strike="noStrike">
-                <a:solidFill>
-                  <a:srgbClr val="0070c0"/>
+              <a:rPr lang="en-US" sz="2000" b="1" strike="noStrike" spc="-1">
+                <a:solidFill>
+                  <a:srgbClr val="0070C0"/>
                 </a:solidFill>
                 <a:uFill>
                   <a:solidFill>
-                    <a:srgbClr val="ffffff"/>
+                    <a:srgbClr val="FFFFFF"/>
                   </a:solidFill>
                 </a:uFill>
                 <a:latin typeface="Calibri"/>
@@ -8516,13 +9973,13 @@
               </a:rPr>
               <a:t>Ветки</a:t>
             </a:r>
-            <a:endParaRPr b="0" lang="en-US" sz="1800" spc="-1" strike="noStrike">
-              <a:solidFill>
-                <a:srgbClr val="000000"/>
-              </a:solidFill>
-              <a:uFill>
-                <a:solidFill>
-                  <a:srgbClr val="ffffff"/>
+            <a:endParaRPr lang="en-US" sz="1800" b="0" strike="noStrike" spc="-1">
+              <a:solidFill>
+                <a:srgbClr val="000000"/>
+              </a:solidFill>
+              <a:uFill>
+                <a:solidFill>
+                  <a:srgbClr val="FFFFFF"/>
                 </a:solidFill>
               </a:uFill>
               <a:latin typeface="Arial"/>
@@ -8532,30 +9989,7 @@
       </p:sp>
       <p:pic>
         <p:nvPicPr>
-          <p:cNvPr id="101" name="" descr=""/>
-          <p:cNvPicPr/>
-          <p:nvPr/>
-        </p:nvPicPr>
-        <p:blipFill>
-          <a:blip r:embed="rId1"/>
-          <a:stretch/>
-        </p:blipFill>
-        <p:spPr>
-          <a:xfrm>
-            <a:off x="709920" y="1010520"/>
-            <a:ext cx="4762080" cy="2733480"/>
-          </a:xfrm>
-          <a:prstGeom prst="rect">
-            <a:avLst/>
-          </a:prstGeom>
-          <a:ln>
-            <a:noFill/>
-          </a:ln>
-        </p:spPr>
-      </p:pic>
-      <p:pic>
-        <p:nvPicPr>
-          <p:cNvPr id="102" name="" descr=""/>
+          <p:cNvPr id="101" name="Picture 100"/>
           <p:cNvPicPr/>
           <p:nvPr/>
         </p:nvPicPr>
@@ -8565,8 +9999,8 @@
         </p:blipFill>
         <p:spPr>
           <a:xfrm>
-            <a:off x="1127880" y="3888000"/>
-            <a:ext cx="3552120" cy="1104480"/>
+            <a:off x="709920" y="1010520"/>
+            <a:ext cx="4762080" cy="2733480"/>
           </a:xfrm>
           <a:prstGeom prst="rect">
             <a:avLst/>
@@ -8576,24 +10010,50 @@
           </a:ln>
         </p:spPr>
       </p:pic>
+      <p:pic>
+        <p:nvPicPr>
+          <p:cNvPr id="102" name="Picture 101"/>
+          <p:cNvPicPr/>
+          <p:nvPr/>
+        </p:nvPicPr>
+        <p:blipFill>
+          <a:blip r:embed="rId3"/>
+          <a:stretch/>
+        </p:blipFill>
+        <p:spPr>
+          <a:xfrm>
+            <a:off x="1127880" y="3888000"/>
+            <a:ext cx="3552120" cy="1104480"/>
+          </a:xfrm>
+          <a:prstGeom prst="rect">
+            <a:avLst/>
+          </a:prstGeom>
+          <a:ln>
+            <a:noFill/>
+          </a:ln>
+        </p:spPr>
+      </p:pic>
     </p:spTree>
   </p:cSld>
+  <p:clrMapOvr>
+    <a:masterClrMapping/>
+  </p:clrMapOvr>
   <p:timing>
     <p:tnLst>
       <p:par>
-        <p:cTn id="13" dur="indefinite" restart="never" nodeType="tmRoot">
+        <p:cTn id="1" dur="indefinite" restart="never" nodeType="tmRoot">
           <p:childTnLst>
             <p:seq>
-              <p:cTn id="14" nodeType="mainSeq"/>
+              <p:cTn id="2" nodeType="mainSeq"/>
               <p:prevCondLst>
-                <p:cond delay="0" evt="onPrev">
+                <p:cond evt="onPrev" delay="0">
                   <p:tgtEl>
                     <p:sldTgt/>
                   </p:tgtEl>
                 </p:cond>
               </p:prevCondLst>
               <p:nextCondLst>
-                <p:cond delay="0" evt="onNext">
+                <p:cond evt="onNext" delay="0">
                   <p:tgtEl>
                     <p:sldTgt/>
                   </p:tgtEl>
@@ -8609,7 +10069,7 @@
 </file>
 
 <file path=ppt/slides/slide8.xml><?xml version="1.0" encoding="utf-8"?>
-<p:sld xmlns:a="http://schemas.openxmlformats.org/drawingml/2006/main" xmlns:p="http://schemas.openxmlformats.org/presentationml/2006/main" xmlns:r="http://schemas.openxmlformats.org/officeDocument/2006/relationships" xmlns:p14="http://schemas.microsoft.com/office/powerpoint/2010/main" xmlns:p15="http://schemas.microsoft.com/office/powerpoint/2012/main" xmlns:mc="http://schemas.openxmlformats.org/markup-compatibility/2006">
+<p:sld xmlns:a="http://schemas.openxmlformats.org/drawingml/2006/main" xmlns:r="http://schemas.openxmlformats.org/officeDocument/2006/relationships" xmlns:p="http://schemas.openxmlformats.org/presentationml/2006/main">
   <p:cSld>
     <p:spTree>
       <p:nvGrpSpPr>
@@ -8645,9 +10105,15 @@
           </a:ln>
         </p:spPr>
         <p:style>
-          <a:lnRef idx="0"/>
-          <a:fillRef idx="0"/>
-          <a:effectRef idx="0"/>
+          <a:lnRef idx="0">
+            <a:scrgbClr r="0" g="0" b="0"/>
+          </a:lnRef>
+          <a:fillRef idx="0">
+            <a:scrgbClr r="0" g="0" b="0"/>
+          </a:fillRef>
+          <a:effectRef idx="0">
+            <a:scrgbClr r="0" g="0" b="0"/>
+          </a:effectRef>
           <a:fontRef idx="minor"/>
         </p:style>
       </p:sp>
@@ -8671,13 +10137,20 @@
           </a:ln>
         </p:spPr>
         <p:style>
-          <a:lnRef idx="0"/>
-          <a:fillRef idx="0"/>
-          <a:effectRef idx="0"/>
+          <a:lnRef idx="0">
+            <a:scrgbClr r="0" g="0" b="0"/>
+          </a:lnRef>
+          <a:fillRef idx="0">
+            <a:scrgbClr r="0" g="0" b="0"/>
+          </a:fillRef>
+          <a:effectRef idx="0">
+            <a:scrgbClr r="0" g="0" b="0"/>
+          </a:effectRef>
           <a:fontRef idx="minor"/>
         </p:style>
         <p:txBody>
-          <a:bodyPr lIns="90000" rIns="90000" tIns="45000" bIns="45000" anchor="ctr"/>
+          <a:bodyPr lIns="90000" tIns="45000" rIns="90000" bIns="45000" anchor="ctr"/>
+          <a:lstStyle/>
           <a:p>
             <a:pPr algn="r">
               <a:lnSpc>
@@ -8685,27 +10158,27 @@
               </a:lnSpc>
             </a:pPr>
             <a:fld id="{856BC5AE-28AF-4DA8-A12D-939989209EEE}" type="slidenum">
-              <a:rPr b="0" lang="en-US" sz="1100" spc="-1" strike="noStrike">
-                <a:solidFill>
-                  <a:srgbClr val="ffffff"/>
+              <a:rPr lang="en-US" sz="1100" b="0" strike="noStrike" spc="-1">
+                <a:solidFill>
+                  <a:srgbClr val="FFFFFF"/>
                 </a:solidFill>
                 <a:uFill>
                   <a:solidFill>
-                    <a:srgbClr val="ffffff"/>
+                    <a:srgbClr val="FFFFFF"/>
                   </a:solidFill>
                 </a:uFill>
                 <a:latin typeface="Calibri"/>
                 <a:ea typeface="DejaVu Sans"/>
               </a:rPr>
-              <a:t>&lt;number&gt;</a:t>
+              <a:t>8</a:t>
             </a:fld>
-            <a:endParaRPr b="0" lang="en-US" sz="1800" spc="-1" strike="noStrike">
-              <a:solidFill>
-                <a:srgbClr val="000000"/>
-              </a:solidFill>
-              <a:uFill>
-                <a:solidFill>
-                  <a:srgbClr val="ffffff"/>
+            <a:endParaRPr lang="en-US" sz="1800" b="0" strike="noStrike" spc="-1">
+              <a:solidFill>
+                <a:srgbClr val="000000"/>
+              </a:solidFill>
+              <a:uFill>
+                <a:solidFill>
+                  <a:srgbClr val="FFFFFF"/>
                 </a:solidFill>
               </a:uFill>
               <a:latin typeface="Arial"/>
@@ -8733,13 +10206,20 @@
           </a:ln>
         </p:spPr>
         <p:style>
-          <a:lnRef idx="0"/>
-          <a:fillRef idx="0"/>
-          <a:effectRef idx="0"/>
+          <a:lnRef idx="0">
+            <a:scrgbClr r="0" g="0" b="0"/>
+          </a:lnRef>
+          <a:fillRef idx="0">
+            <a:scrgbClr r="0" g="0" b="0"/>
+          </a:fillRef>
+          <a:effectRef idx="0">
+            <a:scrgbClr r="0" g="0" b="0"/>
+          </a:effectRef>
           <a:fontRef idx="minor"/>
         </p:style>
         <p:txBody>
-          <a:bodyPr lIns="90000" rIns="90000" tIns="91440" bIns="91440"/>
+          <a:bodyPr lIns="90000" tIns="91440" rIns="90000" bIns="91440"/>
+          <a:lstStyle/>
           <a:p>
             <a:pPr algn="r">
               <a:lnSpc>
@@ -8747,13 +10227,13 @@
               </a:lnSpc>
             </a:pPr>
             <a:r>
-              <a:rPr b="1" lang="en-US" sz="2000" spc="-1" strike="noStrike">
-                <a:solidFill>
-                  <a:srgbClr val="0070c0"/>
+              <a:rPr lang="en-US" sz="2000" b="1" strike="noStrike" spc="-1">
+                <a:solidFill>
+                  <a:srgbClr val="0070C0"/>
                 </a:solidFill>
                 <a:uFill>
                   <a:solidFill>
-                    <a:srgbClr val="ffffff"/>
+                    <a:srgbClr val="FFFFFF"/>
                   </a:solidFill>
                 </a:uFill>
                 <a:latin typeface="Calibri"/>
@@ -8761,13 +10241,13 @@
               </a:rPr>
               <a:t>Ветки</a:t>
             </a:r>
-            <a:endParaRPr b="0" lang="en-US" sz="1800" spc="-1" strike="noStrike">
-              <a:solidFill>
-                <a:srgbClr val="000000"/>
-              </a:solidFill>
-              <a:uFill>
-                <a:solidFill>
-                  <a:srgbClr val="ffffff"/>
+            <a:endParaRPr lang="en-US" sz="1800" b="0" strike="noStrike" spc="-1">
+              <a:solidFill>
+                <a:srgbClr val="000000"/>
+              </a:solidFill>
+              <a:uFill>
+                <a:solidFill>
+                  <a:srgbClr val="FFFFFF"/>
                 </a:solidFill>
               </a:uFill>
               <a:latin typeface="Arial"/>
@@ -8777,30 +10257,7 @@
       </p:sp>
       <p:pic>
         <p:nvPicPr>
-          <p:cNvPr id="106" name="" descr=""/>
-          <p:cNvPicPr/>
-          <p:nvPr/>
-        </p:nvPicPr>
-        <p:blipFill>
-          <a:blip r:embed="rId1"/>
-          <a:stretch/>
-        </p:blipFill>
-        <p:spPr>
-          <a:xfrm>
-            <a:off x="277920" y="1296000"/>
-            <a:ext cx="4762080" cy="2733480"/>
-          </a:xfrm>
-          <a:prstGeom prst="rect">
-            <a:avLst/>
-          </a:prstGeom>
-          <a:ln>
-            <a:noFill/>
-          </a:ln>
-        </p:spPr>
-      </p:pic>
-      <p:pic>
-        <p:nvPicPr>
-          <p:cNvPr id="107" name="" descr=""/>
+          <p:cNvPr id="106" name="Picture 105"/>
           <p:cNvPicPr/>
           <p:nvPr/>
         </p:nvPicPr>
@@ -8810,8 +10267,8 @@
         </p:blipFill>
         <p:spPr>
           <a:xfrm>
-            <a:off x="910800" y="4583520"/>
-            <a:ext cx="4057200" cy="1104480"/>
+            <a:off x="277920" y="1296000"/>
+            <a:ext cx="4762080" cy="2733480"/>
           </a:xfrm>
           <a:prstGeom prst="rect">
             <a:avLst/>
@@ -8821,24 +10278,50 @@
           </a:ln>
         </p:spPr>
       </p:pic>
+      <p:pic>
+        <p:nvPicPr>
+          <p:cNvPr id="107" name="Picture 106"/>
+          <p:cNvPicPr/>
+          <p:nvPr/>
+        </p:nvPicPr>
+        <p:blipFill>
+          <a:blip r:embed="rId3"/>
+          <a:stretch/>
+        </p:blipFill>
+        <p:spPr>
+          <a:xfrm>
+            <a:off x="910800" y="4583520"/>
+            <a:ext cx="4057200" cy="1104480"/>
+          </a:xfrm>
+          <a:prstGeom prst="rect">
+            <a:avLst/>
+          </a:prstGeom>
+          <a:ln>
+            <a:noFill/>
+          </a:ln>
+        </p:spPr>
+      </p:pic>
     </p:spTree>
   </p:cSld>
+  <p:clrMapOvr>
+    <a:masterClrMapping/>
+  </p:clrMapOvr>
   <p:timing>
     <p:tnLst>
       <p:par>
-        <p:cTn id="15" dur="indefinite" restart="never" nodeType="tmRoot">
+        <p:cTn id="1" dur="indefinite" restart="never" nodeType="tmRoot">
           <p:childTnLst>
             <p:seq>
-              <p:cTn id="16" nodeType="mainSeq"/>
+              <p:cTn id="2" nodeType="mainSeq"/>
               <p:prevCondLst>
-                <p:cond delay="0" evt="onPrev">
+                <p:cond evt="onPrev" delay="0">
                   <p:tgtEl>
                     <p:sldTgt/>
                   </p:tgtEl>
                 </p:cond>
               </p:prevCondLst>
               <p:nextCondLst>
-                <p:cond delay="0" evt="onNext">
+                <p:cond evt="onNext" delay="0">
                   <p:tgtEl>
                     <p:sldTgt/>
                   </p:tgtEl>
@@ -8854,7 +10337,7 @@
 </file>
 
 <file path=ppt/slides/slide9.xml><?xml version="1.0" encoding="utf-8"?>
-<p:sld xmlns:a="http://schemas.openxmlformats.org/drawingml/2006/main" xmlns:p="http://schemas.openxmlformats.org/presentationml/2006/main" xmlns:r="http://schemas.openxmlformats.org/officeDocument/2006/relationships" xmlns:p14="http://schemas.microsoft.com/office/powerpoint/2010/main" xmlns:p15="http://schemas.microsoft.com/office/powerpoint/2012/main" xmlns:mc="http://schemas.openxmlformats.org/markup-compatibility/2006">
+<p:sld xmlns:a="http://schemas.openxmlformats.org/drawingml/2006/main" xmlns:r="http://schemas.openxmlformats.org/officeDocument/2006/relationships" xmlns:p="http://schemas.openxmlformats.org/presentationml/2006/main">
   <p:cSld>
     <p:spTree>
       <p:nvGrpSpPr>
@@ -8890,9 +10373,15 @@
           </a:ln>
         </p:spPr>
         <p:style>
-          <a:lnRef idx="0"/>
-          <a:fillRef idx="0"/>
-          <a:effectRef idx="0"/>
+          <a:lnRef idx="0">
+            <a:scrgbClr r="0" g="0" b="0"/>
+          </a:lnRef>
+          <a:fillRef idx="0">
+            <a:scrgbClr r="0" g="0" b="0"/>
+          </a:fillRef>
+          <a:effectRef idx="0">
+            <a:scrgbClr r="0" g="0" b="0"/>
+          </a:effectRef>
           <a:fontRef idx="minor"/>
         </p:style>
       </p:sp>
@@ -8916,13 +10405,20 @@
           </a:ln>
         </p:spPr>
         <p:style>
-          <a:lnRef idx="0"/>
-          <a:fillRef idx="0"/>
-          <a:effectRef idx="0"/>
+          <a:lnRef idx="0">
+            <a:scrgbClr r="0" g="0" b="0"/>
+          </a:lnRef>
+          <a:fillRef idx="0">
+            <a:scrgbClr r="0" g="0" b="0"/>
+          </a:fillRef>
+          <a:effectRef idx="0">
+            <a:scrgbClr r="0" g="0" b="0"/>
+          </a:effectRef>
           <a:fontRef idx="minor"/>
         </p:style>
         <p:txBody>
-          <a:bodyPr lIns="90000" rIns="90000" tIns="45000" bIns="45000" anchor="ctr"/>
+          <a:bodyPr lIns="90000" tIns="45000" rIns="90000" bIns="45000" anchor="ctr"/>
+          <a:lstStyle/>
           <a:p>
             <a:pPr algn="r">
               <a:lnSpc>
@@ -8930,27 +10426,27 @@
               </a:lnSpc>
             </a:pPr>
             <a:fld id="{39B39996-D8CF-4BA0-AB57-AEBC843F884B}" type="slidenum">
-              <a:rPr b="0" lang="en-US" sz="1100" spc="-1" strike="noStrike">
-                <a:solidFill>
-                  <a:srgbClr val="ffffff"/>
+              <a:rPr lang="en-US" sz="1100" b="0" strike="noStrike" spc="-1">
+                <a:solidFill>
+                  <a:srgbClr val="FFFFFF"/>
                 </a:solidFill>
                 <a:uFill>
                   <a:solidFill>
-                    <a:srgbClr val="ffffff"/>
+                    <a:srgbClr val="FFFFFF"/>
                   </a:solidFill>
                 </a:uFill>
                 <a:latin typeface="Calibri"/>
                 <a:ea typeface="DejaVu Sans"/>
               </a:rPr>
-              <a:t>&lt;number&gt;</a:t>
+              <a:t>9</a:t>
             </a:fld>
-            <a:endParaRPr b="0" lang="en-US" sz="1800" spc="-1" strike="noStrike">
-              <a:solidFill>
-                <a:srgbClr val="000000"/>
-              </a:solidFill>
-              <a:uFill>
-                <a:solidFill>
-                  <a:srgbClr val="ffffff"/>
+            <a:endParaRPr lang="en-US" sz="1800" b="0" strike="noStrike" spc="-1">
+              <a:solidFill>
+                <a:srgbClr val="000000"/>
+              </a:solidFill>
+              <a:uFill>
+                <a:solidFill>
+                  <a:srgbClr val="FFFFFF"/>
                 </a:solidFill>
               </a:uFill>
               <a:latin typeface="Arial"/>
@@ -8978,13 +10474,20 @@
           </a:ln>
         </p:spPr>
         <p:style>
-          <a:lnRef idx="0"/>
-          <a:fillRef idx="0"/>
-          <a:effectRef idx="0"/>
+          <a:lnRef idx="0">
+            <a:scrgbClr r="0" g="0" b="0"/>
+          </a:lnRef>
+          <a:fillRef idx="0">
+            <a:scrgbClr r="0" g="0" b="0"/>
+          </a:fillRef>
+          <a:effectRef idx="0">
+            <a:scrgbClr r="0" g="0" b="0"/>
+          </a:effectRef>
           <a:fontRef idx="minor"/>
         </p:style>
         <p:txBody>
-          <a:bodyPr lIns="90000" rIns="90000" tIns="91440" bIns="91440"/>
+          <a:bodyPr lIns="90000" tIns="91440" rIns="90000" bIns="91440"/>
+          <a:lstStyle/>
           <a:p>
             <a:pPr algn="r">
               <a:lnSpc>
@@ -8992,13 +10495,13 @@
               </a:lnSpc>
             </a:pPr>
             <a:r>
-              <a:rPr b="1" lang="en-US" sz="2000" spc="-1" strike="noStrike">
-                <a:solidFill>
-                  <a:srgbClr val="0070c0"/>
+              <a:rPr lang="en-US" sz="2000" b="1" strike="noStrike" spc="-1">
+                <a:solidFill>
+                  <a:srgbClr val="0070C0"/>
                 </a:solidFill>
                 <a:uFill>
                   <a:solidFill>
-                    <a:srgbClr val="ffffff"/>
+                    <a:srgbClr val="FFFFFF"/>
                   </a:solidFill>
                 </a:uFill>
                 <a:latin typeface="Calibri"/>
@@ -9006,13 +10509,13 @@
               </a:rPr>
               <a:t>Ветки</a:t>
             </a:r>
-            <a:endParaRPr b="0" lang="en-US" sz="1800" spc="-1" strike="noStrike">
-              <a:solidFill>
-                <a:srgbClr val="000000"/>
-              </a:solidFill>
-              <a:uFill>
-                <a:solidFill>
-                  <a:srgbClr val="ffffff"/>
+            <a:endParaRPr lang="en-US" sz="1800" b="0" strike="noStrike" spc="-1">
+              <a:solidFill>
+                <a:srgbClr val="000000"/>
+              </a:solidFill>
+              <a:uFill>
+                <a:solidFill>
+                  <a:srgbClr val="FFFFFF"/>
                 </a:solidFill>
               </a:uFill>
               <a:latin typeface="Arial"/>
@@ -9022,30 +10525,7 @@
       </p:sp>
       <p:pic>
         <p:nvPicPr>
-          <p:cNvPr id="111" name="" descr=""/>
-          <p:cNvPicPr/>
-          <p:nvPr/>
-        </p:nvPicPr>
-        <p:blipFill>
-          <a:blip r:embed="rId1"/>
-          <a:stretch/>
-        </p:blipFill>
-        <p:spPr>
-          <a:xfrm>
-            <a:off x="925920" y="1005840"/>
-            <a:ext cx="4762080" cy="3638160"/>
-          </a:xfrm>
-          <a:prstGeom prst="rect">
-            <a:avLst/>
-          </a:prstGeom>
-          <a:ln>
-            <a:noFill/>
-          </a:ln>
-        </p:spPr>
-      </p:pic>
-      <p:pic>
-        <p:nvPicPr>
-          <p:cNvPr id="112" name="" descr=""/>
+          <p:cNvPr id="111" name="Picture 110"/>
           <p:cNvPicPr/>
           <p:nvPr/>
         </p:nvPicPr>
@@ -9055,8 +10535,8 @@
         </p:blipFill>
         <p:spPr>
           <a:xfrm>
-            <a:off x="504000" y="4896000"/>
-            <a:ext cx="3219120" cy="1285560"/>
+            <a:off x="925920" y="1005840"/>
+            <a:ext cx="4762080" cy="3638160"/>
           </a:xfrm>
           <a:prstGeom prst="rect">
             <a:avLst/>
@@ -9066,24 +10546,50 @@
           </a:ln>
         </p:spPr>
       </p:pic>
+      <p:pic>
+        <p:nvPicPr>
+          <p:cNvPr id="112" name="Picture 111"/>
+          <p:cNvPicPr/>
+          <p:nvPr/>
+        </p:nvPicPr>
+        <p:blipFill>
+          <a:blip r:embed="rId3"/>
+          <a:stretch/>
+        </p:blipFill>
+        <p:spPr>
+          <a:xfrm>
+            <a:off x="504000" y="4896000"/>
+            <a:ext cx="3219120" cy="1285560"/>
+          </a:xfrm>
+          <a:prstGeom prst="rect">
+            <a:avLst/>
+          </a:prstGeom>
+          <a:ln>
+            <a:noFill/>
+          </a:ln>
+        </p:spPr>
+      </p:pic>
     </p:spTree>
   </p:cSld>
+  <p:clrMapOvr>
+    <a:masterClrMapping/>
+  </p:clrMapOvr>
   <p:timing>
     <p:tnLst>
       <p:par>
-        <p:cTn id="17" dur="indefinite" restart="never" nodeType="tmRoot">
+        <p:cTn id="1" dur="indefinite" restart="never" nodeType="tmRoot">
           <p:childTnLst>
             <p:seq>
-              <p:cTn id="18" nodeType="mainSeq"/>
+              <p:cTn id="2" nodeType="mainSeq"/>
               <p:prevCondLst>
-                <p:cond delay="0" evt="onPrev">
+                <p:cond evt="onPrev" delay="0">
                   <p:tgtEl>
                     <p:sldTgt/>
                   </p:tgtEl>
                 </p:cond>
               </p:prevCondLst>
               <p:nextCondLst>
-                <p:cond delay="0" evt="onNext">
+                <p:cond evt="onNext" delay="0">
                   <p:tgtEl>
                     <p:sldTgt/>
                   </p:tgtEl>
@@ -9318,6 +10824,8 @@
       </a:bgFillStyleLst>
     </a:fmtScheme>
   </a:themeElements>
+  <a:objectDefaults/>
+  <a:extraClrSchemeLst/>
 </a:theme>
 </file>
 
@@ -9541,5 +11049,7 @@
       </a:bgFillStyleLst>
     </a:fmtScheme>
   </a:themeElements>
+  <a:objectDefaults/>
+  <a:extraClrSchemeLst/>
 </a:theme>
 </file>